--- a/group6presentation.pptx
+++ b/group6presentation.pptx
@@ -25,24 +25,17 @@
   <p:notesSz cx="6858000" cy="9144000"/>
   <p:embeddedFontLst>
     <p:embeddedFont>
-      <p:font typeface="Cambria Math" panose="02040503050406030204" pitchFamily="18" charset="0"/>
-      <p:regular r:id="rId15"/>
+      <p:font typeface="Tmon몬소리 Black" panose="020B0600000101010101" charset="-127"/>
+      <p:bold r:id="rId15"/>
     </p:embeddedFont>
     <p:embeddedFont>
-      <p:font typeface="Tmon몬소리 Black" panose="02000A03000000000000" pitchFamily="2" charset="-127"/>
-      <p:bold r:id="rId16"/>
+      <p:font typeface="Cambria Math" panose="02040503050406030204" pitchFamily="18" charset="0"/>
+      <p:regular r:id="rId16"/>
     </p:embeddedFont>
     <p:embeddedFont>
-      <p:font typeface="나눔스퀘어" panose="020B0600000101010101" pitchFamily="50" charset="-127"/>
+      <p:font typeface="맑은 고딕" panose="020B0503020000020004" pitchFamily="50" charset="-127"/>
       <p:regular r:id="rId17"/>
-    </p:embeddedFont>
-    <p:embeddedFont>
-      <p:font typeface="나눔스퀘어 Bold" panose="020B0600000101010101" pitchFamily="50" charset="-127"/>
       <p:bold r:id="rId18"/>
-    </p:embeddedFont>
-    <p:embeddedFont>
-      <p:font typeface="나눔스퀘어 ExtraBold" panose="020B0600000101010101" pitchFamily="50" charset="-127"/>
-      <p:bold r:id="rId19"/>
     </p:embeddedFont>
   </p:embeddedFontLst>
   <p:defaultTextStyle>
@@ -4836,6 +4829,13 @@
   <p:clrMapOvr>
     <a:masterClrMapping/>
   </p:clrMapOvr>
+  <p:timing>
+    <p:tnLst>
+      <p:par>
+        <p:cTn id="1" dur="indefinite" restart="never" nodeType="tmRoot"/>
+      </p:par>
+    </p:tnLst>
+  </p:timing>
 </p:sld>
 </file>
 
@@ -4921,155 +4921,197 @@
           </a:p>
         </p:txBody>
       </p:sp>
-      <p:grpSp>
-        <p:nvGrpSpPr>
-          <p:cNvPr id="12" name="그룹 6"/>
-          <p:cNvGrpSpPr/>
+      <p:sp>
+        <p:nvSpPr>
+          <p:cNvPr id="7" name="직사각형 6"/>
+          <p:cNvSpPr/>
           <p:nvPr/>
-        </p:nvGrpSpPr>
-        <p:grpSpPr>
+        </p:nvSpPr>
+        <p:spPr>
           <a:xfrm>
-            <a:off x="5627895" y="0"/>
-            <a:ext cx="2562253" cy="6858000"/>
-            <a:chOff x="6444205" y="0"/>
-            <a:chExt cx="2160243" cy="6858000"/>
+            <a:off x="-36512" y="692696"/>
+            <a:ext cx="5400595" cy="1671375"/>
           </a:xfrm>
+          <a:prstGeom prst="rect">
+            <a:avLst/>
+          </a:prstGeom>
           <a:solidFill>
-            <a:srgbClr val="002060"/>
+            <a:srgbClr val="123375"/>
           </a:solidFill>
-          <a:scene3d>
-            <a:camera prst="perspectiveFront"/>
-            <a:lightRig rig="threePt" dir="t"/>
-          </a:scene3d>
-        </p:grpSpPr>
-        <p:sp>
-          <p:nvSpPr>
-            <p:cNvPr id="13" name="직사각형 12"/>
-            <p:cNvSpPr/>
-            <p:nvPr/>
-          </p:nvSpPr>
-          <p:spPr>
-            <a:xfrm>
-              <a:off x="6444208" y="0"/>
-              <a:ext cx="2160240" cy="6858000"/>
-            </a:xfrm>
-            <a:prstGeom prst="rect">
-              <a:avLst/>
-            </a:prstGeom>
-            <a:solidFill>
-              <a:srgbClr val="002060"/>
-            </a:solidFill>
-            <a:ln>
-              <a:noFill/>
-            </a:ln>
-          </p:spPr>
-          <p:style>
-            <a:lnRef idx="2">
-              <a:schemeClr val="accent1">
-                <a:shade val="50000"/>
-              </a:schemeClr>
-            </a:lnRef>
-            <a:fillRef idx="1">
-              <a:schemeClr val="accent1"/>
-            </a:fillRef>
-            <a:effectRef idx="0">
-              <a:schemeClr val="accent1"/>
-            </a:effectRef>
-            <a:fontRef idx="minor">
-              <a:schemeClr val="lt1"/>
-            </a:fontRef>
-          </p:style>
-          <p:txBody>
-            <a:bodyPr rtlCol="0" anchor="ctr"/>
-            <a:lstStyle/>
-            <a:p>
-              <a:pPr algn="ctr"/>
-              <a:endParaRPr lang="ko-KR" altLang="en-US">
-                <a:latin typeface="Tmon몬소리 Black" pitchFamily="2" charset="-127"/>
-                <a:ea typeface="Tmon몬소리 Black" pitchFamily="2" charset="-127"/>
-              </a:endParaRPr>
-            </a:p>
-          </p:txBody>
-        </p:sp>
-        <p:sp>
-          <p:nvSpPr>
-            <p:cNvPr id="14" name="TextBox 13"/>
-            <p:cNvSpPr txBox="1"/>
-            <p:nvPr/>
-          </p:nvSpPr>
-          <p:spPr>
-            <a:xfrm>
-              <a:off x="7233436" y="1940639"/>
-              <a:ext cx="1110157" cy="1200329"/>
-            </a:xfrm>
-            <a:prstGeom prst="rect">
-              <a:avLst/>
-            </a:prstGeom>
+          <a:ln>
             <a:noFill/>
-          </p:spPr>
-          <p:txBody>
-            <a:bodyPr wrap="square" rtlCol="0" anchor="ctr">
-              <a:spAutoFit/>
-            </a:bodyPr>
-            <a:lstStyle/>
-            <a:p>
-              <a:r>
-                <a:rPr lang="en-US" altLang="ko-KR" sz="7200" dirty="0">
-                  <a:solidFill>
-                    <a:schemeClr val="bg1"/>
-                  </a:solidFill>
-                  <a:latin typeface="Tmon몬소리 Black" pitchFamily="2" charset="-127"/>
-                  <a:ea typeface="Tmon몬소리 Black" pitchFamily="2" charset="-127"/>
-                </a:rPr>
-                <a:t>4</a:t>
-              </a:r>
-              <a:endParaRPr lang="ko-KR" altLang="en-US" sz="7200" dirty="0">
+          </a:ln>
+        </p:spPr>
+        <p:style>
+          <a:lnRef idx="2">
+            <a:schemeClr val="accent2">
+              <a:shade val="50000"/>
+            </a:schemeClr>
+          </a:lnRef>
+          <a:fillRef idx="1">
+            <a:schemeClr val="accent2"/>
+          </a:fillRef>
+          <a:effectRef idx="0">
+            <a:schemeClr val="accent2"/>
+          </a:effectRef>
+          <a:fontRef idx="minor">
+            <a:schemeClr val="lt1"/>
+          </a:fontRef>
+        </p:style>
+        <p:txBody>
+          <a:bodyPr rtlCol="0" anchor="ctr"/>
+          <a:lstStyle/>
+          <a:p>
+            <a:pPr algn="ctr"/>
+            <a:endParaRPr lang="ko-KR" altLang="en-US" dirty="0">
+              <a:latin typeface="나눔스퀘어 Bold" panose="020B0600000101010101" pitchFamily="50" charset="-127"/>
+              <a:ea typeface="나눔스퀘어 Bold" panose="020B0600000101010101" pitchFamily="50" charset="-127"/>
+            </a:endParaRPr>
+          </a:p>
+        </p:txBody>
+      </p:sp>
+      <p:sp>
+        <p:nvSpPr>
+          <p:cNvPr id="8" name="타원 7"/>
+          <p:cNvSpPr/>
+          <p:nvPr/>
+        </p:nvSpPr>
+        <p:spPr>
+          <a:xfrm>
+            <a:off x="-909156" y="692696"/>
+            <a:ext cx="1818311" cy="1671371"/>
+          </a:xfrm>
+          <a:prstGeom prst="ellipse">
+            <a:avLst/>
+          </a:prstGeom>
+          <a:solidFill>
+            <a:schemeClr val="accent6">
+              <a:lumMod val="20000"/>
+              <a:lumOff val="80000"/>
+            </a:schemeClr>
+          </a:solidFill>
+          <a:ln>
+            <a:noFill/>
+          </a:ln>
+        </p:spPr>
+        <p:style>
+          <a:lnRef idx="2">
+            <a:schemeClr val="accent1">
+              <a:shade val="50000"/>
+            </a:schemeClr>
+          </a:lnRef>
+          <a:fillRef idx="1">
+            <a:schemeClr val="accent1"/>
+          </a:fillRef>
+          <a:effectRef idx="0">
+            <a:schemeClr val="accent1"/>
+          </a:effectRef>
+          <a:fontRef idx="minor">
+            <a:schemeClr val="lt1"/>
+          </a:fontRef>
+        </p:style>
+        <p:txBody>
+          <a:bodyPr rtlCol="0" anchor="ctr"/>
+          <a:lstStyle/>
+          <a:p>
+            <a:pPr algn="ctr"/>
+            <a:endParaRPr lang="ko-KR" altLang="en-US"/>
+          </a:p>
+        </p:txBody>
+      </p:sp>
+      <p:sp>
+        <p:nvSpPr>
+          <p:cNvPr id="9" name="TextBox 8"/>
+          <p:cNvSpPr txBox="1"/>
+          <p:nvPr/>
+        </p:nvSpPr>
+        <p:spPr>
+          <a:xfrm>
+            <a:off x="-65664" y="974617"/>
+            <a:ext cx="1316751" cy="1200329"/>
+          </a:xfrm>
+          <a:prstGeom prst="rect">
+            <a:avLst/>
+          </a:prstGeom>
+          <a:noFill/>
+        </p:spPr>
+        <p:txBody>
+          <a:bodyPr wrap="square" rtlCol="0">
+            <a:spAutoFit/>
+            <a:scene3d>
+              <a:camera prst="perspectiveFront"/>
+              <a:lightRig rig="threePt" dir="t"/>
+            </a:scene3d>
+          </a:bodyPr>
+          <a:lstStyle/>
+          <a:p>
+            <a:r>
+              <a:rPr lang="en-US" altLang="ko-KR" sz="7200" dirty="0">
                 <a:solidFill>
                   <a:schemeClr val="bg1"/>
                 </a:solidFill>
                 <a:latin typeface="Tmon몬소리 Black" pitchFamily="2" charset="-127"/>
                 <a:ea typeface="Tmon몬소리 Black" pitchFamily="2" charset="-127"/>
-              </a:endParaRPr>
-            </a:p>
-          </p:txBody>
-        </p:sp>
-        <p:sp>
-          <p:nvSpPr>
-            <p:cNvPr id="15" name="TextBox 14"/>
-            <p:cNvSpPr txBox="1"/>
-            <p:nvPr/>
-          </p:nvSpPr>
-          <p:spPr>
-            <a:xfrm>
-              <a:off x="6444205" y="3595663"/>
-              <a:ext cx="2141015" cy="769441"/>
-            </a:xfrm>
-            <a:prstGeom prst="rect">
-              <a:avLst/>
-            </a:prstGeom>
-            <a:noFill/>
-          </p:spPr>
-          <p:txBody>
-            <a:bodyPr wrap="square" rtlCol="0" anchor="ctr">
-              <a:spAutoFit/>
-            </a:bodyPr>
-            <a:lstStyle/>
-            <a:p>
-              <a:pPr algn="ctr"/>
-              <a:r>
-                <a:rPr lang="ko-KR" altLang="en-US" sz="4400" dirty="0">
-                  <a:solidFill>
-                    <a:schemeClr val="bg1"/>
-                  </a:solidFill>
-                  <a:latin typeface="Tmon몬소리 Black" pitchFamily="2" charset="-127"/>
-                  <a:ea typeface="Tmon몬소리 Black" pitchFamily="2" charset="-127"/>
-                </a:rPr>
-                <a:t>향후 과제</a:t>
-              </a:r>
-            </a:p>
-          </p:txBody>
-        </p:sp>
-      </p:grpSp>
+              </a:rPr>
+              <a:t>4</a:t>
+            </a:r>
+            <a:endParaRPr lang="ko-KR" altLang="en-US" sz="7200" dirty="0">
+              <a:solidFill>
+                <a:schemeClr val="bg1"/>
+              </a:solidFill>
+              <a:latin typeface="Tmon몬소리 Black" pitchFamily="2" charset="-127"/>
+              <a:ea typeface="Tmon몬소리 Black" pitchFamily="2" charset="-127"/>
+            </a:endParaRPr>
+          </a:p>
+        </p:txBody>
+      </p:sp>
+      <p:sp>
+        <p:nvSpPr>
+          <p:cNvPr id="10" name="TextBox 9"/>
+          <p:cNvSpPr txBox="1"/>
+          <p:nvPr/>
+        </p:nvSpPr>
+        <p:spPr>
+          <a:xfrm>
+            <a:off x="808379" y="1159284"/>
+            <a:ext cx="3960441" cy="830997"/>
+          </a:xfrm>
+          <a:prstGeom prst="rect">
+            <a:avLst/>
+          </a:prstGeom>
+          <a:noFill/>
+        </p:spPr>
+        <p:txBody>
+          <a:bodyPr wrap="square" rtlCol="0">
+            <a:spAutoFit/>
+            <a:scene3d>
+              <a:camera prst="perspectiveFront"/>
+              <a:lightRig rig="threePt" dir="t"/>
+            </a:scene3d>
+          </a:bodyPr>
+          <a:lstStyle/>
+          <a:p>
+            <a:pPr algn="ctr"/>
+            <a:r>
+              <a:rPr lang="ko-KR" altLang="en-US" sz="4800" dirty="0" smtClean="0">
+                <a:solidFill>
+                  <a:schemeClr val="bg1"/>
+                </a:solidFill>
+                <a:latin typeface="Tmon몬소리 Black" pitchFamily="2" charset="-127"/>
+                <a:ea typeface="Tmon몬소리 Black" pitchFamily="2" charset="-127"/>
+              </a:rPr>
+              <a:t>향후 과제</a:t>
+            </a:r>
+            <a:endParaRPr lang="en-US" altLang="ko-KR" sz="4800" dirty="0">
+              <a:solidFill>
+                <a:schemeClr val="bg1"/>
+              </a:solidFill>
+              <a:latin typeface="Tmon몬소리 Black" pitchFamily="2" charset="-127"/>
+              <a:ea typeface="Tmon몬소리 Black" pitchFamily="2" charset="-127"/>
+            </a:endParaRPr>
+          </a:p>
+        </p:txBody>
+      </p:sp>
     </p:spTree>
     <p:extLst>
       <p:ext uri="{BB962C8B-B14F-4D97-AF65-F5344CB8AC3E}">
@@ -5080,6 +5122,13 @@
   <p:clrMapOvr>
     <a:masterClrMapping/>
   </p:clrMapOvr>
+  <p:timing>
+    <p:tnLst>
+      <p:par>
+        <p:cTn id="1" dur="indefinite" restart="never" nodeType="tmRoot"/>
+      </p:par>
+    </p:tnLst>
+  </p:timing>
 </p:sld>
 </file>
 
@@ -5532,6 +5581,13 @@
   <p:clrMapOvr>
     <a:masterClrMapping/>
   </p:clrMapOvr>
+  <p:timing>
+    <p:tnLst>
+      <p:par>
+        <p:cTn id="1" dur="indefinite" restart="never" nodeType="tmRoot"/>
+      </p:par>
+    </p:tnLst>
+  </p:timing>
 </p:sld>
 </file>
 
@@ -5674,8 +5730,8 @@
         </p:nvSpPr>
         <p:spPr>
           <a:xfrm>
-            <a:off x="3347864" y="3528000"/>
-            <a:ext cx="5724640" cy="523220"/>
+            <a:off x="3149842" y="3528000"/>
+            <a:ext cx="5922662" cy="523220"/>
           </a:xfrm>
           <a:prstGeom prst="rect">
             <a:avLst/>
@@ -6120,6 +6176,13 @@
   <p:clrMapOvr>
     <a:masterClrMapping/>
   </p:clrMapOvr>
+  <p:timing>
+    <p:tnLst>
+      <p:par>
+        <p:cTn id="1" dur="indefinite" restart="never" nodeType="tmRoot"/>
+      </p:par>
+    </p:tnLst>
+  </p:timing>
 </p:sld>
 </file>
 
@@ -6813,6 +6876,13 @@
   <p:clrMapOvr>
     <a:masterClrMapping/>
   </p:clrMapOvr>
+  <p:timing>
+    <p:tnLst>
+      <p:par>
+        <p:cTn id="1" dur="indefinite" restart="never" nodeType="tmRoot"/>
+      </p:par>
+    </p:tnLst>
+  </p:timing>
 </p:sld>
 </file>
 
@@ -6898,187 +6968,214 @@
           </a:p>
         </p:txBody>
       </p:sp>
-      <p:grpSp>
-        <p:nvGrpSpPr>
-          <p:cNvPr id="8" name="그룹 7"/>
-          <p:cNvGrpSpPr/>
+      <p:sp>
+        <p:nvSpPr>
+          <p:cNvPr id="9" name="직사각형 8"/>
+          <p:cNvSpPr/>
           <p:nvPr/>
-        </p:nvGrpSpPr>
-        <p:grpSpPr>
+        </p:nvSpPr>
+        <p:spPr>
           <a:xfrm>
-            <a:off x="755576" y="0"/>
-            <a:ext cx="2562253" cy="6858000"/>
-            <a:chOff x="6444205" y="0"/>
-            <a:chExt cx="2160243" cy="6858000"/>
+            <a:off x="-36512" y="692696"/>
+            <a:ext cx="5400595" cy="1671375"/>
           </a:xfrm>
-        </p:grpSpPr>
-        <p:sp>
-          <p:nvSpPr>
-            <p:cNvPr id="9" name="직사각형 8"/>
-            <p:cNvSpPr/>
-            <p:nvPr/>
-          </p:nvSpPr>
-          <p:spPr>
-            <a:xfrm>
-              <a:off x="6444208" y="0"/>
-              <a:ext cx="2160240" cy="6858000"/>
-            </a:xfrm>
-            <a:prstGeom prst="rect">
-              <a:avLst/>
-            </a:prstGeom>
-            <a:solidFill>
-              <a:srgbClr val="C00000"/>
-            </a:solidFill>
-            <a:ln>
-              <a:noFill/>
-            </a:ln>
+          <a:prstGeom prst="rect">
+            <a:avLst/>
+          </a:prstGeom>
+          <a:ln>
+            <a:noFill/>
+          </a:ln>
+        </p:spPr>
+        <p:style>
+          <a:lnRef idx="2">
+            <a:schemeClr val="accent2">
+              <a:shade val="50000"/>
+            </a:schemeClr>
+          </a:lnRef>
+          <a:fillRef idx="1">
+            <a:schemeClr val="accent2"/>
+          </a:fillRef>
+          <a:effectRef idx="0">
+            <a:schemeClr val="accent2"/>
+          </a:effectRef>
+          <a:fontRef idx="minor">
+            <a:schemeClr val="lt1"/>
+          </a:fontRef>
+        </p:style>
+        <p:txBody>
+          <a:bodyPr rtlCol="0" anchor="ctr"/>
+          <a:lstStyle/>
+          <a:p>
+            <a:pPr algn="ctr"/>
+            <a:endParaRPr lang="ko-KR" altLang="en-US" dirty="0">
+              <a:latin typeface="나눔스퀘어 Bold" panose="020B0600000101010101" pitchFamily="50" charset="-127"/>
+              <a:ea typeface="나눔스퀘어 Bold" panose="020B0600000101010101" pitchFamily="50" charset="-127"/>
+            </a:endParaRPr>
+          </a:p>
+        </p:txBody>
+      </p:sp>
+      <p:sp>
+        <p:nvSpPr>
+          <p:cNvPr id="11" name="TextBox 10"/>
+          <p:cNvSpPr txBox="1"/>
+          <p:nvPr/>
+        </p:nvSpPr>
+        <p:spPr>
+          <a:xfrm>
+            <a:off x="808379" y="1159284"/>
+            <a:ext cx="3960441" cy="830997"/>
+          </a:xfrm>
+          <a:prstGeom prst="rect">
+            <a:avLst/>
+          </a:prstGeom>
+          <a:noFill/>
+        </p:spPr>
+        <p:txBody>
+          <a:bodyPr wrap="square" rtlCol="0">
+            <a:spAutoFit/>
             <a:scene3d>
               <a:camera prst="perspectiveFront"/>
               <a:lightRig rig="threePt" dir="t"/>
             </a:scene3d>
-          </p:spPr>
-          <p:style>
-            <a:lnRef idx="2">
-              <a:schemeClr val="accent1">
-                <a:shade val="50000"/>
-              </a:schemeClr>
-            </a:lnRef>
-            <a:fillRef idx="1">
-              <a:schemeClr val="accent1"/>
-            </a:fillRef>
-            <a:effectRef idx="0">
-              <a:schemeClr val="accent1"/>
-            </a:effectRef>
-            <a:fontRef idx="minor">
-              <a:schemeClr val="lt1"/>
-            </a:fontRef>
-          </p:style>
-          <p:txBody>
-            <a:bodyPr rtlCol="0" anchor="ctr"/>
-            <a:lstStyle/>
-            <a:p>
-              <a:pPr algn="ctr"/>
-              <a:endParaRPr lang="ko-KR" altLang="en-US" dirty="0">
-                <a:latin typeface="나눔스퀘어 Bold" panose="020B0600000101010101" pitchFamily="50" charset="-127"/>
-                <a:ea typeface="나눔스퀘어 Bold" panose="020B0600000101010101" pitchFamily="50" charset="-127"/>
-              </a:endParaRPr>
-            </a:p>
-          </p:txBody>
-        </p:sp>
-        <p:sp>
-          <p:nvSpPr>
-            <p:cNvPr id="10" name="TextBox 9"/>
-            <p:cNvSpPr txBox="1"/>
-            <p:nvPr/>
-          </p:nvSpPr>
-          <p:spPr>
-            <a:xfrm>
-              <a:off x="7233436" y="1916832"/>
-              <a:ext cx="1110157" cy="1200329"/>
-            </a:xfrm>
-            <a:prstGeom prst="rect">
-              <a:avLst/>
-            </a:prstGeom>
-            <a:noFill/>
-          </p:spPr>
-          <p:txBody>
-            <a:bodyPr wrap="square" rtlCol="0">
-              <a:spAutoFit/>
-              <a:scene3d>
-                <a:camera prst="perspectiveFront"/>
-                <a:lightRig rig="threePt" dir="t"/>
-              </a:scene3d>
-            </a:bodyPr>
-            <a:lstStyle/>
-            <a:p>
-              <a:r>
-                <a:rPr lang="en-US" altLang="ko-KR" sz="7200" dirty="0">
-                  <a:solidFill>
-                    <a:schemeClr val="bg1"/>
-                  </a:solidFill>
-                  <a:latin typeface="Tmon몬소리 Black" pitchFamily="2" charset="-127"/>
-                  <a:ea typeface="Tmon몬소리 Black" pitchFamily="2" charset="-127"/>
-                </a:rPr>
-                <a:t>1</a:t>
-              </a:r>
-              <a:endParaRPr lang="ko-KR" altLang="en-US" sz="7200" dirty="0">
+          </a:bodyPr>
+          <a:lstStyle/>
+          <a:p>
+            <a:pPr algn="ctr"/>
+            <a:r>
+              <a:rPr lang="ko-KR" altLang="en-US" sz="4800" dirty="0" smtClean="0">
                 <a:solidFill>
                   <a:schemeClr val="bg1"/>
                 </a:solidFill>
                 <a:latin typeface="Tmon몬소리 Black" pitchFamily="2" charset="-127"/>
                 <a:ea typeface="Tmon몬소리 Black" pitchFamily="2" charset="-127"/>
-              </a:endParaRPr>
-            </a:p>
-          </p:txBody>
-        </p:sp>
-        <p:sp>
-          <p:nvSpPr>
-            <p:cNvPr id="11" name="TextBox 10"/>
-            <p:cNvSpPr txBox="1"/>
-            <p:nvPr/>
-          </p:nvSpPr>
-          <p:spPr>
-            <a:xfrm>
-              <a:off x="6444205" y="3429000"/>
-              <a:ext cx="2141015" cy="1569660"/>
-            </a:xfrm>
-            <a:prstGeom prst="rect">
-              <a:avLst/>
-            </a:prstGeom>
-            <a:noFill/>
-          </p:spPr>
-          <p:txBody>
-            <a:bodyPr wrap="square" rtlCol="0">
-              <a:spAutoFit/>
-              <a:scene3d>
-                <a:camera prst="perspectiveFront"/>
-                <a:lightRig rig="threePt" dir="t"/>
-              </a:scene3d>
-            </a:bodyPr>
-            <a:lstStyle/>
-            <a:p>
-              <a:pPr algn="ctr"/>
-              <a:r>
-                <a:rPr lang="ko-KR" altLang="en-US" sz="4800" dirty="0">
-                  <a:solidFill>
-                    <a:schemeClr val="bg1"/>
-                  </a:solidFill>
-                  <a:latin typeface="Tmon몬소리 Black" pitchFamily="2" charset="-127"/>
-                  <a:ea typeface="Tmon몬소리 Black" pitchFamily="2" charset="-127"/>
-                </a:rPr>
-                <a:t>프로젝트</a:t>
-              </a:r>
-              <a:endParaRPr lang="en-US" altLang="ko-KR" sz="4800" dirty="0">
+              </a:rPr>
+              <a:t>프로젝트</a:t>
+            </a:r>
+            <a:r>
+              <a:rPr lang="en-US" altLang="ko-KR" sz="4800" dirty="0">
                 <a:solidFill>
                   <a:schemeClr val="bg1"/>
                 </a:solidFill>
                 <a:latin typeface="Tmon몬소리 Black" pitchFamily="2" charset="-127"/>
                 <a:ea typeface="Tmon몬소리 Black" pitchFamily="2" charset="-127"/>
-              </a:endParaRPr>
-            </a:p>
-            <a:p>
-              <a:pPr algn="ctr"/>
-              <a:r>
-                <a:rPr lang="ko-KR" altLang="en-US" sz="4800" dirty="0">
-                  <a:solidFill>
-                    <a:schemeClr val="bg1"/>
-                  </a:solidFill>
-                  <a:latin typeface="Tmon몬소리 Black" pitchFamily="2" charset="-127"/>
-                  <a:ea typeface="Tmon몬소리 Black" pitchFamily="2" charset="-127"/>
-                </a:rPr>
-                <a:t>동기</a:t>
-              </a:r>
-              <a:endParaRPr lang="en-US" altLang="ko-KR" sz="4800" dirty="0">
+              </a:rPr>
+              <a:t> </a:t>
+            </a:r>
+            <a:r>
+              <a:rPr lang="ko-KR" altLang="en-US" sz="4800" dirty="0" smtClean="0">
                 <a:solidFill>
                   <a:schemeClr val="bg1"/>
                 </a:solidFill>
                 <a:latin typeface="Tmon몬소리 Black" pitchFamily="2" charset="-127"/>
                 <a:ea typeface="Tmon몬소리 Black" pitchFamily="2" charset="-127"/>
-              </a:endParaRPr>
-            </a:p>
-          </p:txBody>
-        </p:sp>
-      </p:grpSp>
+              </a:rPr>
+              <a:t>동기</a:t>
+            </a:r>
+            <a:endParaRPr lang="en-US" altLang="ko-KR" sz="4800" dirty="0">
+              <a:solidFill>
+                <a:schemeClr val="bg1"/>
+              </a:solidFill>
+              <a:latin typeface="Tmon몬소리 Black" pitchFamily="2" charset="-127"/>
+              <a:ea typeface="Tmon몬소리 Black" pitchFamily="2" charset="-127"/>
+            </a:endParaRPr>
+          </a:p>
+        </p:txBody>
+      </p:sp>
+      <p:sp>
+        <p:nvSpPr>
+          <p:cNvPr id="4" name="타원 3"/>
+          <p:cNvSpPr/>
+          <p:nvPr/>
+        </p:nvSpPr>
+        <p:spPr>
+          <a:xfrm>
+            <a:off x="-909156" y="692696"/>
+            <a:ext cx="1818311" cy="1671371"/>
+          </a:xfrm>
+          <a:prstGeom prst="ellipse">
+            <a:avLst/>
+          </a:prstGeom>
+          <a:solidFill>
+            <a:schemeClr val="accent6">
+              <a:lumMod val="20000"/>
+              <a:lumOff val="80000"/>
+            </a:schemeClr>
+          </a:solidFill>
+          <a:ln>
+            <a:noFill/>
+          </a:ln>
+        </p:spPr>
+        <p:style>
+          <a:lnRef idx="2">
+            <a:schemeClr val="accent1">
+              <a:shade val="50000"/>
+            </a:schemeClr>
+          </a:lnRef>
+          <a:fillRef idx="1">
+            <a:schemeClr val="accent1"/>
+          </a:fillRef>
+          <a:effectRef idx="0">
+            <a:schemeClr val="accent1"/>
+          </a:effectRef>
+          <a:fontRef idx="minor">
+            <a:schemeClr val="lt1"/>
+          </a:fontRef>
+        </p:style>
+        <p:txBody>
+          <a:bodyPr rtlCol="0" anchor="ctr"/>
+          <a:lstStyle/>
+          <a:p>
+            <a:pPr algn="ctr"/>
+            <a:endParaRPr lang="ko-KR" altLang="en-US"/>
+          </a:p>
+        </p:txBody>
+      </p:sp>
+      <p:sp>
+        <p:nvSpPr>
+          <p:cNvPr id="10" name="TextBox 9"/>
+          <p:cNvSpPr txBox="1"/>
+          <p:nvPr/>
+        </p:nvSpPr>
+        <p:spPr>
+          <a:xfrm>
+            <a:off x="-65664" y="974617"/>
+            <a:ext cx="1316751" cy="1200329"/>
+          </a:xfrm>
+          <a:prstGeom prst="rect">
+            <a:avLst/>
+          </a:prstGeom>
+          <a:noFill/>
+        </p:spPr>
+        <p:txBody>
+          <a:bodyPr wrap="square" rtlCol="0">
+            <a:spAutoFit/>
+            <a:scene3d>
+              <a:camera prst="perspectiveFront"/>
+              <a:lightRig rig="threePt" dir="t"/>
+            </a:scene3d>
+          </a:bodyPr>
+          <a:lstStyle/>
+          <a:p>
+            <a:r>
+              <a:rPr lang="en-US" altLang="ko-KR" sz="7200" dirty="0">
+                <a:solidFill>
+                  <a:schemeClr val="bg1"/>
+                </a:solidFill>
+                <a:latin typeface="Tmon몬소리 Black" pitchFamily="2" charset="-127"/>
+                <a:ea typeface="Tmon몬소리 Black" pitchFamily="2" charset="-127"/>
+              </a:rPr>
+              <a:t>1</a:t>
+            </a:r>
+            <a:endParaRPr lang="ko-KR" altLang="en-US" sz="7200" dirty="0">
+              <a:solidFill>
+                <a:schemeClr val="bg1"/>
+              </a:solidFill>
+              <a:latin typeface="Tmon몬소리 Black" pitchFamily="2" charset="-127"/>
+              <a:ea typeface="Tmon몬소리 Black" pitchFamily="2" charset="-127"/>
+            </a:endParaRPr>
+          </a:p>
+        </p:txBody>
+      </p:sp>
     </p:spTree>
     <p:extLst>
       <p:ext uri="{BB962C8B-B14F-4D97-AF65-F5344CB8AC3E}">
@@ -7089,6 +7186,13 @@
   <p:clrMapOvr>
     <a:masterClrMapping/>
   </p:clrMapOvr>
+  <p:timing>
+    <p:tnLst>
+      <p:par>
+        <p:cTn id="1" dur="indefinite" restart="never" nodeType="tmRoot"/>
+      </p:par>
+    </p:tnLst>
+  </p:timing>
 </p:sld>
 </file>
 
@@ -7156,24 +7260,21 @@
             <a:prstGeom prst="rect">
               <a:avLst/>
             </a:prstGeom>
-            <a:solidFill>
-              <a:srgbClr val="C00000"/>
-            </a:solidFill>
             <a:ln>
               <a:noFill/>
             </a:ln>
           </p:spPr>
           <p:style>
             <a:lnRef idx="2">
-              <a:schemeClr val="accent1">
+              <a:schemeClr val="accent2">
                 <a:shade val="50000"/>
               </a:schemeClr>
             </a:lnRef>
             <a:fillRef idx="1">
-              <a:schemeClr val="accent1"/>
+              <a:schemeClr val="accent2"/>
             </a:fillRef>
             <a:effectRef idx="0">
-              <a:schemeClr val="accent1"/>
+              <a:schemeClr val="accent2"/>
             </a:effectRef>
             <a:fontRef idx="minor">
               <a:schemeClr val="lt1"/>
@@ -7206,6 +7307,9 @@
               <a:avLst/>
             </a:prstGeom>
             <a:noFill/>
+            <a:ln>
+              <a:noFill/>
+            </a:ln>
           </p:spPr>
           <p:txBody>
             <a:bodyPr wrap="square" rtlCol="0">
@@ -7266,6 +7370,9 @@
               <a:avLst/>
             </a:prstGeom>
             <a:noFill/>
+            <a:ln>
+              <a:noFill/>
+            </a:ln>
           </p:spPr>
           <p:txBody>
             <a:bodyPr wrap="square" rtlCol="0">
@@ -7316,7 +7423,7 @@
         </p:nvSpPr>
         <p:spPr>
           <a:xfrm>
-            <a:off x="1043608" y="4953362"/>
+            <a:off x="865606" y="5044872"/>
             <a:ext cx="7056784" cy="400110"/>
           </a:xfrm>
           <a:prstGeom prst="rect">
@@ -7569,13 +7676,10 @@
               <a:lstStyle/>
               <a:p>
                 <a:pPr algn="ctr"/>
-                <a:r>
-                  <a:rPr lang="ko-KR" altLang="en-US" dirty="0">
-                    <a:latin typeface="나눔스퀘어 Bold" panose="020B0600000101010101" pitchFamily="50" charset="-127"/>
-                    <a:ea typeface="나눔스퀘어 Bold" panose="020B0600000101010101" pitchFamily="50" charset="-127"/>
-                  </a:rPr>
-                  <a:t>현대인의 수면 시간 부족</a:t>
-                </a:r>
+                <a:endParaRPr lang="ko-KR" altLang="en-US" dirty="0">
+                  <a:latin typeface="나눔스퀘어 Bold" panose="020B0600000101010101" pitchFamily="50" charset="-127"/>
+                  <a:ea typeface="나눔스퀘어 Bold" panose="020B0600000101010101" pitchFamily="50" charset="-127"/>
+                </a:endParaRPr>
               </a:p>
             </p:txBody>
           </p:sp>
@@ -7635,41 +7739,6 @@
                 <a:lstStyle/>
                 <a:p>
                   <a:pPr algn="ctr"/>
-                  <a:r>
-                    <a:rPr lang="ko-KR" altLang="en-US" dirty="0">
-                      <a:latin typeface="나눔스퀘어 Bold" panose="020B0600000101010101" pitchFamily="50" charset="-127"/>
-                      <a:ea typeface="나눔스퀘어 Bold" panose="020B0600000101010101" pitchFamily="50" charset="-127"/>
-                    </a:rPr>
-                    <a:t>현대인의</a:t>
-                  </a:r>
-                  <a:endParaRPr lang="en-US" altLang="ko-KR" dirty="0">
-                    <a:latin typeface="나눔스퀘어 Bold" panose="020B0600000101010101" pitchFamily="50" charset="-127"/>
-                    <a:ea typeface="나눔스퀘어 Bold" panose="020B0600000101010101" pitchFamily="50" charset="-127"/>
-                  </a:endParaRPr>
-                </a:p>
-                <a:p>
-                  <a:pPr algn="ctr"/>
-                  <a:r>
-                    <a:rPr lang="ko-KR" altLang="en-US" dirty="0">
-                      <a:latin typeface="나눔스퀘어 Bold" panose="020B0600000101010101" pitchFamily="50" charset="-127"/>
-                      <a:ea typeface="나눔스퀘어 Bold" panose="020B0600000101010101" pitchFamily="50" charset="-127"/>
-                    </a:rPr>
-                    <a:t>수면의 질</a:t>
-                  </a:r>
-                  <a:endParaRPr lang="en-US" altLang="ko-KR" dirty="0">
-                    <a:latin typeface="나눔스퀘어 Bold" panose="020B0600000101010101" pitchFamily="50" charset="-127"/>
-                    <a:ea typeface="나눔스퀘어 Bold" panose="020B0600000101010101" pitchFamily="50" charset="-127"/>
-                  </a:endParaRPr>
-                </a:p>
-                <a:p>
-                  <a:pPr algn="ctr"/>
-                  <a:r>
-                    <a:rPr lang="ko-KR" altLang="en-US" dirty="0">
-                      <a:latin typeface="나눔스퀘어 Bold" panose="020B0600000101010101" pitchFamily="50" charset="-127"/>
-                      <a:ea typeface="나눔스퀘어 Bold" panose="020B0600000101010101" pitchFamily="50" charset="-127"/>
-                    </a:rPr>
-                    <a:t>저하</a:t>
-                  </a:r>
                   <a:endParaRPr lang="en-US" altLang="ko-KR" dirty="0">
                     <a:latin typeface="나눔스퀘어 Bold" panose="020B0600000101010101" pitchFamily="50" charset="-127"/>
                     <a:ea typeface="나눔스퀘어 Bold" panose="020B0600000101010101" pitchFamily="50" charset="-127"/>
@@ -7721,31 +7790,10 @@
                 <a:lstStyle/>
                 <a:p>
                   <a:pPr algn="ctr"/>
-                  <a:r>
-                    <a:rPr lang="ko-KR" altLang="en-US" dirty="0">
-                      <a:latin typeface="나눔스퀘어 Bold" panose="020B0600000101010101" pitchFamily="50" charset="-127"/>
-                      <a:ea typeface="나눔스퀘어 Bold" panose="020B0600000101010101" pitchFamily="50" charset="-127"/>
-                    </a:rPr>
-                    <a:t>수면의</a:t>
-                  </a:r>
-                  <a:endParaRPr lang="en-US" altLang="ko-KR" dirty="0">
+                  <a:endParaRPr lang="ko-KR" altLang="en-US" b="1" dirty="0">
                     <a:latin typeface="나눔스퀘어 Bold" panose="020B0600000101010101" pitchFamily="50" charset="-127"/>
                     <a:ea typeface="나눔스퀘어 Bold" panose="020B0600000101010101" pitchFamily="50" charset="-127"/>
                   </a:endParaRPr>
-                </a:p>
-                <a:p>
-                  <a:pPr algn="ctr">
-                    <a:lnSpc>
-                      <a:spcPct val="150000"/>
-                    </a:lnSpc>
-                  </a:pPr>
-                  <a:r>
-                    <a:rPr lang="ko-KR" altLang="en-US" dirty="0">
-                      <a:latin typeface="나눔스퀘어 Bold" panose="020B0600000101010101" pitchFamily="50" charset="-127"/>
-                      <a:ea typeface="나눔스퀘어 Bold" panose="020B0600000101010101" pitchFamily="50" charset="-127"/>
-                    </a:rPr>
-                    <a:t>중요성</a:t>
-                  </a:r>
                 </a:p>
               </p:txBody>
             </p:sp>
@@ -7787,7 +7835,7 @@
           <p:cNvPr id="2" name="십자형 1">
             <a:extLst>
               <a:ext uri="{FF2B5EF4-FFF2-40B4-BE49-F238E27FC236}">
-                <a16:creationId xmlns:a16="http://schemas.microsoft.com/office/drawing/2014/main" id="{A23DB791-AFD7-4730-BD2B-3DA45866F63F}"/>
+                <a16:creationId xmlns:a16="http://schemas.microsoft.com/office/drawing/2014/main" xmlns="" id="{A23DB791-AFD7-4730-BD2B-3DA45866F63F}"/>
               </a:ext>
             </a:extLst>
           </p:cNvPr>
@@ -7844,7 +7892,7 @@
           <p:cNvPr id="17" name="십자형 16">
             <a:extLst>
               <a:ext uri="{FF2B5EF4-FFF2-40B4-BE49-F238E27FC236}">
-                <a16:creationId xmlns:a16="http://schemas.microsoft.com/office/drawing/2014/main" id="{4FA680A2-893F-4AB6-8135-688A2DDA5B42}"/>
+                <a16:creationId xmlns:a16="http://schemas.microsoft.com/office/drawing/2014/main" xmlns="" id="{4FA680A2-893F-4AB6-8135-688A2DDA5B42}"/>
               </a:ext>
             </a:extLst>
           </p:cNvPr>
@@ -7901,7 +7949,7 @@
           <p:cNvPr id="3" name="화살표: 오른쪽 2">
             <a:extLst>
               <a:ext uri="{FF2B5EF4-FFF2-40B4-BE49-F238E27FC236}">
-                <a16:creationId xmlns:a16="http://schemas.microsoft.com/office/drawing/2014/main" id="{CEFDABDD-D61C-4440-8976-D3A24345C7FB}"/>
+                <a16:creationId xmlns:a16="http://schemas.microsoft.com/office/drawing/2014/main" xmlns="" id="{CEFDABDD-D61C-4440-8976-D3A24345C7FB}"/>
               </a:ext>
             </a:extLst>
           </p:cNvPr>
@@ -7954,6 +8002,236 @@
           </a:p>
         </p:txBody>
       </p:sp>
+      <p:sp>
+        <p:nvSpPr>
+          <p:cNvPr id="4" name="직사각형 3"/>
+          <p:cNvSpPr/>
+          <p:nvPr/>
+        </p:nvSpPr>
+        <p:spPr>
+          <a:xfrm>
+            <a:off x="1216021" y="2846190"/>
+            <a:ext cx="1997968" cy="784830"/>
+          </a:xfrm>
+          <a:prstGeom prst="rect">
+            <a:avLst/>
+          </a:prstGeom>
+        </p:spPr>
+        <p:txBody>
+          <a:bodyPr wrap="square">
+            <a:spAutoFit/>
+          </a:bodyPr>
+          <a:lstStyle/>
+          <a:p>
+            <a:pPr algn="ctr"/>
+            <a:r>
+              <a:rPr lang="ko-KR" altLang="en-US" b="1" dirty="0">
+                <a:solidFill>
+                  <a:schemeClr val="bg1"/>
+                </a:solidFill>
+                <a:latin typeface="나눔스퀘어 Bold" panose="020B0600000101010101" pitchFamily="50" charset="-127"/>
+                <a:ea typeface="나눔스퀘어 Bold" panose="020B0600000101010101" pitchFamily="50" charset="-127"/>
+              </a:rPr>
+              <a:t>수면의</a:t>
+            </a:r>
+            <a:endParaRPr lang="en-US" altLang="ko-KR" b="1" dirty="0">
+              <a:solidFill>
+                <a:schemeClr val="bg1"/>
+              </a:solidFill>
+              <a:latin typeface="나눔스퀘어 Bold" panose="020B0600000101010101" pitchFamily="50" charset="-127"/>
+              <a:ea typeface="나눔스퀘어 Bold" panose="020B0600000101010101" pitchFamily="50" charset="-127"/>
+            </a:endParaRPr>
+          </a:p>
+          <a:p>
+            <a:pPr algn="ctr">
+              <a:lnSpc>
+                <a:spcPct val="150000"/>
+              </a:lnSpc>
+            </a:pPr>
+            <a:r>
+              <a:rPr lang="ko-KR" altLang="en-US" b="1" dirty="0">
+                <a:solidFill>
+                  <a:schemeClr val="bg1"/>
+                </a:solidFill>
+                <a:latin typeface="나눔스퀘어 Bold" panose="020B0600000101010101" pitchFamily="50" charset="-127"/>
+                <a:ea typeface="나눔스퀘어 Bold" panose="020B0600000101010101" pitchFamily="50" charset="-127"/>
+              </a:rPr>
+              <a:t>중요성</a:t>
+            </a:r>
+            <a:endParaRPr lang="ko-KR" altLang="en-US" b="1" dirty="0">
+              <a:solidFill>
+                <a:schemeClr val="bg1"/>
+              </a:solidFill>
+              <a:latin typeface="나눔스퀘어 Bold" panose="020B0600000101010101" pitchFamily="50" charset="-127"/>
+              <a:ea typeface="나눔스퀘어 Bold" panose="020B0600000101010101" pitchFamily="50" charset="-127"/>
+            </a:endParaRPr>
+          </a:p>
+        </p:txBody>
+      </p:sp>
+      <p:sp>
+        <p:nvSpPr>
+          <p:cNvPr id="5" name="직사각형 4"/>
+          <p:cNvSpPr/>
+          <p:nvPr/>
+        </p:nvSpPr>
+        <p:spPr>
+          <a:xfrm>
+            <a:off x="3423864" y="2796897"/>
+            <a:ext cx="2255702" cy="923330"/>
+          </a:xfrm>
+          <a:prstGeom prst="rect">
+            <a:avLst/>
+          </a:prstGeom>
+        </p:spPr>
+        <p:txBody>
+          <a:bodyPr wrap="square">
+            <a:spAutoFit/>
+          </a:bodyPr>
+          <a:lstStyle/>
+          <a:p>
+            <a:pPr algn="ctr"/>
+            <a:r>
+              <a:rPr lang="ko-KR" altLang="en-US" b="1" dirty="0">
+                <a:solidFill>
+                  <a:schemeClr val="bg1"/>
+                </a:solidFill>
+                <a:latin typeface="나눔스퀘어 Bold" panose="020B0600000101010101" pitchFamily="50" charset="-127"/>
+                <a:ea typeface="나눔스퀘어 Bold" panose="020B0600000101010101" pitchFamily="50" charset="-127"/>
+              </a:rPr>
+              <a:t>현대인의 </a:t>
+            </a:r>
+            <a:endParaRPr lang="en-US" altLang="ko-KR" b="1" dirty="0" smtClean="0">
+              <a:solidFill>
+                <a:schemeClr val="bg1"/>
+              </a:solidFill>
+              <a:latin typeface="나눔스퀘어 Bold" panose="020B0600000101010101" pitchFamily="50" charset="-127"/>
+              <a:ea typeface="나눔스퀘어 Bold" panose="020B0600000101010101" pitchFamily="50" charset="-127"/>
+            </a:endParaRPr>
+          </a:p>
+          <a:p>
+            <a:pPr algn="ctr"/>
+            <a:r>
+              <a:rPr lang="ko-KR" altLang="en-US" b="1" dirty="0" smtClean="0">
+                <a:solidFill>
+                  <a:schemeClr val="bg1"/>
+                </a:solidFill>
+                <a:latin typeface="나눔스퀘어 Bold" panose="020B0600000101010101" pitchFamily="50" charset="-127"/>
+                <a:ea typeface="나눔스퀘어 Bold" panose="020B0600000101010101" pitchFamily="50" charset="-127"/>
+              </a:rPr>
+              <a:t>수면 </a:t>
+            </a:r>
+            <a:endParaRPr lang="en-US" altLang="ko-KR" b="1" dirty="0">
+              <a:solidFill>
+                <a:schemeClr val="bg1"/>
+              </a:solidFill>
+              <a:latin typeface="나눔스퀘어 Bold" panose="020B0600000101010101" pitchFamily="50" charset="-127"/>
+              <a:ea typeface="나눔스퀘어 Bold" panose="020B0600000101010101" pitchFamily="50" charset="-127"/>
+            </a:endParaRPr>
+          </a:p>
+          <a:p>
+            <a:pPr algn="ctr"/>
+            <a:r>
+              <a:rPr lang="ko-KR" altLang="en-US" b="1" dirty="0">
+                <a:solidFill>
+                  <a:schemeClr val="bg1"/>
+                </a:solidFill>
+                <a:latin typeface="나눔스퀘어 Bold" panose="020B0600000101010101" pitchFamily="50" charset="-127"/>
+                <a:ea typeface="나눔스퀘어 Bold" panose="020B0600000101010101" pitchFamily="50" charset="-127"/>
+              </a:rPr>
+              <a:t>시간 부족</a:t>
+            </a:r>
+            <a:endParaRPr lang="ko-KR" altLang="en-US" b="1" dirty="0">
+              <a:solidFill>
+                <a:schemeClr val="bg1"/>
+              </a:solidFill>
+              <a:latin typeface="나눔스퀘어 Bold" panose="020B0600000101010101" pitchFamily="50" charset="-127"/>
+              <a:ea typeface="나눔스퀘어 Bold" panose="020B0600000101010101" pitchFamily="50" charset="-127"/>
+            </a:endParaRPr>
+          </a:p>
+        </p:txBody>
+      </p:sp>
+      <p:sp>
+        <p:nvSpPr>
+          <p:cNvPr id="6" name="직사각형 5"/>
+          <p:cNvSpPr/>
+          <p:nvPr/>
+        </p:nvSpPr>
+        <p:spPr>
+          <a:xfrm>
+            <a:off x="5865293" y="2868784"/>
+            <a:ext cx="2069976" cy="923330"/>
+          </a:xfrm>
+          <a:prstGeom prst="rect">
+            <a:avLst/>
+          </a:prstGeom>
+        </p:spPr>
+        <p:txBody>
+          <a:bodyPr wrap="square">
+            <a:spAutoFit/>
+          </a:bodyPr>
+          <a:lstStyle/>
+          <a:p>
+            <a:pPr algn="ctr"/>
+            <a:r>
+              <a:rPr lang="ko-KR" altLang="en-US" b="1" dirty="0">
+                <a:solidFill>
+                  <a:schemeClr val="bg1"/>
+                </a:solidFill>
+                <a:latin typeface="나눔스퀘어 Bold" panose="020B0600000101010101" pitchFamily="50" charset="-127"/>
+                <a:ea typeface="나눔스퀘어 Bold" panose="020B0600000101010101" pitchFamily="50" charset="-127"/>
+              </a:rPr>
+              <a:t>현대인의</a:t>
+            </a:r>
+            <a:endParaRPr lang="en-US" altLang="ko-KR" b="1" dirty="0">
+              <a:solidFill>
+                <a:schemeClr val="bg1"/>
+              </a:solidFill>
+              <a:latin typeface="나눔스퀘어 Bold" panose="020B0600000101010101" pitchFamily="50" charset="-127"/>
+              <a:ea typeface="나눔스퀘어 Bold" panose="020B0600000101010101" pitchFamily="50" charset="-127"/>
+            </a:endParaRPr>
+          </a:p>
+          <a:p>
+            <a:pPr algn="ctr"/>
+            <a:r>
+              <a:rPr lang="ko-KR" altLang="en-US" b="1" dirty="0">
+                <a:solidFill>
+                  <a:schemeClr val="bg1"/>
+                </a:solidFill>
+                <a:latin typeface="나눔스퀘어 Bold" panose="020B0600000101010101" pitchFamily="50" charset="-127"/>
+                <a:ea typeface="나눔스퀘어 Bold" panose="020B0600000101010101" pitchFamily="50" charset="-127"/>
+              </a:rPr>
+              <a:t>수면의 질</a:t>
+            </a:r>
+            <a:endParaRPr lang="en-US" altLang="ko-KR" b="1" dirty="0">
+              <a:solidFill>
+                <a:schemeClr val="bg1"/>
+              </a:solidFill>
+              <a:latin typeface="나눔스퀘어 Bold" panose="020B0600000101010101" pitchFamily="50" charset="-127"/>
+              <a:ea typeface="나눔스퀘어 Bold" panose="020B0600000101010101" pitchFamily="50" charset="-127"/>
+            </a:endParaRPr>
+          </a:p>
+          <a:p>
+            <a:pPr algn="ctr"/>
+            <a:r>
+              <a:rPr lang="ko-KR" altLang="en-US" b="1" dirty="0">
+                <a:solidFill>
+                  <a:schemeClr val="bg1"/>
+                </a:solidFill>
+                <a:latin typeface="나눔스퀘어 Bold" panose="020B0600000101010101" pitchFamily="50" charset="-127"/>
+                <a:ea typeface="나눔스퀘어 Bold" panose="020B0600000101010101" pitchFamily="50" charset="-127"/>
+              </a:rPr>
+              <a:t>저하</a:t>
+            </a:r>
+            <a:endParaRPr lang="en-US" altLang="ko-KR" b="1" dirty="0">
+              <a:solidFill>
+                <a:schemeClr val="bg1"/>
+              </a:solidFill>
+              <a:latin typeface="나눔스퀘어 Bold" panose="020B0600000101010101" pitchFamily="50" charset="-127"/>
+              <a:ea typeface="나눔스퀘어 Bold" panose="020B0600000101010101" pitchFamily="50" charset="-127"/>
+            </a:endParaRPr>
+          </a:p>
+        </p:txBody>
+      </p:sp>
     </p:spTree>
     <p:extLst>
       <p:ext uri="{BB962C8B-B14F-4D97-AF65-F5344CB8AC3E}">
@@ -7964,6 +8242,13 @@
   <p:clrMapOvr>
     <a:masterClrMapping/>
   </p:clrMapOvr>
+  <p:timing>
+    <p:tnLst>
+      <p:par>
+        <p:cTn id="1" dur="indefinite" restart="never" nodeType="tmRoot"/>
+      </p:par>
+    </p:tnLst>
+  </p:timing>
 </p:sld>
 </file>
 
@@ -8049,172 +8334,217 @@
           </a:p>
         </p:txBody>
       </p:sp>
-      <p:grpSp>
-        <p:nvGrpSpPr>
-          <p:cNvPr id="12" name="그룹 6"/>
-          <p:cNvGrpSpPr/>
+      <p:sp>
+        <p:nvSpPr>
+          <p:cNvPr id="7" name="직사각형 6"/>
+          <p:cNvSpPr/>
           <p:nvPr/>
-        </p:nvGrpSpPr>
-        <p:grpSpPr>
+        </p:nvSpPr>
+        <p:spPr>
           <a:xfrm>
-            <a:off x="5627895" y="0"/>
-            <a:ext cx="2562253" cy="6858000"/>
-            <a:chOff x="6444205" y="0"/>
-            <a:chExt cx="2160243" cy="6858000"/>
+            <a:off x="-36512" y="692696"/>
+            <a:ext cx="5400595" cy="1671375"/>
           </a:xfrm>
-          <a:scene3d>
-            <a:camera prst="perspectiveFront"/>
-            <a:lightRig rig="threePt" dir="t"/>
-          </a:scene3d>
-        </p:grpSpPr>
-        <p:sp>
-          <p:nvSpPr>
-            <p:cNvPr id="13" name="직사각형 12"/>
-            <p:cNvSpPr/>
-            <p:nvPr/>
-          </p:nvSpPr>
-          <p:spPr>
-            <a:xfrm>
-              <a:off x="6444208" y="0"/>
-              <a:ext cx="2160240" cy="6858000"/>
-            </a:xfrm>
-            <a:prstGeom prst="rect">
-              <a:avLst/>
-            </a:prstGeom>
-            <a:solidFill>
-              <a:srgbClr val="EE8E00"/>
-            </a:solidFill>
-            <a:ln>
-              <a:noFill/>
-            </a:ln>
-          </p:spPr>
-          <p:style>
-            <a:lnRef idx="2">
-              <a:schemeClr val="accent1">
-                <a:shade val="50000"/>
-              </a:schemeClr>
-            </a:lnRef>
-            <a:fillRef idx="1">
-              <a:schemeClr val="accent1"/>
-            </a:fillRef>
-            <a:effectRef idx="0">
-              <a:schemeClr val="accent1"/>
-            </a:effectRef>
-            <a:fontRef idx="minor">
-              <a:schemeClr val="lt1"/>
-            </a:fontRef>
-          </p:style>
-          <p:txBody>
-            <a:bodyPr rtlCol="0" anchor="ctr"/>
-            <a:lstStyle/>
-            <a:p>
-              <a:pPr algn="ctr"/>
-              <a:endParaRPr lang="ko-KR" altLang="en-US">
-                <a:latin typeface="Tmon몬소리 Black" pitchFamily="2" charset="-127"/>
-                <a:ea typeface="Tmon몬소리 Black" pitchFamily="2" charset="-127"/>
-              </a:endParaRPr>
-            </a:p>
-          </p:txBody>
-        </p:sp>
-        <p:sp>
-          <p:nvSpPr>
-            <p:cNvPr id="14" name="TextBox 13"/>
-            <p:cNvSpPr txBox="1"/>
-            <p:nvPr/>
-          </p:nvSpPr>
-          <p:spPr>
-            <a:xfrm>
-              <a:off x="7233436" y="2012647"/>
-              <a:ext cx="1110157" cy="1200329"/>
-            </a:xfrm>
-            <a:prstGeom prst="rect">
-              <a:avLst/>
-            </a:prstGeom>
+          <a:prstGeom prst="rect">
+            <a:avLst/>
+          </a:prstGeom>
+          <a:solidFill>
+            <a:srgbClr val="FFA613"/>
+          </a:solidFill>
+          <a:ln>
             <a:noFill/>
-          </p:spPr>
-          <p:txBody>
-            <a:bodyPr wrap="square" rtlCol="0">
-              <a:spAutoFit/>
-            </a:bodyPr>
-            <a:lstStyle/>
-            <a:p>
-              <a:r>
-                <a:rPr lang="en-US" altLang="ko-KR" sz="7200" dirty="0">
-                  <a:solidFill>
-                    <a:schemeClr val="bg1"/>
-                  </a:solidFill>
-                  <a:latin typeface="Tmon몬소리 Black" pitchFamily="2" charset="-127"/>
-                  <a:ea typeface="Tmon몬소리 Black" pitchFamily="2" charset="-127"/>
-                </a:rPr>
-                <a:t>2</a:t>
-              </a:r>
-              <a:endParaRPr lang="ko-KR" altLang="en-US" sz="7200" dirty="0">
+          </a:ln>
+        </p:spPr>
+        <p:style>
+          <a:lnRef idx="2">
+            <a:schemeClr val="accent2">
+              <a:shade val="50000"/>
+            </a:schemeClr>
+          </a:lnRef>
+          <a:fillRef idx="1">
+            <a:schemeClr val="accent2"/>
+          </a:fillRef>
+          <a:effectRef idx="0">
+            <a:schemeClr val="accent2"/>
+          </a:effectRef>
+          <a:fontRef idx="minor">
+            <a:schemeClr val="lt1"/>
+          </a:fontRef>
+        </p:style>
+        <p:txBody>
+          <a:bodyPr rtlCol="0" anchor="ctr"/>
+          <a:lstStyle/>
+          <a:p>
+            <a:pPr algn="ctr"/>
+            <a:endParaRPr lang="ko-KR" altLang="en-US" dirty="0">
+              <a:latin typeface="나눔스퀘어 Bold" panose="020B0600000101010101" pitchFamily="50" charset="-127"/>
+              <a:ea typeface="나눔스퀘어 Bold" panose="020B0600000101010101" pitchFamily="50" charset="-127"/>
+            </a:endParaRPr>
+          </a:p>
+        </p:txBody>
+      </p:sp>
+      <p:sp>
+        <p:nvSpPr>
+          <p:cNvPr id="8" name="TextBox 7"/>
+          <p:cNvSpPr txBox="1"/>
+          <p:nvPr/>
+        </p:nvSpPr>
+        <p:spPr>
+          <a:xfrm>
+            <a:off x="808379" y="1159284"/>
+            <a:ext cx="3960441" cy="830997"/>
+          </a:xfrm>
+          <a:prstGeom prst="rect">
+            <a:avLst/>
+          </a:prstGeom>
+          <a:noFill/>
+        </p:spPr>
+        <p:txBody>
+          <a:bodyPr wrap="square" rtlCol="0">
+            <a:spAutoFit/>
+            <a:scene3d>
+              <a:camera prst="perspectiveFront"/>
+              <a:lightRig rig="threePt" dir="t"/>
+            </a:scene3d>
+          </a:bodyPr>
+          <a:lstStyle/>
+          <a:p>
+            <a:pPr algn="ctr"/>
+            <a:r>
+              <a:rPr lang="ko-KR" altLang="en-US" sz="4800" dirty="0" smtClean="0">
                 <a:solidFill>
                   <a:schemeClr val="bg1"/>
                 </a:solidFill>
                 <a:latin typeface="Tmon몬소리 Black" pitchFamily="2" charset="-127"/>
                 <a:ea typeface="Tmon몬소리 Black" pitchFamily="2" charset="-127"/>
-              </a:endParaRPr>
-            </a:p>
-          </p:txBody>
-        </p:sp>
-        <p:sp>
-          <p:nvSpPr>
-            <p:cNvPr id="15" name="TextBox 14"/>
-            <p:cNvSpPr txBox="1"/>
-            <p:nvPr/>
-          </p:nvSpPr>
-          <p:spPr>
-            <a:xfrm>
-              <a:off x="6444205" y="3422610"/>
-              <a:ext cx="2141015" cy="1446550"/>
-            </a:xfrm>
-            <a:prstGeom prst="rect">
-              <a:avLst/>
-            </a:prstGeom>
-            <a:noFill/>
-          </p:spPr>
-          <p:txBody>
-            <a:bodyPr wrap="square" rtlCol="0">
-              <a:spAutoFit/>
-            </a:bodyPr>
-            <a:lstStyle/>
-            <a:p>
-              <a:pPr algn="ctr"/>
-              <a:r>
-                <a:rPr lang="ko-KR" altLang="en-US" sz="4400" dirty="0">
-                  <a:solidFill>
-                    <a:schemeClr val="bg1"/>
-                  </a:solidFill>
-                  <a:latin typeface="Tmon몬소리 Black" pitchFamily="2" charset="-127"/>
-                  <a:ea typeface="Tmon몬소리 Black" pitchFamily="2" charset="-127"/>
-                </a:rPr>
-                <a:t>프로젝트</a:t>
-              </a:r>
-              <a:endParaRPr lang="en-US" altLang="ko-KR" sz="4400" dirty="0">
+              </a:rPr>
+              <a:t>프로젝트</a:t>
+            </a:r>
+            <a:r>
+              <a:rPr lang="en-US" altLang="ko-KR" sz="4800" dirty="0">
                 <a:solidFill>
                   <a:schemeClr val="bg1"/>
                 </a:solidFill>
                 <a:latin typeface="Tmon몬소리 Black" pitchFamily="2" charset="-127"/>
                 <a:ea typeface="Tmon몬소리 Black" pitchFamily="2" charset="-127"/>
-              </a:endParaRPr>
-            </a:p>
-            <a:p>
-              <a:pPr algn="ctr"/>
-              <a:r>
-                <a:rPr lang="ko-KR" altLang="en-US" sz="4400" dirty="0">
-                  <a:solidFill>
-                    <a:schemeClr val="bg1"/>
-                  </a:solidFill>
-                  <a:latin typeface="Tmon몬소리 Black" pitchFamily="2" charset="-127"/>
-                  <a:ea typeface="Tmon몬소리 Black" pitchFamily="2" charset="-127"/>
-                </a:rPr>
-                <a:t>소개</a:t>
-              </a:r>
-            </a:p>
-          </p:txBody>
-        </p:sp>
-      </p:grpSp>
+              </a:rPr>
+              <a:t> </a:t>
+            </a:r>
+            <a:r>
+              <a:rPr lang="ko-KR" altLang="en-US" sz="4800" dirty="0" smtClean="0">
+                <a:solidFill>
+                  <a:schemeClr val="bg1"/>
+                </a:solidFill>
+                <a:latin typeface="Tmon몬소리 Black" pitchFamily="2" charset="-127"/>
+                <a:ea typeface="Tmon몬소리 Black" pitchFamily="2" charset="-127"/>
+              </a:rPr>
+              <a:t>소개</a:t>
+            </a:r>
+            <a:endParaRPr lang="en-US" altLang="ko-KR" sz="4800" dirty="0">
+              <a:solidFill>
+                <a:schemeClr val="bg1"/>
+              </a:solidFill>
+              <a:latin typeface="Tmon몬소리 Black" pitchFamily="2" charset="-127"/>
+              <a:ea typeface="Tmon몬소리 Black" pitchFamily="2" charset="-127"/>
+            </a:endParaRPr>
+          </a:p>
+        </p:txBody>
+      </p:sp>
+      <p:sp>
+        <p:nvSpPr>
+          <p:cNvPr id="9" name="타원 8"/>
+          <p:cNvSpPr/>
+          <p:nvPr/>
+        </p:nvSpPr>
+        <p:spPr>
+          <a:xfrm>
+            <a:off x="-909156" y="692696"/>
+            <a:ext cx="1818311" cy="1671371"/>
+          </a:xfrm>
+          <a:prstGeom prst="ellipse">
+            <a:avLst/>
+          </a:prstGeom>
+          <a:solidFill>
+            <a:schemeClr val="accent6">
+              <a:lumMod val="20000"/>
+              <a:lumOff val="80000"/>
+            </a:schemeClr>
+          </a:solidFill>
+          <a:ln>
+            <a:noFill/>
+          </a:ln>
+        </p:spPr>
+        <p:style>
+          <a:lnRef idx="2">
+            <a:schemeClr val="accent1">
+              <a:shade val="50000"/>
+            </a:schemeClr>
+          </a:lnRef>
+          <a:fillRef idx="1">
+            <a:schemeClr val="accent1"/>
+          </a:fillRef>
+          <a:effectRef idx="0">
+            <a:schemeClr val="accent1"/>
+          </a:effectRef>
+          <a:fontRef idx="minor">
+            <a:schemeClr val="lt1"/>
+          </a:fontRef>
+        </p:style>
+        <p:txBody>
+          <a:bodyPr rtlCol="0" anchor="ctr"/>
+          <a:lstStyle/>
+          <a:p>
+            <a:pPr algn="ctr"/>
+            <a:endParaRPr lang="ko-KR" altLang="en-US"/>
+          </a:p>
+        </p:txBody>
+      </p:sp>
+      <p:sp>
+        <p:nvSpPr>
+          <p:cNvPr id="10" name="TextBox 9"/>
+          <p:cNvSpPr txBox="1"/>
+          <p:nvPr/>
+        </p:nvSpPr>
+        <p:spPr>
+          <a:xfrm>
+            <a:off x="-65664" y="974617"/>
+            <a:ext cx="1316751" cy="1200329"/>
+          </a:xfrm>
+          <a:prstGeom prst="rect">
+            <a:avLst/>
+          </a:prstGeom>
+          <a:noFill/>
+        </p:spPr>
+        <p:txBody>
+          <a:bodyPr wrap="square" rtlCol="0">
+            <a:spAutoFit/>
+            <a:scene3d>
+              <a:camera prst="perspectiveFront"/>
+              <a:lightRig rig="threePt" dir="t"/>
+            </a:scene3d>
+          </a:bodyPr>
+          <a:lstStyle/>
+          <a:p>
+            <a:r>
+              <a:rPr lang="en-US" altLang="ko-KR" sz="7200" dirty="0">
+                <a:solidFill>
+                  <a:schemeClr val="bg1"/>
+                </a:solidFill>
+                <a:latin typeface="Tmon몬소리 Black" pitchFamily="2" charset="-127"/>
+                <a:ea typeface="Tmon몬소리 Black" pitchFamily="2" charset="-127"/>
+              </a:rPr>
+              <a:t>2</a:t>
+            </a:r>
+            <a:endParaRPr lang="ko-KR" altLang="en-US" sz="7200" dirty="0">
+              <a:solidFill>
+                <a:schemeClr val="bg1"/>
+              </a:solidFill>
+              <a:latin typeface="Tmon몬소리 Black" pitchFamily="2" charset="-127"/>
+              <a:ea typeface="Tmon몬소리 Black" pitchFamily="2" charset="-127"/>
+            </a:endParaRPr>
+          </a:p>
+        </p:txBody>
+      </p:sp>
     </p:spTree>
     <p:extLst>
       <p:ext uri="{BB962C8B-B14F-4D97-AF65-F5344CB8AC3E}">
@@ -8225,6 +8555,13 @@
   <p:clrMapOvr>
     <a:masterClrMapping/>
   </p:clrMapOvr>
+  <p:timing>
+    <p:tnLst>
+      <p:par>
+        <p:cTn id="1" dur="indefinite" restart="never" nodeType="tmRoot"/>
+      </p:par>
+    </p:tnLst>
+  </p:timing>
 </p:sld>
 </file>
 
@@ -8451,7 +8788,7 @@
           <p:cNvPr id="11" name="TextBox 10">
             <a:extLst>
               <a:ext uri="{FF2B5EF4-FFF2-40B4-BE49-F238E27FC236}">
-                <a16:creationId xmlns:a16="http://schemas.microsoft.com/office/drawing/2014/main" id="{81C5FF0D-E7AD-49CB-AD9E-7B1727483A63}"/>
+                <a16:creationId xmlns:a16="http://schemas.microsoft.com/office/drawing/2014/main" xmlns="" id="{81C5FF0D-E7AD-49CB-AD9E-7B1727483A63}"/>
               </a:ext>
             </a:extLst>
           </p:cNvPr>
@@ -8460,8 +8797,8 @@
         </p:nvSpPr>
         <p:spPr>
           <a:xfrm>
-            <a:off x="2088480" y="5517232"/>
-            <a:ext cx="862584" cy="338554"/>
+            <a:off x="2080623" y="5122451"/>
+            <a:ext cx="1084350" cy="400110"/>
           </a:xfrm>
           <a:prstGeom prst="rect">
             <a:avLst/>
@@ -8480,7 +8817,7 @@
           <a:p>
             <a:pPr algn="ctr"/>
             <a:r>
-              <a:rPr lang="ko-KR" altLang="en-US" sz="1600" dirty="0">
+              <a:rPr lang="ko-KR" altLang="en-US" sz="2000" b="1" dirty="0">
                 <a:solidFill>
                   <a:schemeClr val="tx1">
                     <a:lumMod val="65000"/>
@@ -8500,7 +8837,7 @@
           <p:cNvPr id="15" name="TextBox 14">
             <a:extLst>
               <a:ext uri="{FF2B5EF4-FFF2-40B4-BE49-F238E27FC236}">
-                <a16:creationId xmlns:a16="http://schemas.microsoft.com/office/drawing/2014/main" id="{6AF0CAA5-3C70-4217-9B08-47607B214F8E}"/>
+                <a16:creationId xmlns:a16="http://schemas.microsoft.com/office/drawing/2014/main" xmlns="" id="{6AF0CAA5-3C70-4217-9B08-47607B214F8E}"/>
               </a:ext>
             </a:extLst>
           </p:cNvPr>
@@ -8509,8 +8846,8 @@
         </p:nvSpPr>
         <p:spPr>
           <a:xfrm>
-            <a:off x="6192938" y="5517232"/>
-            <a:ext cx="862584" cy="338554"/>
+            <a:off x="5767169" y="5122451"/>
+            <a:ext cx="1255889" cy="400110"/>
           </a:xfrm>
           <a:prstGeom prst="rect">
             <a:avLst/>
@@ -8529,7 +8866,7 @@
           <a:p>
             <a:pPr algn="ctr"/>
             <a:r>
-              <a:rPr lang="ko-KR" altLang="en-US" sz="1600" dirty="0" err="1">
+              <a:rPr lang="ko-KR" altLang="en-US" sz="2000" b="1" dirty="0" err="1">
                 <a:solidFill>
                   <a:schemeClr val="tx1">
                     <a:lumMod val="65000"/>
@@ -8541,7 +8878,7 @@
               </a:rPr>
               <a:t>최한솔</a:t>
             </a:r>
-            <a:endParaRPr lang="ko-KR" altLang="en-US" sz="1600" dirty="0">
+            <a:endParaRPr lang="ko-KR" altLang="en-US" sz="2000" b="1" dirty="0">
               <a:solidFill>
                 <a:schemeClr val="tx1">
                   <a:lumMod val="65000"/>
@@ -8554,113 +8891,235 @@
           </a:p>
         </p:txBody>
       </p:sp>
-      <p:pic>
-        <p:nvPicPr>
-          <p:cNvPr id="5" name="그림 4">
-            <a:extLst>
-              <a:ext uri="{FF2B5EF4-FFF2-40B4-BE49-F238E27FC236}">
-                <a16:creationId xmlns:a16="http://schemas.microsoft.com/office/drawing/2014/main" id="{CB5D3911-F141-4ECF-AD30-F411BBF6D7BF}"/>
-              </a:ext>
-            </a:extLst>
-          </p:cNvPr>
-          <p:cNvPicPr>
-            <a:picLocks noChangeAspect="1"/>
-          </p:cNvPicPr>
+      <p:grpSp>
+        <p:nvGrpSpPr>
+          <p:cNvPr id="3" name="그룹 2"/>
+          <p:cNvGrpSpPr/>
           <p:nvPr/>
-        </p:nvPicPr>
-        <p:blipFill>
-          <a:blip r:embed="rId4">
-            <a:extLst>
-              <a:ext uri="{BEBA8EAE-BF5A-486C-A8C5-ECC9F3942E4B}">
-                <a14:imgProps xmlns:a14="http://schemas.microsoft.com/office/drawing/2010/main">
-                  <a14:imgLayer r:embed="rId5">
-                    <a14:imgEffect>
-                      <a14:backgroundRemoval t="0" b="100000" l="9924" r="96756">
-                        <a14:foregroundMark x1="24618" y1="23706" x2="21088" y2="28381"/>
-                        <a14:foregroundMark x1="20324" y1="26043" x2="19752" y2="29716"/>
-                        <a14:foregroundMark x1="20515" y1="24708" x2="18989" y2="29382"/>
-                        <a14:foregroundMark x1="29198" y1="13022" x2="35305" y2="3005"/>
-                        <a14:foregroundMark x1="80248" y1="18698" x2="87882" y2="14023"/>
-                        <a14:foregroundMark x1="88263" y1="25042" x2="81775" y2="47245"/>
-                        <a14:foregroundMark x1="81966" y1="61937" x2="84065" y2="65609"/>
-                        <a14:foregroundMark x1="43893" y1="90317" x2="49237" y2="87646"/>
-                        <a14:foregroundMark x1="76431" y1="96327" x2="76813" y2="99666"/>
-                        <a14:backgroundMark x1="68321" y1="3339" x2="66603" y2="2671"/>
-                        <a14:backgroundMark x1="81966" y1="9015" x2="79294" y2="8013"/>
-                        <a14:backgroundMark x1="80630" y1="35392" x2="76431" y2="46578"/>
-                        <a14:backgroundMark x1="31489" y1="2337" x2="35878" y2="0"/>
-                        <a14:backgroundMark x1="68989" y1="7679" x2="64122" y2="1336"/>
-                        <a14:backgroundMark x1="76240" y1="44073" x2="76240" y2="50584"/>
-                        <a14:backgroundMark x1="64122" y1="2003" x2="62214" y2="0"/>
-                      </a14:backgroundRemoval>
-                    </a14:imgEffect>
-                  </a14:imgLayer>
-                </a14:imgProps>
-              </a:ext>
-              <a:ext uri="{28A0092B-C50C-407E-A947-70E740481C1C}">
-                <a14:useLocalDpi xmlns:a14="http://schemas.microsoft.com/office/drawing/2010/main" val="0"/>
-              </a:ext>
-            </a:extLst>
-          </a:blip>
-          <a:stretch>
-            <a:fillRect/>
-          </a:stretch>
-        </p:blipFill>
-        <p:spPr>
+        </p:nvGrpSpPr>
+        <p:grpSpPr>
           <a:xfrm>
-            <a:off x="4293527" y="2096852"/>
-            <a:ext cx="4661406" cy="2664296"/>
+            <a:off x="611560" y="2162501"/>
+            <a:ext cx="4022476" cy="2976689"/>
+            <a:chOff x="327097" y="3209400"/>
+            <a:chExt cx="3493633" cy="2620225"/>
           </a:xfrm>
-          <a:prstGeom prst="rect">
-            <a:avLst/>
-          </a:prstGeom>
-        </p:spPr>
-      </p:pic>
-      <p:pic>
-        <p:nvPicPr>
-          <p:cNvPr id="9" name="그림 8">
-            <a:extLst>
-              <a:ext uri="{FF2B5EF4-FFF2-40B4-BE49-F238E27FC236}">
-                <a16:creationId xmlns:a16="http://schemas.microsoft.com/office/drawing/2014/main" id="{88B6A574-F1EA-400F-A38F-A87202CFBC5D}"/>
-              </a:ext>
-            </a:extLst>
-          </p:cNvPr>
-          <p:cNvPicPr>
-            <a:picLocks noChangeAspect="1"/>
-          </p:cNvPicPr>
+        </p:grpSpPr>
+        <p:sp>
+          <p:nvSpPr>
+            <p:cNvPr id="2" name="타원 1"/>
+            <p:cNvSpPr/>
+            <p:nvPr/>
+          </p:nvSpPr>
+          <p:spPr>
+            <a:xfrm>
+              <a:off x="871972" y="3284984"/>
+              <a:ext cx="2403884" cy="2088232"/>
+            </a:xfrm>
+            <a:prstGeom prst="ellipse">
+              <a:avLst/>
+            </a:prstGeom>
+            <a:solidFill>
+              <a:srgbClr val="FFFFFF"/>
+            </a:solidFill>
+            <a:ln>
+              <a:noFill/>
+            </a:ln>
+          </p:spPr>
+          <p:style>
+            <a:lnRef idx="2">
+              <a:schemeClr val="accent1">
+                <a:shade val="50000"/>
+              </a:schemeClr>
+            </a:lnRef>
+            <a:fillRef idx="1">
+              <a:schemeClr val="accent1"/>
+            </a:fillRef>
+            <a:effectRef idx="0">
+              <a:schemeClr val="accent1"/>
+            </a:effectRef>
+            <a:fontRef idx="minor">
+              <a:schemeClr val="lt1"/>
+            </a:fontRef>
+          </p:style>
+          <p:txBody>
+            <a:bodyPr rtlCol="0" anchor="ctr"/>
+            <a:lstStyle/>
+            <a:p>
+              <a:pPr algn="ctr"/>
+              <a:endParaRPr lang="ko-KR" altLang="en-US"/>
+            </a:p>
+          </p:txBody>
+        </p:sp>
+        <p:pic>
+          <p:nvPicPr>
+            <p:cNvPr id="9" name="그림 8">
+              <a:extLst>
+                <a:ext uri="{FF2B5EF4-FFF2-40B4-BE49-F238E27FC236}">
+                  <a16:creationId xmlns:a16="http://schemas.microsoft.com/office/drawing/2014/main" xmlns="" id="{88B6A574-F1EA-400F-A38F-A87202CFBC5D}"/>
+                </a:ext>
+              </a:extLst>
+            </p:cNvPr>
+            <p:cNvPicPr>
+              <a:picLocks noChangeAspect="1"/>
+            </p:cNvPicPr>
+            <p:nvPr/>
+          </p:nvPicPr>
+          <p:blipFill>
+            <a:blip r:embed="rId4">
+              <a:extLst>
+                <a:ext uri="{BEBA8EAE-BF5A-486C-A8C5-ECC9F3942E4B}">
+                  <a14:imgProps xmlns:a14="http://schemas.microsoft.com/office/drawing/2010/main">
+                    <a14:imgLayer r:embed="rId5">
+                      <a14:imgEffect>
+                        <a14:backgroundRemoval t="10000" b="90000" l="10000" r="90000"/>
+                      </a14:imgEffect>
+                    </a14:imgLayer>
+                  </a14:imgProps>
+                </a:ext>
+                <a:ext uri="{28A0092B-C50C-407E-A947-70E740481C1C}">
+                  <a14:useLocalDpi xmlns:a14="http://schemas.microsoft.com/office/drawing/2010/main" val="0"/>
+                </a:ext>
+              </a:extLst>
+            </a:blip>
+            <a:stretch>
+              <a:fillRect/>
+            </a:stretch>
+          </p:blipFill>
+          <p:spPr>
+            <a:xfrm rot="20645899">
+              <a:off x="327097" y="3209400"/>
+              <a:ext cx="3493633" cy="2620225"/>
+            </a:xfrm>
+            <a:prstGeom prst="rect">
+              <a:avLst/>
+            </a:prstGeom>
+          </p:spPr>
+        </p:pic>
+      </p:grpSp>
+      <p:grpSp>
+        <p:nvGrpSpPr>
+          <p:cNvPr id="4" name="그룹 3"/>
+          <p:cNvGrpSpPr/>
           <p:nvPr/>
-        </p:nvPicPr>
-        <p:blipFill>
-          <a:blip r:embed="rId6">
-            <a:extLst>
-              <a:ext uri="{BEBA8EAE-BF5A-486C-A8C5-ECC9F3942E4B}">
-                <a14:imgProps xmlns:a14="http://schemas.microsoft.com/office/drawing/2010/main">
-                  <a14:imgLayer r:embed="rId7">
-                    <a14:imgEffect>
-                      <a14:backgroundRemoval t="10000" b="90000" l="10000" r="90000"/>
-                    </a14:imgEffect>
-                  </a14:imgLayer>
-                </a14:imgProps>
-              </a:ext>
-              <a:ext uri="{28A0092B-C50C-407E-A947-70E740481C1C}">
-                <a14:useLocalDpi xmlns:a14="http://schemas.microsoft.com/office/drawing/2010/main" val="0"/>
-              </a:ext>
-            </a:extLst>
-          </a:blip>
-          <a:stretch>
-            <a:fillRect/>
-          </a:stretch>
-        </p:blipFill>
-        <p:spPr>
-          <a:xfrm rot="20645899">
-            <a:off x="-1147208" y="1185322"/>
-            <a:ext cx="6858000" cy="5143500"/>
+        </p:nvGrpSpPr>
+        <p:grpSpPr>
+          <a:xfrm>
+            <a:off x="5076057" y="2262493"/>
+            <a:ext cx="2592288" cy="2358198"/>
+            <a:chOff x="5677981" y="1754268"/>
+            <a:chExt cx="2767768" cy="2372322"/>
           </a:xfrm>
-          <a:prstGeom prst="rect">
-            <a:avLst/>
-          </a:prstGeom>
-        </p:spPr>
-      </p:pic>
+        </p:grpSpPr>
+        <p:sp>
+          <p:nvSpPr>
+            <p:cNvPr id="14" name="타원 13"/>
+            <p:cNvSpPr/>
+            <p:nvPr/>
+          </p:nvSpPr>
+          <p:spPr>
+            <a:xfrm>
+              <a:off x="5677981" y="1754268"/>
+              <a:ext cx="2767768" cy="2372322"/>
+            </a:xfrm>
+            <a:prstGeom prst="ellipse">
+              <a:avLst/>
+            </a:prstGeom>
+            <a:solidFill>
+              <a:srgbClr val="FFFFFF"/>
+            </a:solidFill>
+            <a:ln>
+              <a:noFill/>
+            </a:ln>
+          </p:spPr>
+          <p:style>
+            <a:lnRef idx="2">
+              <a:schemeClr val="accent1">
+                <a:shade val="50000"/>
+              </a:schemeClr>
+            </a:lnRef>
+            <a:fillRef idx="1">
+              <a:schemeClr val="accent1"/>
+            </a:fillRef>
+            <a:effectRef idx="0">
+              <a:schemeClr val="accent1"/>
+            </a:effectRef>
+            <a:fontRef idx="minor">
+              <a:schemeClr val="lt1"/>
+            </a:fontRef>
+          </p:style>
+          <p:txBody>
+            <a:bodyPr rtlCol="0" anchor="ctr"/>
+            <a:lstStyle/>
+            <a:p>
+              <a:pPr algn="ctr"/>
+              <a:endParaRPr lang="ko-KR" altLang="en-US"/>
+            </a:p>
+          </p:txBody>
+        </p:sp>
+        <p:pic>
+          <p:nvPicPr>
+            <p:cNvPr id="5" name="그림 4">
+              <a:extLst>
+                <a:ext uri="{FF2B5EF4-FFF2-40B4-BE49-F238E27FC236}">
+                  <a16:creationId xmlns:a16="http://schemas.microsoft.com/office/drawing/2014/main" xmlns="" id="{CB5D3911-F141-4ECF-AD30-F411BBF6D7BF}"/>
+                </a:ext>
+              </a:extLst>
+            </p:cNvPr>
+            <p:cNvPicPr>
+              <a:picLocks noChangeAspect="1"/>
+            </p:cNvPicPr>
+            <p:nvPr/>
+          </p:nvPicPr>
+          <p:blipFill>
+            <a:blip r:embed="rId6" cstate="print">
+              <a:extLst>
+                <a:ext uri="{BEBA8EAE-BF5A-486C-A8C5-ECC9F3942E4B}">
+                  <a14:imgProps xmlns:a14="http://schemas.microsoft.com/office/drawing/2010/main">
+                    <a14:imgLayer r:embed="rId7">
+                      <a14:imgEffect>
+                        <a14:backgroundRemoval t="0" b="100000" l="9924" r="96756">
+                          <a14:foregroundMark x1="24618" y1="23706" x2="21088" y2="28381"/>
+                          <a14:foregroundMark x1="20324" y1="26043" x2="19752" y2="29716"/>
+                          <a14:foregroundMark x1="20515" y1="24708" x2="18989" y2="29382"/>
+                          <a14:foregroundMark x1="29198" y1="13022" x2="35305" y2="3005"/>
+                          <a14:foregroundMark x1="80248" y1="18698" x2="87882" y2="14023"/>
+                          <a14:foregroundMark x1="88263" y1="25042" x2="81775" y2="47245"/>
+                          <a14:foregroundMark x1="81966" y1="61937" x2="84065" y2="65609"/>
+                          <a14:foregroundMark x1="43893" y1="90317" x2="49237" y2="87646"/>
+                          <a14:foregroundMark x1="76431" y1="96327" x2="76813" y2="99666"/>
+                          <a14:backgroundMark x1="68321" y1="3339" x2="66603" y2="2671"/>
+                          <a14:backgroundMark x1="81966" y1="9015" x2="79294" y2="8013"/>
+                          <a14:backgroundMark x1="80630" y1="35392" x2="76431" y2="46578"/>
+                          <a14:backgroundMark x1="31489" y1="2337" x2="35878" y2="0"/>
+                          <a14:backgroundMark x1="68989" y1="7679" x2="64122" y2="1336"/>
+                          <a14:backgroundMark x1="76240" y1="44073" x2="76240" y2="50584"/>
+                          <a14:backgroundMark x1="64122" y1="2003" x2="62214" y2="0"/>
+                        </a14:backgroundRemoval>
+                      </a14:imgEffect>
+                    </a14:imgLayer>
+                  </a14:imgProps>
+                </a:ext>
+                <a:ext uri="{28A0092B-C50C-407E-A947-70E740481C1C}">
+                  <a14:useLocalDpi xmlns:a14="http://schemas.microsoft.com/office/drawing/2010/main" val="0"/>
+                </a:ext>
+              </a:extLst>
+            </a:blip>
+            <a:stretch>
+              <a:fillRect/>
+            </a:stretch>
+          </p:blipFill>
+          <p:spPr>
+            <a:xfrm>
+              <a:off x="5726910" y="2096852"/>
+              <a:ext cx="2718839" cy="1553993"/>
+            </a:xfrm>
+            <a:prstGeom prst="rect">
+              <a:avLst/>
+            </a:prstGeom>
+          </p:spPr>
+        </p:pic>
+      </p:grpSp>
     </p:spTree>
     <p:extLst>
       <p:ext uri="{BB962C8B-B14F-4D97-AF65-F5344CB8AC3E}">
@@ -8671,6 +9130,13 @@
   <p:clrMapOvr>
     <a:masterClrMapping/>
   </p:clrMapOvr>
+  <p:timing>
+    <p:tnLst>
+      <p:par>
+        <p:cTn id="1" dur="indefinite" restart="never" nodeType="tmRoot"/>
+      </p:par>
+    </p:tnLst>
+  </p:timing>
 </p:sld>
 </file>
 
@@ -8913,7 +9379,7 @@
             </p:nvSpPr>
             <p:spPr>
               <a:xfrm>
-                <a:off x="3059832" y="2060848"/>
+                <a:off x="3419872" y="2698144"/>
                 <a:ext cx="2554123" cy="424860"/>
               </a:xfrm>
               <a:prstGeom prst="rect">
@@ -8990,16 +9456,16 @@
             </p:nvSpPr>
             <p:spPr>
               <a:xfrm>
-                <a:off x="3059832" y="2060848"/>
+                <a:off x="3419872" y="2698144"/>
                 <a:ext cx="2554123" cy="424860"/>
               </a:xfrm>
               <a:prstGeom prst="rect">
                 <a:avLst/>
               </a:prstGeom>
-              <a:blipFill>
+              <a:blipFill rotWithShape="0">
                 <a:blip r:embed="rId4"/>
                 <a:stretch>
-                  <a:fillRect/>
+                  <a:fillRect t="-14493" b="-21739"/>
                 </a:stretch>
               </a:blipFill>
             </p:spPr>
@@ -9026,8 +9492,8 @@
         </p:nvGrpSpPr>
         <p:grpSpPr>
           <a:xfrm>
-            <a:off x="1043608" y="5049256"/>
-            <a:ext cx="8172024" cy="684000"/>
+            <a:off x="611560" y="5049256"/>
+            <a:ext cx="8604072" cy="684000"/>
             <a:chOff x="1043608" y="5049256"/>
             <a:chExt cx="8172024" cy="684000"/>
           </a:xfrm>
@@ -9095,8 +9561,8 @@
           </p:nvSpPr>
           <p:spPr>
             <a:xfrm>
-              <a:off x="1259632" y="5138028"/>
-              <a:ext cx="7956000" cy="523220"/>
+              <a:off x="1061854" y="5138028"/>
+              <a:ext cx="8153778" cy="523220"/>
             </a:xfrm>
             <a:prstGeom prst="rect">
               <a:avLst/>
@@ -9115,7 +9581,7 @@
             <a:p>
               <a:pPr algn="ctr"/>
               <a:r>
-                <a:rPr lang="ko-KR" altLang="en-US" sz="2800" dirty="0">
+                <a:rPr lang="ko-KR" altLang="en-US" sz="2800" b="1" dirty="0">
                   <a:ln>
                     <a:solidFill>
                       <a:schemeClr val="accent1">
@@ -9132,7 +9598,7 @@
                 <a:t>인문학자와 생물학자</a:t>
               </a:r>
               <a:r>
-                <a:rPr lang="en-US" altLang="ko-KR" sz="2800" dirty="0">
+                <a:rPr lang="en-US" altLang="ko-KR" sz="2800" b="1" dirty="0">
                   <a:ln>
                     <a:solidFill>
                       <a:schemeClr val="accent1">
@@ -9149,7 +9615,7 @@
                 <a:t>, </a:t>
               </a:r>
               <a:r>
-                <a:rPr lang="ko-KR" altLang="en-US" sz="2800" dirty="0">
+                <a:rPr lang="ko-KR" altLang="en-US" sz="2800" b="1" dirty="0">
                   <a:ln>
                     <a:solidFill>
                       <a:schemeClr val="accent1">
@@ -9166,7 +9632,7 @@
                 <a:t>그들의 </a:t>
               </a:r>
               <a:r>
-                <a:rPr lang="en-US" altLang="ko-KR" sz="2800" dirty="0">
+                <a:rPr lang="en-US" altLang="ko-KR" sz="2800" b="1" dirty="0">
                   <a:ln>
                     <a:solidFill>
                       <a:schemeClr val="accent1">
@@ -9183,23 +9649,6 @@
                 <a:t>10</a:t>
               </a:r>
               <a:r>
-                <a:rPr lang="ko-KR" altLang="en-US" sz="2800" dirty="0">
-                  <a:ln>
-                    <a:solidFill>
-                      <a:schemeClr val="accent1">
-                        <a:alpha val="0"/>
-                      </a:schemeClr>
-                    </a:solidFill>
-                  </a:ln>
-                  <a:solidFill>
-                    <a:schemeClr val="bg1"/>
-                  </a:solidFill>
-                  <a:latin typeface="나눔스퀘어 Bold" pitchFamily="50" charset="-127"/>
-                  <a:ea typeface="나눔스퀘어 Bold" pitchFamily="50" charset="-127"/>
-                </a:rPr>
-                <a:t>년</a:t>
-              </a:r>
-              <a:r>
                 <a:rPr lang="ko-KR" altLang="en-US" sz="2800" b="1" dirty="0">
                   <a:ln>
                     <a:solidFill>
@@ -9214,24 +9663,7 @@
                   <a:latin typeface="나눔스퀘어 Bold" pitchFamily="50" charset="-127"/>
                   <a:ea typeface="나눔스퀘어 Bold" pitchFamily="50" charset="-127"/>
                 </a:rPr>
-                <a:t> </a:t>
-              </a:r>
-              <a:r>
-                <a:rPr lang="ko-KR" altLang="en-US" sz="2800" dirty="0">
-                  <a:ln>
-                    <a:solidFill>
-                      <a:schemeClr val="accent1">
-                        <a:alpha val="0"/>
-                      </a:schemeClr>
-                    </a:solidFill>
-                  </a:ln>
-                  <a:solidFill>
-                    <a:schemeClr val="bg1"/>
-                  </a:solidFill>
-                  <a:latin typeface="나눔스퀘어 Bold" pitchFamily="50" charset="-127"/>
-                  <a:ea typeface="나눔스퀘어 Bold" pitchFamily="50" charset="-127"/>
-                </a:rPr>
-                <a:t>만의 새로운 대담</a:t>
+                <a:t>년 만의 새로운 대담</a:t>
               </a:r>
             </a:p>
           </p:txBody>
@@ -9242,7 +9674,7 @@
           <p:cNvPr id="3" name="TextBox 2">
             <a:extLst>
               <a:ext uri="{FF2B5EF4-FFF2-40B4-BE49-F238E27FC236}">
-                <a16:creationId xmlns:a16="http://schemas.microsoft.com/office/drawing/2014/main" id="{D58430C5-6665-424B-BD72-AB079549EC09}"/>
+                <a16:creationId xmlns:a16="http://schemas.microsoft.com/office/drawing/2014/main" xmlns="" id="{D58430C5-6665-424B-BD72-AB079549EC09}"/>
               </a:ext>
             </a:extLst>
           </p:cNvPr>
@@ -9251,7 +9683,7 @@
         </p:nvSpPr>
         <p:spPr>
           <a:xfrm>
-            <a:off x="2195736" y="3429000"/>
+            <a:off x="2403244" y="3572244"/>
             <a:ext cx="4792132" cy="369332"/>
           </a:xfrm>
           <a:prstGeom prst="rect">
@@ -9292,7 +9724,7 @@
           <p:cNvPr id="7" name="그림 6">
             <a:extLst>
               <a:ext uri="{FF2B5EF4-FFF2-40B4-BE49-F238E27FC236}">
-                <a16:creationId xmlns:a16="http://schemas.microsoft.com/office/drawing/2014/main" id="{3D12782F-A9CF-4DFA-AB0E-C128177FA287}"/>
+                <a16:creationId xmlns:a16="http://schemas.microsoft.com/office/drawing/2014/main" xmlns="" id="{3D12782F-A9CF-4DFA-AB0E-C128177FA287}"/>
               </a:ext>
             </a:extLst>
           </p:cNvPr>
@@ -9347,6 +9779,13 @@
   <p:clrMapOvr>
     <a:masterClrMapping/>
   </p:clrMapOvr>
+  <p:timing>
+    <p:tnLst>
+      <p:par>
+        <p:cTn id="1" dur="indefinite" restart="never" nodeType="tmRoot"/>
+      </p:par>
+    </p:tnLst>
+  </p:timing>
 </p:sld>
 </file>
 
@@ -9432,187 +9871,217 @@
           </a:p>
         </p:txBody>
       </p:sp>
-      <p:grpSp>
-        <p:nvGrpSpPr>
-          <p:cNvPr id="8" name="그룹 7"/>
-          <p:cNvGrpSpPr/>
+      <p:sp>
+        <p:nvSpPr>
+          <p:cNvPr id="15" name="직사각형 14"/>
+          <p:cNvSpPr/>
           <p:nvPr/>
-        </p:nvGrpSpPr>
-        <p:grpSpPr>
+        </p:nvSpPr>
+        <p:spPr>
           <a:xfrm>
-            <a:off x="755576" y="0"/>
-            <a:ext cx="2562253" cy="6858000"/>
-            <a:chOff x="6444205" y="0"/>
-            <a:chExt cx="2160243" cy="6858000"/>
+            <a:off x="-36512" y="692696"/>
+            <a:ext cx="5400595" cy="1671375"/>
           </a:xfrm>
-        </p:grpSpPr>
-        <p:sp>
-          <p:nvSpPr>
-            <p:cNvPr id="9" name="직사각형 8"/>
-            <p:cNvSpPr/>
-            <p:nvPr/>
-          </p:nvSpPr>
-          <p:spPr>
-            <a:xfrm>
-              <a:off x="6444208" y="0"/>
-              <a:ext cx="2160240" cy="6858000"/>
-            </a:xfrm>
-            <a:prstGeom prst="rect">
-              <a:avLst/>
-            </a:prstGeom>
-            <a:solidFill>
-              <a:srgbClr val="008000"/>
-            </a:solidFill>
-            <a:ln>
-              <a:noFill/>
-            </a:ln>
+          <a:prstGeom prst="rect">
+            <a:avLst/>
+          </a:prstGeom>
+          <a:solidFill>
+            <a:srgbClr val="078C07"/>
+          </a:solidFill>
+          <a:ln>
+            <a:noFill/>
+          </a:ln>
+        </p:spPr>
+        <p:style>
+          <a:lnRef idx="2">
+            <a:schemeClr val="accent2">
+              <a:shade val="50000"/>
+            </a:schemeClr>
+          </a:lnRef>
+          <a:fillRef idx="1">
+            <a:schemeClr val="accent2"/>
+          </a:fillRef>
+          <a:effectRef idx="0">
+            <a:schemeClr val="accent2"/>
+          </a:effectRef>
+          <a:fontRef idx="minor">
+            <a:schemeClr val="lt1"/>
+          </a:fontRef>
+        </p:style>
+        <p:txBody>
+          <a:bodyPr rtlCol="0" anchor="ctr"/>
+          <a:lstStyle/>
+          <a:p>
+            <a:pPr algn="ctr"/>
+            <a:endParaRPr lang="ko-KR" altLang="en-US" dirty="0">
+              <a:latin typeface="나눔스퀘어 Bold" panose="020B0600000101010101" pitchFamily="50" charset="-127"/>
+              <a:ea typeface="나눔스퀘어 Bold" panose="020B0600000101010101" pitchFamily="50" charset="-127"/>
+            </a:endParaRPr>
+          </a:p>
+        </p:txBody>
+      </p:sp>
+      <p:sp>
+        <p:nvSpPr>
+          <p:cNvPr id="16" name="타원 15"/>
+          <p:cNvSpPr/>
+          <p:nvPr/>
+        </p:nvSpPr>
+        <p:spPr>
+          <a:xfrm>
+            <a:off x="-909156" y="692696"/>
+            <a:ext cx="1818311" cy="1671371"/>
+          </a:xfrm>
+          <a:prstGeom prst="ellipse">
+            <a:avLst/>
+          </a:prstGeom>
+          <a:solidFill>
+            <a:schemeClr val="accent6">
+              <a:lumMod val="20000"/>
+              <a:lumOff val="80000"/>
+            </a:schemeClr>
+          </a:solidFill>
+          <a:ln>
+            <a:noFill/>
+          </a:ln>
+        </p:spPr>
+        <p:style>
+          <a:lnRef idx="2">
+            <a:schemeClr val="accent1">
+              <a:shade val="50000"/>
+            </a:schemeClr>
+          </a:lnRef>
+          <a:fillRef idx="1">
+            <a:schemeClr val="accent1"/>
+          </a:fillRef>
+          <a:effectRef idx="0">
+            <a:schemeClr val="accent1"/>
+          </a:effectRef>
+          <a:fontRef idx="minor">
+            <a:schemeClr val="lt1"/>
+          </a:fontRef>
+        </p:style>
+        <p:txBody>
+          <a:bodyPr rtlCol="0" anchor="ctr"/>
+          <a:lstStyle/>
+          <a:p>
+            <a:pPr algn="ctr"/>
+            <a:endParaRPr lang="ko-KR" altLang="en-US"/>
+          </a:p>
+        </p:txBody>
+      </p:sp>
+      <p:sp>
+        <p:nvSpPr>
+          <p:cNvPr id="17" name="TextBox 16"/>
+          <p:cNvSpPr txBox="1"/>
+          <p:nvPr/>
+        </p:nvSpPr>
+        <p:spPr>
+          <a:xfrm>
+            <a:off x="-65664" y="974617"/>
+            <a:ext cx="1316751" cy="1200329"/>
+          </a:xfrm>
+          <a:prstGeom prst="rect">
+            <a:avLst/>
+          </a:prstGeom>
+          <a:noFill/>
+        </p:spPr>
+        <p:txBody>
+          <a:bodyPr wrap="square" rtlCol="0">
+            <a:spAutoFit/>
             <a:scene3d>
               <a:camera prst="perspectiveFront"/>
               <a:lightRig rig="threePt" dir="t"/>
             </a:scene3d>
-          </p:spPr>
-          <p:style>
-            <a:lnRef idx="2">
-              <a:schemeClr val="accent1">
-                <a:shade val="50000"/>
-              </a:schemeClr>
-            </a:lnRef>
-            <a:fillRef idx="1">
-              <a:schemeClr val="accent1"/>
-            </a:fillRef>
-            <a:effectRef idx="0">
-              <a:schemeClr val="accent1"/>
-            </a:effectRef>
-            <a:fontRef idx="minor">
-              <a:schemeClr val="lt1"/>
-            </a:fontRef>
-          </p:style>
-          <p:txBody>
-            <a:bodyPr rtlCol="0" anchor="ctr"/>
-            <a:lstStyle/>
-            <a:p>
-              <a:pPr algn="ctr"/>
-              <a:endParaRPr lang="ko-KR" altLang="en-US">
-                <a:latin typeface="Tmon몬소리 Black" pitchFamily="2" charset="-127"/>
-                <a:ea typeface="Tmon몬소리 Black" pitchFamily="2" charset="-127"/>
-              </a:endParaRPr>
-            </a:p>
-          </p:txBody>
-        </p:sp>
-        <p:sp>
-          <p:nvSpPr>
-            <p:cNvPr id="10" name="TextBox 9"/>
-            <p:cNvSpPr txBox="1"/>
-            <p:nvPr/>
-          </p:nvSpPr>
-          <p:spPr>
-            <a:xfrm>
-              <a:off x="7233437" y="1988840"/>
-              <a:ext cx="1110157" cy="1200329"/>
-            </a:xfrm>
-            <a:prstGeom prst="rect">
-              <a:avLst/>
-            </a:prstGeom>
-            <a:noFill/>
-          </p:spPr>
-          <p:txBody>
-            <a:bodyPr wrap="square" rtlCol="0">
-              <a:spAutoFit/>
-              <a:scene3d>
-                <a:camera prst="perspectiveFront"/>
-                <a:lightRig rig="threePt" dir="t"/>
-              </a:scene3d>
-            </a:bodyPr>
-            <a:lstStyle/>
-            <a:p>
-              <a:r>
-                <a:rPr lang="en-US" altLang="ko-KR" sz="7200" dirty="0">
-                  <a:solidFill>
-                    <a:schemeClr val="bg1"/>
-                  </a:solidFill>
-                  <a:latin typeface="Tmon몬소리 Black" pitchFamily="2" charset="-127"/>
-                  <a:ea typeface="Tmon몬소리 Black" pitchFamily="2" charset="-127"/>
-                </a:rPr>
-                <a:t>3</a:t>
-              </a:r>
-              <a:endParaRPr lang="ko-KR" altLang="en-US" sz="7200" dirty="0">
+          </a:bodyPr>
+          <a:lstStyle/>
+          <a:p>
+            <a:r>
+              <a:rPr lang="en-US" altLang="ko-KR" sz="7200" dirty="0">
                 <a:solidFill>
                   <a:schemeClr val="bg1"/>
                 </a:solidFill>
                 <a:latin typeface="Tmon몬소리 Black" pitchFamily="2" charset="-127"/>
                 <a:ea typeface="Tmon몬소리 Black" pitchFamily="2" charset="-127"/>
-              </a:endParaRPr>
-            </a:p>
-          </p:txBody>
-        </p:sp>
-        <p:sp>
-          <p:nvSpPr>
-            <p:cNvPr id="11" name="TextBox 10"/>
-            <p:cNvSpPr txBox="1"/>
-            <p:nvPr/>
-          </p:nvSpPr>
-          <p:spPr>
-            <a:xfrm>
-              <a:off x="6444205" y="3425760"/>
-              <a:ext cx="2141015" cy="1569660"/>
-            </a:xfrm>
-            <a:prstGeom prst="rect">
-              <a:avLst/>
-            </a:prstGeom>
-            <a:noFill/>
-          </p:spPr>
-          <p:txBody>
-            <a:bodyPr wrap="square" rtlCol="0">
-              <a:spAutoFit/>
-              <a:scene3d>
-                <a:camera prst="perspectiveFront"/>
-                <a:lightRig rig="threePt" dir="t"/>
-              </a:scene3d>
-            </a:bodyPr>
-            <a:lstStyle/>
-            <a:p>
-              <a:pPr algn="ctr"/>
-              <a:r>
-                <a:rPr lang="ko-KR" altLang="en-US" sz="4800" dirty="0">
-                  <a:solidFill>
-                    <a:schemeClr val="bg1"/>
-                  </a:solidFill>
-                  <a:latin typeface="Tmon몬소리 Black" pitchFamily="2" charset="-127"/>
-                  <a:ea typeface="Tmon몬소리 Black" pitchFamily="2" charset="-127"/>
-                </a:rPr>
-                <a:t>프로젝트</a:t>
-              </a:r>
-              <a:endParaRPr lang="en-US" altLang="ko-KR" sz="4800" dirty="0">
+              </a:rPr>
+              <a:t>3</a:t>
+            </a:r>
+            <a:endParaRPr lang="ko-KR" altLang="en-US" sz="7200" dirty="0">
+              <a:solidFill>
+                <a:schemeClr val="bg1"/>
+              </a:solidFill>
+              <a:latin typeface="Tmon몬소리 Black" pitchFamily="2" charset="-127"/>
+              <a:ea typeface="Tmon몬소리 Black" pitchFamily="2" charset="-127"/>
+            </a:endParaRPr>
+          </a:p>
+        </p:txBody>
+      </p:sp>
+      <p:sp>
+        <p:nvSpPr>
+          <p:cNvPr id="18" name="TextBox 17"/>
+          <p:cNvSpPr txBox="1"/>
+          <p:nvPr/>
+        </p:nvSpPr>
+        <p:spPr>
+          <a:xfrm>
+            <a:off x="808379" y="1159284"/>
+            <a:ext cx="3960441" cy="830997"/>
+          </a:xfrm>
+          <a:prstGeom prst="rect">
+            <a:avLst/>
+          </a:prstGeom>
+          <a:noFill/>
+        </p:spPr>
+        <p:txBody>
+          <a:bodyPr wrap="square" rtlCol="0">
+            <a:spAutoFit/>
+            <a:scene3d>
+              <a:camera prst="perspectiveFront"/>
+              <a:lightRig rig="threePt" dir="t"/>
+            </a:scene3d>
+          </a:bodyPr>
+          <a:lstStyle/>
+          <a:p>
+            <a:pPr algn="ctr"/>
+            <a:r>
+              <a:rPr lang="ko-KR" altLang="en-US" sz="4800" dirty="0" smtClean="0">
                 <a:solidFill>
                   <a:schemeClr val="bg1"/>
                 </a:solidFill>
                 <a:latin typeface="Tmon몬소리 Black" pitchFamily="2" charset="-127"/>
                 <a:ea typeface="Tmon몬소리 Black" pitchFamily="2" charset="-127"/>
-              </a:endParaRPr>
-            </a:p>
-            <a:p>
-              <a:pPr algn="ctr"/>
-              <a:r>
-                <a:rPr lang="ko-KR" altLang="en-US" sz="4800" dirty="0">
-                  <a:solidFill>
-                    <a:schemeClr val="bg1"/>
-                  </a:solidFill>
-                  <a:latin typeface="Tmon몬소리 Black" pitchFamily="2" charset="-127"/>
-                  <a:ea typeface="Tmon몬소리 Black" pitchFamily="2" charset="-127"/>
-                </a:rPr>
-                <a:t>결과</a:t>
-              </a:r>
-              <a:endParaRPr lang="en-US" altLang="ko-KR" sz="4800" dirty="0">
+              </a:rPr>
+              <a:t>프로젝트</a:t>
+            </a:r>
+            <a:r>
+              <a:rPr lang="en-US" altLang="ko-KR" sz="4800" dirty="0">
                 <a:solidFill>
                   <a:schemeClr val="bg1"/>
                 </a:solidFill>
                 <a:latin typeface="Tmon몬소리 Black" pitchFamily="2" charset="-127"/>
                 <a:ea typeface="Tmon몬소리 Black" pitchFamily="2" charset="-127"/>
-              </a:endParaRPr>
-            </a:p>
-          </p:txBody>
-        </p:sp>
-      </p:grpSp>
+              </a:rPr>
+              <a:t> </a:t>
+            </a:r>
+            <a:r>
+              <a:rPr lang="ko-KR" altLang="en-US" sz="4800" dirty="0" smtClean="0">
+                <a:solidFill>
+                  <a:schemeClr val="bg1"/>
+                </a:solidFill>
+                <a:latin typeface="Tmon몬소리 Black" pitchFamily="2" charset="-127"/>
+                <a:ea typeface="Tmon몬소리 Black" pitchFamily="2" charset="-127"/>
+              </a:rPr>
+              <a:t>결과</a:t>
+            </a:r>
+            <a:endParaRPr lang="en-US" altLang="ko-KR" sz="4800" dirty="0">
+              <a:solidFill>
+                <a:schemeClr val="bg1"/>
+              </a:solidFill>
+              <a:latin typeface="Tmon몬소리 Black" pitchFamily="2" charset="-127"/>
+              <a:ea typeface="Tmon몬소리 Black" pitchFamily="2" charset="-127"/>
+            </a:endParaRPr>
+          </a:p>
+        </p:txBody>
+      </p:sp>
     </p:spTree>
     <p:extLst>
       <p:ext uri="{BB962C8B-B14F-4D97-AF65-F5344CB8AC3E}">
@@ -9623,6 +10092,13 @@
   <p:clrMapOvr>
     <a:masterClrMapping/>
   </p:clrMapOvr>
+  <p:timing>
+    <p:tnLst>
+      <p:par>
+        <p:cTn id="1" dur="indefinite" restart="never" nodeType="tmRoot"/>
+      </p:par>
+    </p:tnLst>
+  </p:timing>
 </p:sld>
 </file>
 
@@ -9852,7 +10328,7 @@
           <p:cNvPr id="11" name="직사각형 10">
             <a:extLst>
               <a:ext uri="{FF2B5EF4-FFF2-40B4-BE49-F238E27FC236}">
-                <a16:creationId xmlns:a16="http://schemas.microsoft.com/office/drawing/2014/main" id="{DB391C99-FAEB-4EBE-A3D7-46CC6AB62999}"/>
+                <a16:creationId xmlns:a16="http://schemas.microsoft.com/office/drawing/2014/main" xmlns="" id="{DB391C99-FAEB-4EBE-A3D7-46CC6AB62999}"/>
               </a:ext>
             </a:extLst>
           </p:cNvPr>
@@ -9916,6 +10392,13 @@
   <p:clrMapOvr>
     <a:masterClrMapping/>
   </p:clrMapOvr>
+  <p:timing>
+    <p:tnLst>
+      <p:par>
+        <p:cTn id="1" dur="indefinite" restart="never" nodeType="tmRoot"/>
+      </p:par>
+    </p:tnLst>
+  </p:timing>
 </p:sld>
 </file>
 

--- a/group6presentation.pptx
+++ b/group6presentation.pptx
@@ -25,17 +25,24 @@
   <p:notesSz cx="6858000" cy="9144000"/>
   <p:embeddedFontLst>
     <p:embeddedFont>
-      <p:font typeface="Tmon몬소리 Black" panose="020B0600000101010101" charset="-127"/>
-      <p:bold r:id="rId15"/>
+      <p:font typeface="나눔스퀘어" panose="020B0600000101010101" pitchFamily="50" charset="-127"/>
+      <p:regular r:id="rId15"/>
+    </p:embeddedFont>
+    <p:embeddedFont>
+      <p:font typeface="나눔스퀘어 Bold" panose="020B0600000101010101" pitchFamily="50" charset="-127"/>
+      <p:bold r:id="rId16"/>
+    </p:embeddedFont>
+    <p:embeddedFont>
+      <p:font typeface="나눔스퀘어 ExtraBold" panose="020B0600000101010101" pitchFamily="50" charset="-127"/>
+      <p:bold r:id="rId17"/>
     </p:embeddedFont>
     <p:embeddedFont>
       <p:font typeface="Cambria Math" panose="02040503050406030204" pitchFamily="18" charset="0"/>
-      <p:regular r:id="rId16"/>
+      <p:regular r:id="rId18"/>
     </p:embeddedFont>
     <p:embeddedFont>
-      <p:font typeface="맑은 고딕" panose="020B0503020000020004" pitchFamily="50" charset="-127"/>
-      <p:regular r:id="rId17"/>
-      <p:bold r:id="rId18"/>
+      <p:font typeface="Tmon몬소리 Black" panose="02000A03000000000000" pitchFamily="2" charset="-127"/>
+      <p:bold r:id="rId19"/>
     </p:embeddedFont>
   </p:embeddedFontLst>
   <p:defaultTextStyle>
@@ -1164,18 +1171,75 @@
           <a:lstStyle/>
           <a:p>
             <a:r>
+              <a:rPr lang="ko-KR" altLang="en-US" dirty="0" err="1"/>
+              <a:t>마더플젝에서</a:t>
+            </a:r>
+            <a:r>
+              <a:rPr lang="ko-KR" altLang="en-US" dirty="0"/>
+              <a:t> 시작한 </a:t>
+            </a:r>
+            <a:r>
+              <a:rPr lang="ko-KR" altLang="en-US" dirty="0" err="1"/>
+              <a:t>라인봇이었지만</a:t>
+            </a:r>
+            <a:r>
+              <a:rPr lang="ko-KR" altLang="en-US" dirty="0"/>
+              <a:t> 번역 관련 기능을 개선하지는 않고 새로운 기능의 봇을 제작하게 되었다</a:t>
+            </a:r>
+            <a:r>
               <a:rPr lang="en-US" altLang="ko-KR" dirty="0"/>
-              <a:t>https://sleepyti.me/ </a:t>
-            </a:r>
+              <a:t>. </a:t>
+            </a:r>
+          </a:p>
+          <a:p>
             <a:r>
               <a:rPr lang="ko-KR" altLang="en-US" dirty="0"/>
-              <a:t>를 참고했어요 를 쓸까요 말까요</a:t>
+              <a:t>기획 초반 </a:t>
             </a:r>
             <a:r>
               <a:rPr lang="en-US" altLang="ko-KR" dirty="0"/>
-              <a:t>?</a:t>
-            </a:r>
-            <a:endParaRPr lang="ko-KR" altLang="en-US" dirty="0"/>
+              <a:t>Sleepyti.me</a:t>
+            </a:r>
+            <a:r>
+              <a:rPr lang="ko-KR" altLang="en-US" dirty="0"/>
+              <a:t>라는 사이트에서 영감을 받았다</a:t>
+            </a:r>
+            <a:r>
+              <a:rPr lang="en-US" altLang="ko-KR" dirty="0"/>
+              <a:t>.</a:t>
+            </a:r>
+          </a:p>
+          <a:p>
+            <a:r>
+              <a:rPr lang="ko-KR" altLang="en-US" dirty="0"/>
+              <a:t>이 사이트처럼 취침시간 또는 기상시간을 입력하면 수면 사이클에 기반한 계산을 통해 기상시간과 취침시간을 추천해주는 </a:t>
+            </a:r>
+            <a:r>
+              <a:rPr lang="ko-KR" altLang="en-US" dirty="0" err="1"/>
+              <a:t>챗봇을</a:t>
+            </a:r>
+            <a:r>
+              <a:rPr lang="ko-KR" altLang="en-US" dirty="0"/>
+              <a:t> 만들고 싶었다</a:t>
+            </a:r>
+            <a:r>
+              <a:rPr lang="en-US" altLang="ko-KR" dirty="0"/>
+              <a:t>.</a:t>
+            </a:r>
+          </a:p>
+          <a:p>
+            <a:r>
+              <a:rPr lang="ko-KR" altLang="en-US" dirty="0"/>
+              <a:t>참고로</a:t>
+            </a:r>
+            <a:r>
+              <a:rPr lang="en-US" altLang="ko-KR" dirty="0"/>
+              <a:t>, </a:t>
+            </a:r>
+            <a:r>
+              <a:rPr lang="ko-KR" altLang="en-US" dirty="0"/>
+              <a:t>수면 주기는 </a:t>
+            </a:r>
           </a:p>
         </p:txBody>
       </p:sp>
@@ -1207,6 +1271,340 @@
     <p:extLst>
       <p:ext uri="{BB962C8B-B14F-4D97-AF65-F5344CB8AC3E}">
         <p14:creationId xmlns:p14="http://schemas.microsoft.com/office/powerpoint/2010/main" val="2480248009"/>
+      </p:ext>
+    </p:extLst>
+  </p:cSld>
+  <p:clrMapOvr>
+    <a:masterClrMapping/>
+  </p:clrMapOvr>
+</p:notes>
+</file>
+
+<file path=ppt/notesSlides/notesSlide5.xml><?xml version="1.0" encoding="utf-8"?>
+<p:notes xmlns:a="http://schemas.openxmlformats.org/drawingml/2006/main" xmlns:r="http://schemas.openxmlformats.org/officeDocument/2006/relationships" xmlns:p="http://schemas.openxmlformats.org/presentationml/2006/main">
+  <p:cSld>
+    <p:spTree>
+      <p:nvGrpSpPr>
+        <p:cNvPr id="1" name=""/>
+        <p:cNvGrpSpPr/>
+        <p:nvPr/>
+      </p:nvGrpSpPr>
+      <p:grpSpPr>
+        <a:xfrm>
+          <a:off x="0" y="0"/>
+          <a:ext cx="0" cy="0"/>
+          <a:chOff x="0" y="0"/>
+          <a:chExt cx="0" cy="0"/>
+        </a:xfrm>
+      </p:grpSpPr>
+      <p:sp>
+        <p:nvSpPr>
+          <p:cNvPr id="2" name="슬라이드 이미지 개체 틀 1"/>
+          <p:cNvSpPr>
+            <a:spLocks noGrp="1" noRot="1" noChangeAspect="1"/>
+          </p:cNvSpPr>
+          <p:nvPr>
+            <p:ph type="sldImg"/>
+          </p:nvPr>
+        </p:nvSpPr>
+        <p:spPr/>
+      </p:sp>
+      <p:sp>
+        <p:nvSpPr>
+          <p:cNvPr id="3" name="슬라이드 노트 개체 틀 2"/>
+          <p:cNvSpPr>
+            <a:spLocks noGrp="1"/>
+          </p:cNvSpPr>
+          <p:nvPr>
+            <p:ph type="body" idx="1"/>
+          </p:nvPr>
+        </p:nvSpPr>
+        <p:spPr/>
+        <p:txBody>
+          <a:bodyPr/>
+          <a:lstStyle/>
+          <a:p>
+            <a:pPr marL="0" marR="0" lvl="0" indent="0" algn="l" defTabSz="914400" rtl="0" eaLnBrk="1" fontAlgn="auto" latinLnBrk="1" hangingPunct="1">
+              <a:lnSpc>
+                <a:spcPct val="100000"/>
+              </a:lnSpc>
+              <a:spcBef>
+                <a:spcPts val="0"/>
+              </a:spcBef>
+              <a:spcAft>
+                <a:spcPts val="0"/>
+              </a:spcAft>
+              <a:buClrTx/>
+              <a:buSzTx/>
+              <a:buFontTx/>
+              <a:buNone/>
+              <a:tabLst/>
+              <a:defRPr/>
+            </a:pPr>
+            <a:r>
+              <a:rPr lang="en-US" altLang="ko-KR" dirty="0">
+                <a:latin typeface="나눔스퀘어" panose="020B0600000101010101" pitchFamily="50" charset="-127"/>
+                <a:ea typeface="나눔스퀘어" panose="020B0600000101010101" pitchFamily="50" charset="-127"/>
+              </a:rPr>
+              <a:t>(sleepyti.me </a:t>
+            </a:r>
+            <a:r>
+              <a:rPr lang="ko-KR" altLang="en-US" dirty="0">
+                <a:latin typeface="나눔스퀘어" panose="020B0600000101010101" pitchFamily="50" charset="-127"/>
+                <a:ea typeface="나눔스퀘어" panose="020B0600000101010101" pitchFamily="50" charset="-127"/>
+              </a:rPr>
+              <a:t>사이트에는 있음</a:t>
+            </a:r>
+            <a:r>
+              <a:rPr lang="en-US" altLang="ko-KR" dirty="0">
+                <a:latin typeface="나눔스퀘어" panose="020B0600000101010101" pitchFamily="50" charset="-127"/>
+                <a:ea typeface="나눔스퀘어" panose="020B0600000101010101" pitchFamily="50" charset="-127"/>
+              </a:rPr>
+              <a:t>) - </a:t>
+            </a:r>
+            <a:r>
+              <a:rPr lang="ko-KR" altLang="en-US" dirty="0">
+                <a:latin typeface="나눔스퀘어" panose="020B0600000101010101" pitchFamily="50" charset="-127"/>
+                <a:ea typeface="나눔스퀘어" panose="020B0600000101010101" pitchFamily="50" charset="-127"/>
+              </a:rPr>
+              <a:t>현재 시간</a:t>
+            </a:r>
+            <a:r>
+              <a:rPr lang="en-US" altLang="ko-KR" dirty="0">
+                <a:latin typeface="나눔스퀘어" panose="020B0600000101010101" pitchFamily="50" charset="-127"/>
+                <a:ea typeface="나눔스퀘어" panose="020B0600000101010101" pitchFamily="50" charset="-127"/>
+              </a:rPr>
+              <a:t>/</a:t>
+            </a:r>
+            <a:r>
+              <a:rPr lang="ko-KR" altLang="en-US" dirty="0">
+                <a:latin typeface="나눔스퀘어" panose="020B0600000101010101" pitchFamily="50" charset="-127"/>
+                <a:ea typeface="나눔스퀘어" panose="020B0600000101010101" pitchFamily="50" charset="-127"/>
+              </a:rPr>
+              <a:t>분 받아와서 계산 </a:t>
+            </a:r>
+            <a:r>
+              <a:rPr lang="ko-KR" altLang="en-US" dirty="0" err="1">
+                <a:latin typeface="나눔스퀘어" panose="020B0600000101010101" pitchFamily="50" charset="-127"/>
+                <a:ea typeface="나눔스퀘어" panose="020B0600000101010101" pitchFamily="50" charset="-127"/>
+              </a:rPr>
+              <a:t>ㄱㄱ</a:t>
+            </a:r>
+            <a:r>
+              <a:rPr lang="en-US" altLang="ko-KR" dirty="0">
+                <a:latin typeface="나눔스퀘어" panose="020B0600000101010101" pitchFamily="50" charset="-127"/>
+                <a:ea typeface="나눔스퀘어" panose="020B0600000101010101" pitchFamily="50" charset="-127"/>
+              </a:rPr>
+              <a:t> </a:t>
+            </a:r>
+          </a:p>
+          <a:p>
+            <a:pPr marL="0" marR="0" lvl="0" indent="0" algn="l" defTabSz="914400" rtl="0" eaLnBrk="1" fontAlgn="auto" latinLnBrk="1" hangingPunct="1">
+              <a:lnSpc>
+                <a:spcPct val="100000"/>
+              </a:lnSpc>
+              <a:spcBef>
+                <a:spcPts val="0"/>
+              </a:spcBef>
+              <a:spcAft>
+                <a:spcPts val="0"/>
+              </a:spcAft>
+              <a:buClrTx/>
+              <a:buSzTx/>
+              <a:buFontTx/>
+              <a:buNone/>
+              <a:tabLst/>
+              <a:defRPr/>
+            </a:pPr>
+            <a:r>
+              <a:rPr lang="en-US" altLang="ko-KR" dirty="0">
+                <a:latin typeface="나눔스퀘어" panose="020B0600000101010101" pitchFamily="50" charset="-127"/>
+                <a:ea typeface="나눔스퀘어" panose="020B0600000101010101" pitchFamily="50" charset="-127"/>
+              </a:rPr>
+              <a:t>1. Python</a:t>
+            </a:r>
+          </a:p>
+          <a:p>
+            <a:pPr marL="0" marR="0" lvl="0" indent="0" algn="l" defTabSz="914400" rtl="0" eaLnBrk="1" fontAlgn="auto" latinLnBrk="1" hangingPunct="1">
+              <a:lnSpc>
+                <a:spcPct val="100000"/>
+              </a:lnSpc>
+              <a:spcBef>
+                <a:spcPts val="0"/>
+              </a:spcBef>
+              <a:spcAft>
+                <a:spcPts val="0"/>
+              </a:spcAft>
+              <a:buClrTx/>
+              <a:buSzTx/>
+              <a:buFontTx/>
+              <a:buNone/>
+              <a:tabLst/>
+              <a:defRPr/>
+            </a:pPr>
+            <a:r>
+              <a:rPr lang="en-US" altLang="ko-KR" dirty="0">
+                <a:latin typeface="나눔스퀘어" panose="020B0600000101010101" pitchFamily="50" charset="-127"/>
+                <a:ea typeface="나눔스퀘어" panose="020B0600000101010101" pitchFamily="50" charset="-127"/>
+              </a:rPr>
+              <a:t>2. Microsoft</a:t>
+            </a:r>
+          </a:p>
+          <a:p>
+            <a:pPr fontAlgn="base"/>
+            <a:r>
+              <a:rPr lang="en-US" altLang="ko-KR" sz="1200" b="0" i="0" kern="1200" dirty="0">
+                <a:solidFill>
+                  <a:schemeClr val="tx1"/>
+                </a:solidFill>
+                <a:effectLst/>
+                <a:latin typeface="나눔스퀘어 Bold" panose="020B0600000101010101" pitchFamily="50" charset="-127"/>
+                <a:ea typeface="나눔스퀘어 Bold" panose="020B0600000101010101" pitchFamily="50" charset="-127"/>
+                <a:cs typeface="+mn-cs"/>
+              </a:rPr>
+              <a:t>Microsoft has created </a:t>
+            </a:r>
+            <a:r>
+              <a:rPr lang="en-US" altLang="ko-KR" sz="1200" b="0" i="0" kern="1200" dirty="0" err="1">
+                <a:solidFill>
+                  <a:schemeClr val="tx1"/>
+                </a:solidFill>
+                <a:effectLst/>
+                <a:latin typeface="나눔스퀘어 Bold" panose="020B0600000101010101" pitchFamily="50" charset="-127"/>
+                <a:ea typeface="나눔스퀘어 Bold" panose="020B0600000101010101" pitchFamily="50" charset="-127"/>
+                <a:cs typeface="+mn-cs"/>
+              </a:rPr>
+              <a:t>QnA</a:t>
+            </a:r>
+            <a:r>
+              <a:rPr lang="en-US" altLang="ko-KR" sz="1200" b="0" i="0" kern="1200" dirty="0">
+                <a:solidFill>
+                  <a:schemeClr val="tx1"/>
+                </a:solidFill>
+                <a:effectLst/>
+                <a:latin typeface="나눔스퀘어 Bold" panose="020B0600000101010101" pitchFamily="50" charset="-127"/>
+                <a:ea typeface="나눔스퀘어 Bold" panose="020B0600000101010101" pitchFamily="50" charset="-127"/>
+                <a:cs typeface="+mn-cs"/>
+              </a:rPr>
+              <a:t> bot for the same reason as the name suggests </a:t>
+            </a:r>
+            <a:r>
+              <a:rPr lang="en-US" altLang="ko-KR" sz="1200" b="0" i="0" kern="1200" dirty="0" err="1">
+                <a:solidFill>
+                  <a:schemeClr val="tx1"/>
+                </a:solidFill>
+                <a:effectLst/>
+                <a:latin typeface="나눔스퀘어 Bold" panose="020B0600000101010101" pitchFamily="50" charset="-127"/>
+                <a:ea typeface="나눔스퀘어 Bold" panose="020B0600000101010101" pitchFamily="50" charset="-127"/>
+                <a:cs typeface="+mn-cs"/>
+              </a:rPr>
+              <a:t>i.e</a:t>
+            </a:r>
+            <a:r>
+              <a:rPr lang="en-US" altLang="ko-KR" sz="1200" b="0" i="0" kern="1200" dirty="0">
+                <a:solidFill>
+                  <a:schemeClr val="tx1"/>
+                </a:solidFill>
+                <a:effectLst/>
+                <a:latin typeface="나눔스퀘어 Bold" panose="020B0600000101010101" pitchFamily="50" charset="-127"/>
+                <a:ea typeface="나눔스퀘어 Bold" panose="020B0600000101010101" pitchFamily="50" charset="-127"/>
+                <a:cs typeface="+mn-cs"/>
+              </a:rPr>
+              <a:t> for answering the questions. You have to share the URL of your FAQ page and the bot will be created in a few minutes using the information on the FAQ page and structured data.</a:t>
+            </a:r>
+          </a:p>
+          <a:p>
+            <a:pPr fontAlgn="base"/>
+            <a:r>
+              <a:rPr lang="en-US" altLang="ko-KR" sz="1200" b="0" i="0" kern="1200" dirty="0">
+                <a:solidFill>
+                  <a:schemeClr val="tx1"/>
+                </a:solidFill>
+                <a:effectLst/>
+                <a:latin typeface="나눔스퀘어 Bold" panose="020B0600000101010101" pitchFamily="50" charset="-127"/>
+                <a:ea typeface="나눔스퀘어 Bold" panose="020B0600000101010101" pitchFamily="50" charset="-127"/>
+                <a:cs typeface="+mn-cs"/>
+              </a:rPr>
+              <a:t>Further, we can Integrate Microsoft Cognitive Services to enable your bot to see, hear, interpret and interact in more human ways. </a:t>
+            </a:r>
+            <a:r>
+              <a:rPr lang="en-US" altLang="ko-KR" sz="1200" b="0" i="0" kern="1200" dirty="0" err="1">
+                <a:solidFill>
+                  <a:schemeClr val="tx1"/>
+                </a:solidFill>
+                <a:effectLst/>
+                <a:latin typeface="나눔스퀘어 Bold" panose="020B0600000101010101" pitchFamily="50" charset="-127"/>
+                <a:ea typeface="나눔스퀘어 Bold" panose="020B0600000101010101" pitchFamily="50" charset="-127"/>
+                <a:cs typeface="+mn-cs"/>
+              </a:rPr>
+              <a:t>QnA</a:t>
+            </a:r>
+            <a:r>
+              <a:rPr lang="en-US" altLang="ko-KR" sz="1200" b="0" i="0" kern="1200" dirty="0">
+                <a:solidFill>
+                  <a:schemeClr val="tx1"/>
+                </a:solidFill>
+                <a:effectLst/>
+                <a:latin typeface="나눔스퀘어 Bold" panose="020B0600000101010101" pitchFamily="50" charset="-127"/>
+                <a:ea typeface="나눔스퀘어 Bold" panose="020B0600000101010101" pitchFamily="50" charset="-127"/>
+                <a:cs typeface="+mn-cs"/>
+              </a:rPr>
+              <a:t> Maker also integrates with other APIs and solutions seamlessly And scales to be a know-it-all part of a bigger bot or great standalone.</a:t>
+            </a:r>
+          </a:p>
+          <a:p>
+            <a:pPr marL="0" marR="0" lvl="0" indent="0" algn="l" defTabSz="914400" rtl="0" eaLnBrk="1" fontAlgn="auto" latinLnBrk="1" hangingPunct="1">
+              <a:lnSpc>
+                <a:spcPct val="100000"/>
+              </a:lnSpc>
+              <a:spcBef>
+                <a:spcPts val="0"/>
+              </a:spcBef>
+              <a:spcAft>
+                <a:spcPts val="0"/>
+              </a:spcAft>
+              <a:buClrTx/>
+              <a:buSzTx/>
+              <a:buFontTx/>
+              <a:buNone/>
+              <a:tabLst/>
+              <a:defRPr/>
+            </a:pPr>
+            <a:endParaRPr lang="ko-KR" altLang="en-US" dirty="0">
+              <a:latin typeface="나눔스퀘어" panose="020B0600000101010101" pitchFamily="50" charset="-127"/>
+              <a:ea typeface="나눔스퀘어" panose="020B0600000101010101" pitchFamily="50" charset="-127"/>
+            </a:endParaRPr>
+          </a:p>
+        </p:txBody>
+      </p:sp>
+      <p:sp>
+        <p:nvSpPr>
+          <p:cNvPr id="4" name="슬라이드 번호 개체 틀 3"/>
+          <p:cNvSpPr>
+            <a:spLocks noGrp="1"/>
+          </p:cNvSpPr>
+          <p:nvPr>
+            <p:ph type="sldNum" sz="quarter" idx="5"/>
+          </p:nvPr>
+        </p:nvSpPr>
+        <p:spPr/>
+        <p:txBody>
+          <a:bodyPr/>
+          <a:lstStyle/>
+          <a:p>
+            <a:fld id="{19EE474D-0AA7-4D54-BFE9-004B0F410058}" type="slidenum">
+              <a:rPr lang="ko-KR" altLang="en-US" smtClean="0"/>
+              <a:pPr/>
+              <a:t>11</a:t>
+            </a:fld>
+            <a:endParaRPr lang="ko-KR" altLang="en-US" dirty="0"/>
+          </a:p>
+        </p:txBody>
+      </p:sp>
+    </p:spTree>
+    <p:extLst>
+      <p:ext uri="{BB962C8B-B14F-4D97-AF65-F5344CB8AC3E}">
+        <p14:creationId xmlns:p14="http://schemas.microsoft.com/office/powerpoint/2010/main" val="908723085"/>
       </p:ext>
     </p:extLst>
   </p:cSld>
@@ -4829,13 +5227,6 @@
   <p:clrMapOvr>
     <a:masterClrMapping/>
   </p:clrMapOvr>
-  <p:timing>
-    <p:tnLst>
-      <p:par>
-        <p:cTn id="1" dur="indefinite" restart="never" nodeType="tmRoot"/>
-      </p:par>
-    </p:tnLst>
-  </p:timing>
 </p:sld>
 </file>
 
@@ -5015,7 +5406,10 @@
           <a:lstStyle/>
           <a:p>
             <a:pPr algn="ctr"/>
-            <a:endParaRPr lang="ko-KR" altLang="en-US"/>
+            <a:endParaRPr lang="ko-KR" altLang="en-US" dirty="0">
+              <a:latin typeface="나눔스퀘어" panose="020B0600000101010101" pitchFamily="50" charset="-127"/>
+              <a:ea typeface="나눔스퀘어" panose="020B0600000101010101" pitchFamily="50" charset="-127"/>
+            </a:endParaRPr>
           </a:p>
         </p:txBody>
       </p:sp>
@@ -5093,7 +5487,7 @@
           <a:p>
             <a:pPr algn="ctr"/>
             <a:r>
-              <a:rPr lang="ko-KR" altLang="en-US" sz="4800" dirty="0" smtClean="0">
+              <a:rPr lang="ko-KR" altLang="en-US" sz="4800" dirty="0">
                 <a:solidFill>
                   <a:schemeClr val="bg1"/>
                 </a:solidFill>
@@ -5122,13 +5516,6 @@
   <p:clrMapOvr>
     <a:masterClrMapping/>
   </p:clrMapOvr>
-  <p:timing>
-    <p:tnLst>
-      <p:par>
-        <p:cTn id="1" dur="indefinite" restart="never" nodeType="tmRoot"/>
-      </p:par>
-    </p:tnLst>
-  </p:timing>
 </p:sld>
 </file>
 
@@ -5164,6 +5551,50 @@
           <a:chExt cx="0" cy="0"/>
         </a:xfrm>
       </p:grpSpPr>
+      <p:cxnSp>
+        <p:nvCxnSpPr>
+          <p:cNvPr id="8" name="직선 연결선 7">
+            <a:extLst>
+              <a:ext uri="{FF2B5EF4-FFF2-40B4-BE49-F238E27FC236}">
+                <a16:creationId xmlns:a16="http://schemas.microsoft.com/office/drawing/2014/main" id="{EB6757D9-BE3E-41B2-8348-C21B9C22D619}"/>
+              </a:ext>
+            </a:extLst>
+          </p:cNvPr>
+          <p:cNvCxnSpPr>
+            <a:cxnSpLocks/>
+          </p:cNvCxnSpPr>
+          <p:nvPr/>
+        </p:nvCxnSpPr>
+        <p:spPr>
+          <a:xfrm>
+            <a:off x="395536" y="3356992"/>
+            <a:ext cx="8233843" cy="0"/>
+          </a:xfrm>
+          <a:prstGeom prst="line">
+            <a:avLst/>
+          </a:prstGeom>
+          <a:ln w="28575">
+            <a:solidFill>
+              <a:srgbClr val="123375"/>
+            </a:solidFill>
+            <a:prstDash val="sysDot"/>
+          </a:ln>
+        </p:spPr>
+        <p:style>
+          <a:lnRef idx="1">
+            <a:schemeClr val="accent1"/>
+          </a:lnRef>
+          <a:fillRef idx="0">
+            <a:schemeClr val="accent1"/>
+          </a:fillRef>
+          <a:effectRef idx="0">
+            <a:schemeClr val="accent1"/>
+          </a:effectRef>
+          <a:fontRef idx="minor">
+            <a:schemeClr val="tx1"/>
+          </a:fontRef>
+        </p:style>
+      </p:cxnSp>
       <p:grpSp>
         <p:nvGrpSpPr>
           <p:cNvPr id="26" name="그룹 25"/>
@@ -5370,7 +5801,7 @@
           <p:nvPr/>
         </p:nvPicPr>
         <p:blipFill>
-          <a:blip r:embed="rId2" cstate="print">
+          <a:blip r:embed="rId3" cstate="print">
             <a:extLst>
               <a:ext uri="{28A0092B-C50C-407E-A947-70E740481C1C}">
                 <a14:useLocalDpi xmlns:a14="http://schemas.microsoft.com/office/drawing/2010/main" val="0"/>
@@ -5393,30 +5824,463 @@
       </p:pic>
       <p:sp>
         <p:nvSpPr>
-          <p:cNvPr id="13" name="직사각형 12"/>
+          <p:cNvPr id="4" name="TextBox 3">
+            <a:extLst>
+              <a:ext uri="{FF2B5EF4-FFF2-40B4-BE49-F238E27FC236}">
+                <a16:creationId xmlns:a16="http://schemas.microsoft.com/office/drawing/2014/main" id="{23C999C2-5983-4BD8-870C-9864C8444727}"/>
+              </a:ext>
+            </a:extLst>
+          </p:cNvPr>
+          <p:cNvSpPr txBox="1"/>
+          <p:nvPr/>
+        </p:nvSpPr>
+        <p:spPr>
+          <a:xfrm>
+            <a:off x="413642" y="1414113"/>
+            <a:ext cx="4329545" cy="400110"/>
+          </a:xfrm>
+          <a:prstGeom prst="rect">
+            <a:avLst/>
+          </a:prstGeom>
+          <a:noFill/>
+          <a:ln w="28575">
+            <a:solidFill>
+              <a:srgbClr val="123375"/>
+            </a:solidFill>
+          </a:ln>
+        </p:spPr>
+        <p:txBody>
+          <a:bodyPr wrap="square" rtlCol="0" anchor="ctr">
+            <a:spAutoFit/>
+          </a:bodyPr>
+          <a:lstStyle/>
+          <a:p>
+            <a:r>
+              <a:rPr lang="ko-KR" altLang="en-US" sz="2000" dirty="0">
+                <a:latin typeface="나눔스퀘어 Bold" panose="020B0600000101010101" pitchFamily="50" charset="-127"/>
+                <a:ea typeface="나눔스퀘어 Bold" panose="020B0600000101010101" pitchFamily="50" charset="-127"/>
+              </a:rPr>
+              <a:t>① 보다 효과적인 정보 전달</a:t>
+            </a:r>
+            <a:r>
+              <a:rPr lang="en-US" altLang="ko-KR" sz="2000" dirty="0">
+                <a:latin typeface="나눔스퀘어 Bold" panose="020B0600000101010101" pitchFamily="50" charset="-127"/>
+                <a:ea typeface="나눔스퀘어 Bold" panose="020B0600000101010101" pitchFamily="50" charset="-127"/>
+              </a:rPr>
+              <a:t> + </a:t>
+            </a:r>
+            <a:r>
+              <a:rPr lang="ko-KR" altLang="en-US" sz="2000" dirty="0">
+                <a:latin typeface="나눔스퀘어 Bold" panose="020B0600000101010101" pitchFamily="50" charset="-127"/>
+                <a:ea typeface="나눔스퀘어 Bold" panose="020B0600000101010101" pitchFamily="50" charset="-127"/>
+              </a:rPr>
+              <a:t>신뢰성 </a:t>
+            </a:r>
+            <a:r>
+              <a:rPr lang="ko-KR" altLang="en-US" sz="2000" dirty="0">
+                <a:latin typeface="나눔스퀘어" panose="020B0600000101010101" pitchFamily="50" charset="-127"/>
+                <a:ea typeface="나눔스퀘어" panose="020B0600000101010101" pitchFamily="50" charset="-127"/>
+              </a:rPr>
+              <a:t>↑</a:t>
+            </a:r>
+            <a:endParaRPr lang="ko-KR" altLang="en-US" sz="2000" dirty="0">
+              <a:latin typeface="나눔스퀘어 Bold" panose="020B0600000101010101" pitchFamily="50" charset="-127"/>
+              <a:ea typeface="나눔스퀘어 Bold" panose="020B0600000101010101" pitchFamily="50" charset="-127"/>
+            </a:endParaRPr>
+          </a:p>
+        </p:txBody>
+      </p:sp>
+      <p:sp>
+        <p:nvSpPr>
+          <p:cNvPr id="18" name="TextBox 17">
+            <a:extLst>
+              <a:ext uri="{FF2B5EF4-FFF2-40B4-BE49-F238E27FC236}">
+                <a16:creationId xmlns:a16="http://schemas.microsoft.com/office/drawing/2014/main" id="{D9F7E2BF-187C-4D4E-BC26-83D7BC8DD3F7}"/>
+              </a:ext>
+            </a:extLst>
+          </p:cNvPr>
+          <p:cNvSpPr txBox="1"/>
+          <p:nvPr/>
+        </p:nvSpPr>
+        <p:spPr>
+          <a:xfrm>
+            <a:off x="413643" y="3567132"/>
+            <a:ext cx="3168352" cy="400110"/>
+          </a:xfrm>
+          <a:prstGeom prst="rect">
+            <a:avLst/>
+          </a:prstGeom>
+          <a:noFill/>
+          <a:ln w="28575">
+            <a:solidFill>
+              <a:srgbClr val="123375"/>
+            </a:solidFill>
+          </a:ln>
+        </p:spPr>
+        <p:txBody>
+          <a:bodyPr wrap="square" rtlCol="0" anchor="ctr">
+            <a:spAutoFit/>
+          </a:bodyPr>
+          <a:lstStyle/>
+          <a:p>
+            <a:r>
+              <a:rPr lang="ko-KR" altLang="en-US" sz="2000" dirty="0">
+                <a:latin typeface="나눔스퀘어 Bold" panose="020B0600000101010101" pitchFamily="50" charset="-127"/>
+                <a:ea typeface="나눔스퀘어 Bold" panose="020B0600000101010101" pitchFamily="50" charset="-127"/>
+              </a:rPr>
+              <a:t>② 새로운 플랫폼에서의 시도</a:t>
+            </a:r>
+            <a:endParaRPr lang="en-US" altLang="ko-KR" sz="2000" dirty="0">
+              <a:latin typeface="나눔스퀘어 Bold" panose="020B0600000101010101" pitchFamily="50" charset="-127"/>
+              <a:ea typeface="나눔스퀘어 Bold" panose="020B0600000101010101" pitchFamily="50" charset="-127"/>
+            </a:endParaRPr>
+          </a:p>
+        </p:txBody>
+      </p:sp>
+      <p:sp>
+        <p:nvSpPr>
+          <p:cNvPr id="19" name="TextBox 18">
+            <a:extLst>
+              <a:ext uri="{FF2B5EF4-FFF2-40B4-BE49-F238E27FC236}">
+                <a16:creationId xmlns:a16="http://schemas.microsoft.com/office/drawing/2014/main" id="{4298A011-7F06-4C1A-863B-BB5C822B9B71}"/>
+              </a:ext>
+            </a:extLst>
+          </p:cNvPr>
+          <p:cNvSpPr txBox="1"/>
+          <p:nvPr/>
+        </p:nvSpPr>
+        <p:spPr>
+          <a:xfrm>
+            <a:off x="436919" y="5261138"/>
+            <a:ext cx="1712573" cy="400110"/>
+          </a:xfrm>
+          <a:prstGeom prst="rect">
+            <a:avLst/>
+          </a:prstGeom>
+          <a:noFill/>
+          <a:ln w="28575">
+            <a:solidFill>
+              <a:srgbClr val="123375"/>
+            </a:solidFill>
+          </a:ln>
+        </p:spPr>
+        <p:txBody>
+          <a:bodyPr wrap="square" rtlCol="0" anchor="ctr">
+            <a:spAutoFit/>
+          </a:bodyPr>
+          <a:lstStyle/>
+          <a:p>
+            <a:pPr algn="ctr"/>
+            <a:r>
+              <a:rPr lang="ko-KR" altLang="en-US" sz="2000" dirty="0">
+                <a:latin typeface="나눔스퀘어 Bold" panose="020B0600000101010101" pitchFamily="50" charset="-127"/>
+                <a:ea typeface="나눔스퀘어 Bold" panose="020B0600000101010101" pitchFamily="50" charset="-127"/>
+              </a:rPr>
+              <a:t>③ 새로운 기능</a:t>
+            </a:r>
+          </a:p>
+        </p:txBody>
+      </p:sp>
+      <p:sp>
+        <p:nvSpPr>
+          <p:cNvPr id="6" name="TextBox 5">
+            <a:extLst>
+              <a:ext uri="{FF2B5EF4-FFF2-40B4-BE49-F238E27FC236}">
+                <a16:creationId xmlns:a16="http://schemas.microsoft.com/office/drawing/2014/main" id="{9E637B83-DEFF-4ED9-BD4F-9084B7874A20}"/>
+              </a:ext>
+            </a:extLst>
+          </p:cNvPr>
+          <p:cNvSpPr txBox="1"/>
+          <p:nvPr/>
+        </p:nvSpPr>
+        <p:spPr>
+          <a:xfrm>
+            <a:off x="503420" y="2077357"/>
+            <a:ext cx="4482522" cy="883383"/>
+          </a:xfrm>
+          <a:prstGeom prst="rect">
+            <a:avLst/>
+          </a:prstGeom>
+          <a:noFill/>
+        </p:spPr>
+        <p:txBody>
+          <a:bodyPr wrap="square" rtlCol="0">
+            <a:spAutoFit/>
+          </a:bodyPr>
+          <a:lstStyle/>
+          <a:p>
+            <a:pPr marL="285750" indent="-285750">
+              <a:lnSpc>
+                <a:spcPct val="150000"/>
+              </a:lnSpc>
+              <a:buFont typeface="Arial" panose="020B0604020202020204" pitchFamily="34" charset="0"/>
+              <a:buChar char="•"/>
+            </a:pPr>
+            <a:r>
+              <a:rPr lang="ko-KR" altLang="en-US" dirty="0" err="1">
+                <a:latin typeface="나눔스퀘어" panose="020B0600000101010101" pitchFamily="50" charset="-127"/>
+                <a:ea typeface="나눔스퀘어" panose="020B0600000101010101" pitchFamily="50" charset="-127"/>
+              </a:rPr>
+              <a:t>인포그래픽</a:t>
+            </a:r>
+            <a:r>
+              <a:rPr lang="ko-KR" altLang="en-US" dirty="0">
+                <a:latin typeface="나눔스퀘어" panose="020B0600000101010101" pitchFamily="50" charset="-127"/>
+                <a:ea typeface="나눔스퀘어" panose="020B0600000101010101" pitchFamily="50" charset="-127"/>
+              </a:rPr>
+              <a:t> </a:t>
+            </a:r>
+            <a:r>
+              <a:rPr lang="en-US" altLang="ko-KR" dirty="0">
+                <a:latin typeface="나눔스퀘어" panose="020B0600000101010101" pitchFamily="50" charset="-127"/>
+                <a:ea typeface="나눔스퀘어" panose="020B0600000101010101" pitchFamily="50" charset="-127"/>
+              </a:rPr>
+              <a:t>or </a:t>
+            </a:r>
+            <a:r>
+              <a:rPr lang="ko-KR" altLang="en-US" dirty="0">
+                <a:latin typeface="나눔스퀘어" panose="020B0600000101010101" pitchFamily="50" charset="-127"/>
+                <a:ea typeface="나눔스퀘어" panose="020B0600000101010101" pitchFamily="50" charset="-127"/>
+              </a:rPr>
+              <a:t>영상</a:t>
+            </a:r>
+            <a:endParaRPr lang="en-US" altLang="ko-KR" dirty="0">
+              <a:latin typeface="나눔스퀘어" panose="020B0600000101010101" pitchFamily="50" charset="-127"/>
+              <a:ea typeface="나눔스퀘어" panose="020B0600000101010101" pitchFamily="50" charset="-127"/>
+            </a:endParaRPr>
+          </a:p>
+          <a:p>
+            <a:pPr marL="285750" indent="-285750">
+              <a:lnSpc>
+                <a:spcPct val="150000"/>
+              </a:lnSpc>
+              <a:buFont typeface="Arial" panose="020B0604020202020204" pitchFamily="34" charset="0"/>
+              <a:buChar char="•"/>
+            </a:pPr>
+            <a:r>
+              <a:rPr lang="ko-KR" altLang="en-US" dirty="0">
+                <a:latin typeface="나눔스퀘어" panose="020B0600000101010101" pitchFamily="50" charset="-127"/>
+                <a:ea typeface="나눔스퀘어" panose="020B0600000101010101" pitchFamily="50" charset="-127"/>
+              </a:rPr>
+              <a:t>수면 사이클 관련 연구결과</a:t>
+            </a:r>
+          </a:p>
+        </p:txBody>
+      </p:sp>
+      <p:pic>
+        <p:nvPicPr>
+          <p:cNvPr id="34" name="그림 33">
+            <a:extLst>
+              <a:ext uri="{FF2B5EF4-FFF2-40B4-BE49-F238E27FC236}">
+                <a16:creationId xmlns:a16="http://schemas.microsoft.com/office/drawing/2014/main" id="{0528DD9A-DA11-462D-BA96-8698C8B025D4}"/>
+              </a:ext>
+            </a:extLst>
+          </p:cNvPr>
+          <p:cNvPicPr>
+            <a:picLocks noChangeAspect="1"/>
+          </p:cNvPicPr>
+          <p:nvPr/>
+        </p:nvPicPr>
+        <p:blipFill>
+          <a:blip r:embed="rId4">
+            <a:extLst>
+              <a:ext uri="{BEBA8EAE-BF5A-486C-A8C5-ECC9F3942E4B}">
+                <a14:imgProps xmlns:a14="http://schemas.microsoft.com/office/drawing/2010/main">
+                  <a14:imgLayer r:embed="rId5">
+                    <a14:imgEffect>
+                      <a14:backgroundRemoval t="9574" b="98936" l="4469" r="89665">
+                        <a14:foregroundMark x1="34916" y1="44149" x2="29330" y2="51330"/>
+                      </a14:backgroundRemoval>
+                    </a14:imgEffect>
+                  </a14:imgLayer>
+                </a14:imgProps>
+              </a:ext>
+              <a:ext uri="{28A0092B-C50C-407E-A947-70E740481C1C}">
+                <a14:useLocalDpi xmlns:a14="http://schemas.microsoft.com/office/drawing/2010/main" val="0"/>
+              </a:ext>
+            </a:extLst>
+          </a:blip>
+          <a:stretch>
+            <a:fillRect/>
+          </a:stretch>
+        </p:blipFill>
+        <p:spPr>
+          <a:xfrm>
+            <a:off x="5868144" y="1772816"/>
+            <a:ext cx="1590767" cy="1670750"/>
+          </a:xfrm>
+          <a:prstGeom prst="rect">
+            <a:avLst/>
+          </a:prstGeom>
+        </p:spPr>
+      </p:pic>
+      <p:cxnSp>
+        <p:nvCxnSpPr>
+          <p:cNvPr id="36" name="직선 연결선 35">
+            <a:extLst>
+              <a:ext uri="{FF2B5EF4-FFF2-40B4-BE49-F238E27FC236}">
+                <a16:creationId xmlns:a16="http://schemas.microsoft.com/office/drawing/2014/main" id="{23B9A4BA-A02B-4606-9BD4-E018C742F2BC}"/>
+              </a:ext>
+            </a:extLst>
+          </p:cNvPr>
+          <p:cNvCxnSpPr>
+            <a:cxnSpLocks/>
+          </p:cNvCxnSpPr>
+          <p:nvPr/>
+        </p:nvCxnSpPr>
+        <p:spPr>
+          <a:xfrm>
+            <a:off x="395536" y="5085184"/>
+            <a:ext cx="8233843" cy="0"/>
+          </a:xfrm>
+          <a:prstGeom prst="line">
+            <a:avLst/>
+          </a:prstGeom>
+          <a:ln w="28575">
+            <a:solidFill>
+              <a:srgbClr val="123375"/>
+            </a:solidFill>
+            <a:prstDash val="sysDot"/>
+          </a:ln>
+        </p:spPr>
+        <p:style>
+          <a:lnRef idx="1">
+            <a:schemeClr val="accent1"/>
+          </a:lnRef>
+          <a:fillRef idx="0">
+            <a:schemeClr val="accent1"/>
+          </a:fillRef>
+          <a:effectRef idx="0">
+            <a:schemeClr val="accent1"/>
+          </a:effectRef>
+          <a:fontRef idx="minor">
+            <a:schemeClr val="tx1"/>
+          </a:fontRef>
+        </p:style>
+      </p:cxnSp>
+      <p:pic>
+        <p:nvPicPr>
+          <p:cNvPr id="38" name="그림 37">
+            <a:extLst>
+              <a:ext uri="{FF2B5EF4-FFF2-40B4-BE49-F238E27FC236}">
+                <a16:creationId xmlns:a16="http://schemas.microsoft.com/office/drawing/2014/main" id="{2DEDFD10-40A0-4539-9BB4-CFFD04D94E90}"/>
+              </a:ext>
+            </a:extLst>
+          </p:cNvPr>
+          <p:cNvPicPr>
+            <a:picLocks noChangeAspect="1"/>
+          </p:cNvPicPr>
+          <p:nvPr/>
+        </p:nvPicPr>
+        <p:blipFill>
+          <a:blip r:embed="rId6">
+            <a:extLst>
+              <a:ext uri="{BEBA8EAE-BF5A-486C-A8C5-ECC9F3942E4B}">
+                <a14:imgProps xmlns:a14="http://schemas.microsoft.com/office/drawing/2010/main">
+                  <a14:imgLayer r:embed="rId7">
+                    <a14:imgEffect>
+                      <a14:backgroundRemoval t="0" b="99153" l="0" r="100000"/>
+                    </a14:imgEffect>
+                  </a14:imgLayer>
+                </a14:imgProps>
+              </a:ext>
+              <a:ext uri="{28A0092B-C50C-407E-A947-70E740481C1C}">
+                <a14:useLocalDpi xmlns:a14="http://schemas.microsoft.com/office/drawing/2010/main" val="0"/>
+              </a:ext>
+            </a:extLst>
+          </a:blip>
+          <a:stretch>
+            <a:fillRect/>
+          </a:stretch>
+        </p:blipFill>
+        <p:spPr>
+          <a:xfrm>
+            <a:off x="6603875" y="4768481"/>
+            <a:ext cx="2430395" cy="1575750"/>
+          </a:xfrm>
+          <a:prstGeom prst="rect">
+            <a:avLst/>
+          </a:prstGeom>
+        </p:spPr>
+      </p:pic>
+      <p:pic>
+        <p:nvPicPr>
+          <p:cNvPr id="40" name="그림 39">
+            <a:extLst>
+              <a:ext uri="{FF2B5EF4-FFF2-40B4-BE49-F238E27FC236}">
+                <a16:creationId xmlns:a16="http://schemas.microsoft.com/office/drawing/2014/main" id="{385D1F24-02A9-42AC-8150-166F96EAE73C}"/>
+              </a:ext>
+            </a:extLst>
+          </p:cNvPr>
+          <p:cNvPicPr>
+            <a:picLocks noChangeAspect="1"/>
+          </p:cNvPicPr>
+          <p:nvPr/>
+        </p:nvPicPr>
+        <p:blipFill>
+          <a:blip r:embed="rId8">
+            <a:extLst>
+              <a:ext uri="{BEBA8EAE-BF5A-486C-A8C5-ECC9F3942E4B}">
+                <a14:imgProps xmlns:a14="http://schemas.microsoft.com/office/drawing/2010/main">
+                  <a14:imgLayer r:embed="rId9">
+                    <a14:imgEffect>
+                      <a14:backgroundRemoval t="9870" b="89870" l="9970" r="97885">
+                        <a14:foregroundMark x1="64955" y1="54286" x2="66163" y2="56104"/>
+                        <a14:foregroundMark x1="79154" y1="53247" x2="78248" y2="56364"/>
+                        <a14:foregroundMark x1="90030" y1="52208" x2="90634" y2="56104"/>
+                      </a14:backgroundRemoval>
+                    </a14:imgEffect>
+                  </a14:imgLayer>
+                </a14:imgProps>
+              </a:ext>
+              <a:ext uri="{28A0092B-C50C-407E-A947-70E740481C1C}">
+                <a14:useLocalDpi xmlns:a14="http://schemas.microsoft.com/office/drawing/2010/main" val="0"/>
+              </a:ext>
+            </a:extLst>
+          </a:blip>
+          <a:stretch>
+            <a:fillRect/>
+          </a:stretch>
+        </p:blipFill>
+        <p:spPr>
+          <a:xfrm>
+            <a:off x="2165103" y="5174644"/>
+            <a:ext cx="1470793" cy="1710740"/>
+          </a:xfrm>
+          <a:prstGeom prst="rect">
+            <a:avLst/>
+          </a:prstGeom>
+        </p:spPr>
+      </p:pic>
+      <p:sp>
+        <p:nvSpPr>
+          <p:cNvPr id="41" name="말풍선: 모서리가 둥근 사각형 40">
+            <a:extLst>
+              <a:ext uri="{FF2B5EF4-FFF2-40B4-BE49-F238E27FC236}">
+                <a16:creationId xmlns:a16="http://schemas.microsoft.com/office/drawing/2014/main" id="{9186EBCE-0F87-4736-9DAA-535C97BB8BC2}"/>
+              </a:ext>
+            </a:extLst>
+          </p:cNvPr>
           <p:cNvSpPr/>
           <p:nvPr/>
         </p:nvSpPr>
         <p:spPr>
           <a:xfrm>
-            <a:off x="392" y="5661248"/>
-            <a:ext cx="8100000" cy="72000"/>
+            <a:off x="3832482" y="4915151"/>
+            <a:ext cx="2612722" cy="1335255"/>
           </a:xfrm>
-          <a:prstGeom prst="rect">
-            <a:avLst/>
+          <a:prstGeom prst="wedgeRoundRectCallout">
+            <a:avLst>
+              <a:gd name="adj1" fmla="val -62415"/>
+              <a:gd name="adj2" fmla="val 19106"/>
+              <a:gd name="adj3" fmla="val 16667"/>
+            </a:avLst>
           </a:prstGeom>
           <a:solidFill>
-            <a:srgbClr val="002060">
-              <a:alpha val="80000"/>
-            </a:srgbClr>
+            <a:schemeClr val="bg1">
+              <a:lumMod val="95000"/>
+            </a:schemeClr>
           </a:solidFill>
-          <a:ln>
-            <a:noFill/>
-          </a:ln>
-          <a:scene3d>
-            <a:camera prst="perspectiveFront"/>
-            <a:lightRig rig="threePt" dir="t"/>
-          </a:scene3d>
         </p:spPr>
         <p:style>
           <a:lnRef idx="2">
@@ -5439,138 +6303,336 @@
           <a:lstStyle/>
           <a:p>
             <a:pPr algn="ctr"/>
-            <a:endParaRPr lang="ko-KR" altLang="en-US" dirty="0">
-              <a:latin typeface="나눔스퀘어 Bold" panose="020B0600000101010101" pitchFamily="50" charset="-127"/>
-              <a:ea typeface="나눔스퀘어 Bold" panose="020B0600000101010101" pitchFamily="50" charset="-127"/>
+            <a:r>
+              <a:rPr lang="ko-KR" altLang="en-US" dirty="0">
+                <a:solidFill>
+                  <a:schemeClr val="tx1"/>
+                </a:solidFill>
+                <a:latin typeface="나눔스퀘어" panose="020B0600000101010101" pitchFamily="50" charset="-127"/>
+                <a:ea typeface="나눔스퀘어" panose="020B0600000101010101" pitchFamily="50" charset="-127"/>
+              </a:rPr>
+              <a:t>지금 바로 </a:t>
+            </a:r>
+            <a:r>
+              <a:rPr lang="ko-KR" altLang="en-US" dirty="0" err="1">
+                <a:solidFill>
+                  <a:schemeClr val="tx1"/>
+                </a:solidFill>
+                <a:latin typeface="나눔스퀘어" panose="020B0600000101010101" pitchFamily="50" charset="-127"/>
+                <a:ea typeface="나눔스퀘어" panose="020B0600000101010101" pitchFamily="50" charset="-127"/>
+              </a:rPr>
+              <a:t>잘건데</a:t>
+            </a:r>
+            <a:r>
+              <a:rPr lang="ko-KR" altLang="en-US" dirty="0">
+                <a:solidFill>
+                  <a:schemeClr val="tx1"/>
+                </a:solidFill>
+                <a:latin typeface="나눔스퀘어" panose="020B0600000101010101" pitchFamily="50" charset="-127"/>
+                <a:ea typeface="나눔스퀘어" panose="020B0600000101010101" pitchFamily="50" charset="-127"/>
+              </a:rPr>
+              <a:t> </a:t>
+            </a:r>
+            <a:endParaRPr lang="en-US" altLang="ko-KR" dirty="0">
+              <a:solidFill>
+                <a:schemeClr val="tx1"/>
+              </a:solidFill>
+              <a:latin typeface="나눔스퀘어" panose="020B0600000101010101" pitchFamily="50" charset="-127"/>
+              <a:ea typeface="나눔스퀘어" panose="020B0600000101010101" pitchFamily="50" charset="-127"/>
             </a:endParaRPr>
+          </a:p>
+          <a:p>
+            <a:pPr algn="ctr"/>
+            <a:r>
+              <a:rPr lang="ko-KR" altLang="en-US" dirty="0">
+                <a:solidFill>
+                  <a:schemeClr val="tx1"/>
+                </a:solidFill>
+                <a:latin typeface="나눔스퀘어" panose="020B0600000101010101" pitchFamily="50" charset="-127"/>
+                <a:ea typeface="나눔스퀘어" panose="020B0600000101010101" pitchFamily="50" charset="-127"/>
+              </a:rPr>
+              <a:t>언제 일어나는게 좋을까</a:t>
+            </a:r>
+            <a:r>
+              <a:rPr lang="en-US" altLang="ko-KR" dirty="0">
+                <a:solidFill>
+                  <a:schemeClr val="tx1"/>
+                </a:solidFill>
+                <a:latin typeface="나눔스퀘어" panose="020B0600000101010101" pitchFamily="50" charset="-127"/>
+                <a:ea typeface="나눔스퀘어" panose="020B0600000101010101" pitchFamily="50" charset="-127"/>
+              </a:rPr>
+              <a:t>?</a:t>
+            </a:r>
           </a:p>
         </p:txBody>
       </p:sp>
-      <p:sp>
-        <p:nvSpPr>
-          <p:cNvPr id="17" name="TextBox 16"/>
-          <p:cNvSpPr txBox="1"/>
+      <p:pic>
+        <p:nvPicPr>
+          <p:cNvPr id="47" name="그림 46">
+            <a:extLst>
+              <a:ext uri="{FF2B5EF4-FFF2-40B4-BE49-F238E27FC236}">
+                <a16:creationId xmlns:a16="http://schemas.microsoft.com/office/drawing/2014/main" id="{7BD06BAB-C102-4B34-B861-4534E4B6F83E}"/>
+              </a:ext>
+            </a:extLst>
+          </p:cNvPr>
+          <p:cNvPicPr>
+            <a:picLocks noChangeAspect="1"/>
+          </p:cNvPicPr>
           <p:nvPr/>
-        </p:nvSpPr>
+        </p:nvPicPr>
+        <p:blipFill>
+          <a:blip r:embed="rId10">
+            <a:extLst>
+              <a:ext uri="{BEBA8EAE-BF5A-486C-A8C5-ECC9F3942E4B}">
+                <a14:imgProps xmlns:a14="http://schemas.microsoft.com/office/drawing/2010/main">
+                  <a14:imgLayer r:embed="rId11">
+                    <a14:imgEffect>
+                      <a14:backgroundRemoval t="10000" b="90000" l="10000" r="90000">
+                        <a14:foregroundMark x1="43629" y1="38144" x2="46332" y2="44330"/>
+                        <a14:foregroundMark x1="42471" y1="58763" x2="47490" y2="65979"/>
+                        <a14:foregroundMark x1="57915" y1="55670" x2="61390" y2="62371"/>
+                        <a14:backgroundMark x1="50193" y1="33505" x2="50193" y2="54639"/>
+                        <a14:backgroundMark x1="52124" y1="50000" x2="71042" y2="50000"/>
+                      </a14:backgroundRemoval>
+                    </a14:imgEffect>
+                  </a14:imgLayer>
+                </a14:imgProps>
+              </a:ext>
+              <a:ext uri="{28A0092B-C50C-407E-A947-70E740481C1C}">
+                <a14:useLocalDpi xmlns:a14="http://schemas.microsoft.com/office/drawing/2010/main" val="0"/>
+              </a:ext>
+            </a:extLst>
+          </a:blip>
+          <a:stretch>
+            <a:fillRect/>
+          </a:stretch>
+        </p:blipFill>
         <p:spPr>
           <a:xfrm>
-            <a:off x="1763688" y="5805264"/>
-            <a:ext cx="7956000" cy="307777"/>
+            <a:off x="4499992" y="3068960"/>
+            <a:ext cx="2985040" cy="2235899"/>
           </a:xfrm>
           <a:prstGeom prst="rect">
             <a:avLst/>
           </a:prstGeom>
-          <a:noFill/>
-          <a:scene3d>
-            <a:camera prst="orthographicFront"/>
-            <a:lightRig rig="threePt" dir="t"/>
-          </a:scene3d>
         </p:spPr>
-        <p:txBody>
-          <a:bodyPr wrap="square" rtlCol="0">
-            <a:spAutoFit/>
-          </a:bodyPr>
-          <a:lstStyle/>
-          <a:p>
-            <a:pPr algn="ctr"/>
-            <a:r>
-              <a:rPr lang="ko-KR" altLang="en-US" sz="1400" dirty="0">
-                <a:ln>
-                  <a:solidFill>
-                    <a:schemeClr val="accent1">
-                      <a:alpha val="0"/>
-                    </a:schemeClr>
-                  </a:solidFill>
-                </a:ln>
-                <a:solidFill>
-                  <a:schemeClr val="bg1">
-                    <a:lumMod val="50000"/>
-                  </a:schemeClr>
-                </a:solidFill>
-                <a:latin typeface="나눔스퀘어" panose="020B0600000101010101" pitchFamily="50" charset="-127"/>
-                <a:ea typeface="나눔스퀘어" panose="020B0600000101010101" pitchFamily="50" charset="-127"/>
-              </a:rPr>
-              <a:t>인문학자와 생물학자</a:t>
-            </a:r>
-            <a:r>
-              <a:rPr lang="en-US" altLang="ko-KR" sz="1400" dirty="0">
-                <a:ln>
-                  <a:solidFill>
-                    <a:schemeClr val="accent1">
-                      <a:alpha val="0"/>
-                    </a:schemeClr>
-                  </a:solidFill>
-                </a:ln>
-                <a:solidFill>
-                  <a:schemeClr val="bg1">
-                    <a:lumMod val="50000"/>
-                  </a:schemeClr>
-                </a:solidFill>
-                <a:latin typeface="나눔스퀘어" panose="020B0600000101010101" pitchFamily="50" charset="-127"/>
-                <a:ea typeface="나눔스퀘어" panose="020B0600000101010101" pitchFamily="50" charset="-127"/>
-              </a:rPr>
-              <a:t>, </a:t>
-            </a:r>
-            <a:r>
-              <a:rPr lang="ko-KR" altLang="en-US" sz="1400" dirty="0">
-                <a:ln>
-                  <a:solidFill>
-                    <a:schemeClr val="accent1">
-                      <a:alpha val="0"/>
-                    </a:schemeClr>
-                  </a:solidFill>
-                </a:ln>
-                <a:solidFill>
-                  <a:schemeClr val="bg1">
-                    <a:lumMod val="50000"/>
-                  </a:schemeClr>
-                </a:solidFill>
-                <a:latin typeface="나눔스퀘어" panose="020B0600000101010101" pitchFamily="50" charset="-127"/>
-                <a:ea typeface="나눔스퀘어" panose="020B0600000101010101" pitchFamily="50" charset="-127"/>
-              </a:rPr>
-              <a:t>그들의 </a:t>
-            </a:r>
-            <a:r>
-              <a:rPr lang="en-US" altLang="ko-KR" sz="1400" dirty="0">
-                <a:ln>
-                  <a:solidFill>
-                    <a:schemeClr val="accent1">
-                      <a:alpha val="0"/>
-                    </a:schemeClr>
-                  </a:solidFill>
-                </a:ln>
-                <a:solidFill>
-                  <a:schemeClr val="bg1">
-                    <a:lumMod val="50000"/>
-                  </a:schemeClr>
-                </a:solidFill>
-                <a:latin typeface="나눔스퀘어" panose="020B0600000101010101" pitchFamily="50" charset="-127"/>
-                <a:ea typeface="나눔스퀘어" panose="020B0600000101010101" pitchFamily="50" charset="-127"/>
-              </a:rPr>
-              <a:t>10</a:t>
-            </a:r>
-            <a:r>
-              <a:rPr lang="ko-KR" altLang="en-US" sz="1400" dirty="0">
-                <a:ln>
-                  <a:solidFill>
-                    <a:schemeClr val="accent1">
-                      <a:alpha val="0"/>
-                    </a:schemeClr>
-                  </a:solidFill>
-                </a:ln>
-                <a:solidFill>
-                  <a:schemeClr val="bg1">
-                    <a:lumMod val="50000"/>
-                  </a:schemeClr>
-                </a:solidFill>
-                <a:latin typeface="나눔스퀘어" panose="020B0600000101010101" pitchFamily="50" charset="-127"/>
-                <a:ea typeface="나눔스퀘어" panose="020B0600000101010101" pitchFamily="50" charset="-127"/>
-              </a:rPr>
-              <a:t>년 만의 새로운 대담</a:t>
-            </a:r>
-          </a:p>
-        </p:txBody>
-      </p:sp>
+      </p:pic>
+      <p:pic>
+        <p:nvPicPr>
+          <p:cNvPr id="49" name="그림 48">
+            <a:extLst>
+              <a:ext uri="{FF2B5EF4-FFF2-40B4-BE49-F238E27FC236}">
+                <a16:creationId xmlns:a16="http://schemas.microsoft.com/office/drawing/2014/main" id="{01A8A908-8DB7-4B78-8FE2-EAE664B44702}"/>
+              </a:ext>
+            </a:extLst>
+          </p:cNvPr>
+          <p:cNvPicPr>
+            <a:picLocks noChangeAspect="1"/>
+          </p:cNvPicPr>
+          <p:nvPr/>
+        </p:nvPicPr>
+        <p:blipFill rotWithShape="1">
+          <a:blip r:embed="rId12">
+            <a:extLst>
+              <a:ext uri="{28A0092B-C50C-407E-A947-70E740481C1C}">
+                <a14:useLocalDpi xmlns:a14="http://schemas.microsoft.com/office/drawing/2010/main" val="0"/>
+              </a:ext>
+            </a:extLst>
+          </a:blip>
+          <a:srcRect l="27531" t="21257" r="26542" b="32002"/>
+          <a:stretch/>
+        </p:blipFill>
+        <p:spPr>
+          <a:xfrm>
+            <a:off x="7236296" y="3541403"/>
+            <a:ext cx="1446152" cy="1471773"/>
+          </a:xfrm>
+          <a:prstGeom prst="rect">
+            <a:avLst/>
+          </a:prstGeom>
+        </p:spPr>
+      </p:pic>
+      <p:pic>
+        <p:nvPicPr>
+          <p:cNvPr id="51" name="그림 50">
+            <a:extLst>
+              <a:ext uri="{FF2B5EF4-FFF2-40B4-BE49-F238E27FC236}">
+                <a16:creationId xmlns:a16="http://schemas.microsoft.com/office/drawing/2014/main" id="{68AEAFB3-1E6E-41D3-AF18-5AE65839E05A}"/>
+              </a:ext>
+            </a:extLst>
+          </p:cNvPr>
+          <p:cNvPicPr>
+            <a:picLocks noChangeAspect="1"/>
+          </p:cNvPicPr>
+          <p:nvPr/>
+        </p:nvPicPr>
+        <p:blipFill>
+          <a:blip r:embed="rId13" cstate="print">
+            <a:extLst>
+              <a:ext uri="{28A0092B-C50C-407E-A947-70E740481C1C}">
+                <a14:useLocalDpi xmlns:a14="http://schemas.microsoft.com/office/drawing/2010/main" val="0"/>
+              </a:ext>
+            </a:extLst>
+          </a:blip>
+          <a:stretch>
+            <a:fillRect/>
+          </a:stretch>
+        </p:blipFill>
+        <p:spPr>
+          <a:xfrm>
+            <a:off x="3717657" y="3717032"/>
+            <a:ext cx="1019397" cy="1019397"/>
+          </a:xfrm>
+          <a:prstGeom prst="rect">
+            <a:avLst/>
+          </a:prstGeom>
+        </p:spPr>
+      </p:pic>
+      <p:pic>
+        <p:nvPicPr>
+          <p:cNvPr id="53" name="그림 52">
+            <a:extLst>
+              <a:ext uri="{FF2B5EF4-FFF2-40B4-BE49-F238E27FC236}">
+                <a16:creationId xmlns:a16="http://schemas.microsoft.com/office/drawing/2014/main" id="{01ED6FB8-B6D8-48C8-A9CE-C5E8FA00078C}"/>
+              </a:ext>
+            </a:extLst>
+          </p:cNvPr>
+          <p:cNvPicPr>
+            <a:picLocks noChangeAspect="1"/>
+          </p:cNvPicPr>
+          <p:nvPr/>
+        </p:nvPicPr>
+        <p:blipFill>
+          <a:blip r:embed="rId14">
+            <a:extLst>
+              <a:ext uri="{BEBA8EAE-BF5A-486C-A8C5-ECC9F3942E4B}">
+                <a14:imgProps xmlns:a14="http://schemas.microsoft.com/office/drawing/2010/main">
+                  <a14:imgLayer r:embed="rId15">
+                    <a14:imgEffect>
+                      <a14:backgroundRemoval t="1220" b="99085" l="9375" r="95139">
+                        <a14:foregroundMark x1="38889" y1="21341" x2="44444" y2="19512"/>
+                        <a14:foregroundMark x1="67014" y1="13110" x2="71528" y2="12805"/>
+                        <a14:foregroundMark x1="63542" y1="20427" x2="68056" y2="20122"/>
+                        <a14:foregroundMark x1="62153" y1="25915" x2="65278" y2="26220"/>
+                        <a14:foregroundMark x1="32986" y1="39024" x2="37847" y2="38415"/>
+                        <a14:foregroundMark x1="32986" y1="45427" x2="38542" y2="45427"/>
+                        <a14:foregroundMark x1="52083" y1="40854" x2="52431" y2="57927"/>
+                        <a14:foregroundMark x1="58681" y1="51220" x2="59722" y2="53963"/>
+                        <a14:foregroundMark x1="65972" y1="48476" x2="65972" y2="55183"/>
+                        <a14:foregroundMark x1="72222" y1="46037" x2="71875" y2="52744"/>
+                        <a14:foregroundMark x1="78125" y1="42378" x2="78125" y2="49695"/>
+                        <a14:foregroundMark x1="35764" y1="54573" x2="32986" y2="56707"/>
+                        <a14:foregroundMark x1="38889" y1="66463" x2="42708" y2="73476"/>
+                        <a14:foregroundMark x1="61806" y1="67073" x2="71528" y2="66768"/>
+                        <a14:foregroundMark x1="65278" y1="73171" x2="74306" y2="72561"/>
+                        <a14:foregroundMark x1="63194" y1="78963" x2="74653" y2="78354"/>
+                        <a14:foregroundMark x1="60764" y1="84451" x2="66319" y2="84756"/>
+                        <a14:backgroundMark x1="50000" y1="21037" x2="50000" y2="21037"/>
+                      </a14:backgroundRemoval>
+                    </a14:imgEffect>
+                  </a14:imgLayer>
+                </a14:imgProps>
+              </a:ext>
+              <a:ext uri="{28A0092B-C50C-407E-A947-70E740481C1C}">
+                <a14:useLocalDpi xmlns:a14="http://schemas.microsoft.com/office/drawing/2010/main" val="0"/>
+              </a:ext>
+            </a:extLst>
+          </a:blip>
+          <a:stretch>
+            <a:fillRect/>
+          </a:stretch>
+        </p:blipFill>
+        <p:spPr>
+          <a:xfrm>
+            <a:off x="4860032" y="819409"/>
+            <a:ext cx="1279723" cy="1457463"/>
+          </a:xfrm>
+          <a:prstGeom prst="rect">
+            <a:avLst/>
+          </a:prstGeom>
+        </p:spPr>
+      </p:pic>
+      <p:pic>
+        <p:nvPicPr>
+          <p:cNvPr id="55" name="그림 54">
+            <a:extLst>
+              <a:ext uri="{FF2B5EF4-FFF2-40B4-BE49-F238E27FC236}">
+                <a16:creationId xmlns:a16="http://schemas.microsoft.com/office/drawing/2014/main" id="{3BFE88B0-9864-4796-8911-2BEF6666226E}"/>
+              </a:ext>
+            </a:extLst>
+          </p:cNvPr>
+          <p:cNvPicPr>
+            <a:picLocks noChangeAspect="1"/>
+          </p:cNvPicPr>
+          <p:nvPr/>
+        </p:nvPicPr>
+        <p:blipFill>
+          <a:blip r:embed="rId16" cstate="print">
+            <a:extLst>
+              <a:ext uri="{BEBA8EAE-BF5A-486C-A8C5-ECC9F3942E4B}">
+                <a14:imgProps xmlns:a14="http://schemas.microsoft.com/office/drawing/2010/main">
+                  <a14:imgLayer r:embed="rId17">
+                    <a14:imgEffect>
+                      <a14:backgroundRemoval t="10000" b="90000" l="10000" r="90000"/>
+                    </a14:imgEffect>
+                  </a14:imgLayer>
+                </a14:imgProps>
+              </a:ext>
+              <a:ext uri="{28A0092B-C50C-407E-A947-70E740481C1C}">
+                <a14:useLocalDpi xmlns:a14="http://schemas.microsoft.com/office/drawing/2010/main" val="0"/>
+              </a:ext>
+            </a:extLst>
+          </a:blip>
+          <a:stretch>
+            <a:fillRect/>
+          </a:stretch>
+        </p:blipFill>
+        <p:spPr>
+          <a:xfrm>
+            <a:off x="6970067" y="615129"/>
+            <a:ext cx="1571377" cy="1288610"/>
+          </a:xfrm>
+          <a:prstGeom prst="rect">
+            <a:avLst/>
+          </a:prstGeom>
+        </p:spPr>
+      </p:pic>
+      <p:pic>
+        <p:nvPicPr>
+          <p:cNvPr id="43" name="그림 42">
+            <a:extLst>
+              <a:ext uri="{FF2B5EF4-FFF2-40B4-BE49-F238E27FC236}">
+                <a16:creationId xmlns:a16="http://schemas.microsoft.com/office/drawing/2014/main" id="{24E14DF4-F4E8-4DDE-8D29-5C310CCB4AA9}"/>
+              </a:ext>
+            </a:extLst>
+          </p:cNvPr>
+          <p:cNvPicPr>
+            <a:picLocks noChangeAspect="1"/>
+          </p:cNvPicPr>
+          <p:nvPr/>
+        </p:nvPicPr>
+        <p:blipFill>
+          <a:blip r:embed="rId18">
+            <a:extLst>
+              <a:ext uri="{28A0092B-C50C-407E-A947-70E740481C1C}">
+                <a14:useLocalDpi xmlns:a14="http://schemas.microsoft.com/office/drawing/2010/main" val="0"/>
+              </a:ext>
+            </a:extLst>
+          </a:blip>
+          <a:stretch>
+            <a:fillRect/>
+          </a:stretch>
+        </p:blipFill>
+        <p:spPr>
+          <a:xfrm>
+            <a:off x="3923928" y="1464434"/>
+            <a:ext cx="4752576" cy="5082507"/>
+          </a:xfrm>
+          <a:prstGeom prst="rect">
+            <a:avLst/>
+          </a:prstGeom>
+        </p:spPr>
+      </p:pic>
     </p:spTree>
     <p:extLst>
       <p:ext uri="{BB962C8B-B14F-4D97-AF65-F5344CB8AC3E}">
@@ -5584,7 +6646,75 @@
   <p:timing>
     <p:tnLst>
       <p:par>
-        <p:cTn id="1" dur="indefinite" restart="never" nodeType="tmRoot"/>
+        <p:cTn id="1" dur="indefinite" restart="never" nodeType="tmRoot">
+          <p:childTnLst>
+            <p:seq concurrent="1" nextAc="seek">
+              <p:cTn id="2" dur="indefinite" nodeType="mainSeq">
+                <p:childTnLst>
+                  <p:par>
+                    <p:cTn id="3" fill="hold">
+                      <p:stCondLst>
+                        <p:cond delay="indefinite"/>
+                      </p:stCondLst>
+                      <p:childTnLst>
+                        <p:par>
+                          <p:cTn id="4" fill="hold">
+                            <p:stCondLst>
+                              <p:cond delay="0"/>
+                            </p:stCondLst>
+                            <p:childTnLst>
+                              <p:par>
+                                <p:cTn id="5" presetID="1" presetClass="entr" presetSubtype="0" fill="hold" nodeType="clickEffect">
+                                  <p:stCondLst>
+                                    <p:cond delay="0"/>
+                                  </p:stCondLst>
+                                  <p:childTnLst>
+                                    <p:set>
+                                      <p:cBhvr>
+                                        <p:cTn id="6" dur="1" fill="hold">
+                                          <p:stCondLst>
+                                            <p:cond delay="0"/>
+                                          </p:stCondLst>
+                                        </p:cTn>
+                                        <p:tgtEl>
+                                          <p:spTgt spid="43"/>
+                                        </p:tgtEl>
+                                        <p:attrNameLst>
+                                          <p:attrName>style.visibility</p:attrName>
+                                        </p:attrNameLst>
+                                      </p:cBhvr>
+                                      <p:to>
+                                        <p:strVal val="visible"/>
+                                      </p:to>
+                                    </p:set>
+                                  </p:childTnLst>
+                                </p:cTn>
+                              </p:par>
+                            </p:childTnLst>
+                          </p:cTn>
+                        </p:par>
+                      </p:childTnLst>
+                    </p:cTn>
+                  </p:par>
+                </p:childTnLst>
+              </p:cTn>
+              <p:prevCondLst>
+                <p:cond evt="onPrev" delay="0">
+                  <p:tgtEl>
+                    <p:sldTgt/>
+                  </p:tgtEl>
+                </p:cond>
+              </p:prevCondLst>
+              <p:nextCondLst>
+                <p:cond evt="onNext" delay="0">
+                  <p:tgtEl>
+                    <p:sldTgt/>
+                  </p:tgtEl>
+                </p:cond>
+              </p:nextCondLst>
+            </p:seq>
+          </p:childTnLst>
+        </p:cTn>
       </p:par>
     </p:tnLst>
   </p:timing>
@@ -6176,13 +7306,6 @@
   <p:clrMapOvr>
     <a:masterClrMapping/>
   </p:clrMapOvr>
-  <p:timing>
-    <p:tnLst>
-      <p:par>
-        <p:cTn id="1" dur="indefinite" restart="never" nodeType="tmRoot"/>
-      </p:par>
-    </p:tnLst>
-  </p:timing>
 </p:sld>
 </file>
 
@@ -6876,13 +7999,6 @@
   <p:clrMapOvr>
     <a:masterClrMapping/>
   </p:clrMapOvr>
-  <p:timing>
-    <p:tnLst>
-      <p:par>
-        <p:cTn id="1" dur="indefinite" restart="never" nodeType="tmRoot"/>
-      </p:par>
-    </p:tnLst>
-  </p:timing>
 </p:sld>
 </file>
 
@@ -7042,7 +8158,7 @@
           <a:p>
             <a:pPr algn="ctr"/>
             <a:r>
-              <a:rPr lang="ko-KR" altLang="en-US" sz="4800" dirty="0" smtClean="0">
+              <a:rPr lang="ko-KR" altLang="en-US" sz="4800" dirty="0">
                 <a:solidFill>
                   <a:schemeClr val="bg1"/>
                 </a:solidFill>
@@ -7062,7 +8178,7 @@
               <a:t> </a:t>
             </a:r>
             <a:r>
-              <a:rPr lang="ko-KR" altLang="en-US" sz="4800" dirty="0" smtClean="0">
+              <a:rPr lang="ko-KR" altLang="en-US" sz="4800" dirty="0">
                 <a:solidFill>
                   <a:schemeClr val="bg1"/>
                 </a:solidFill>
@@ -7126,7 +8242,10 @@
           <a:lstStyle/>
           <a:p>
             <a:pPr algn="ctr"/>
-            <a:endParaRPr lang="ko-KR" altLang="en-US"/>
+            <a:endParaRPr lang="ko-KR" altLang="en-US" dirty="0">
+              <a:latin typeface="나눔스퀘어" panose="020B0600000101010101" pitchFamily="50" charset="-127"/>
+              <a:ea typeface="나눔스퀘어" panose="020B0600000101010101" pitchFamily="50" charset="-127"/>
+            </a:endParaRPr>
           </a:p>
         </p:txBody>
       </p:sp>
@@ -7186,13 +8305,6 @@
   <p:clrMapOvr>
     <a:masterClrMapping/>
   </p:clrMapOvr>
-  <p:timing>
-    <p:tnLst>
-      <p:par>
-        <p:cTn id="1" dur="indefinite" restart="never" nodeType="tmRoot"/>
-      </p:par>
-    </p:tnLst>
-  </p:timing>
 </p:sld>
 </file>
 
@@ -7423,8 +8535,8 @@
         </p:nvSpPr>
         <p:spPr>
           <a:xfrm>
-            <a:off x="865606" y="5044872"/>
-            <a:ext cx="7056784" cy="400110"/>
+            <a:off x="1547664" y="4983559"/>
+            <a:ext cx="7056784" cy="461665"/>
           </a:xfrm>
           <a:prstGeom prst="rect">
             <a:avLst/>
@@ -7439,7 +8551,13 @@
           <a:p>
             <a:pPr algn="ctr"/>
             <a:r>
-              <a:rPr lang="ko-KR" altLang="en-US" sz="2000" b="1" dirty="0">
+              <a:rPr lang="ko-KR" altLang="en-US" sz="2400" b="1" dirty="0">
+                <a:solidFill>
+                  <a:schemeClr val="tx1">
+                    <a:lumMod val="85000"/>
+                    <a:lumOff val="15000"/>
+                  </a:schemeClr>
+                </a:solidFill>
                 <a:effectLst>
                   <a:outerShdw blurRad="38100" dist="38100" dir="2700000" algn="tl">
                     <a:srgbClr val="000000">
@@ -7453,7 +8571,13 @@
               <a:t>어떻게 하면 조금이라도 </a:t>
             </a:r>
             <a:r>
-              <a:rPr lang="en-US" altLang="ko-KR" sz="2000" b="1" dirty="0">
+              <a:rPr lang="en-US" altLang="ko-KR" sz="2400" b="1" dirty="0">
+                <a:solidFill>
+                  <a:schemeClr val="tx1">
+                    <a:lumMod val="85000"/>
+                    <a:lumOff val="15000"/>
+                  </a:schemeClr>
+                </a:solidFill>
                 <a:effectLst>
                   <a:outerShdw blurRad="38100" dist="38100" dir="2700000" algn="tl">
                     <a:srgbClr val="000000">
@@ -7467,7 +8591,13 @@
               <a:t>‘</a:t>
             </a:r>
             <a:r>
-              <a:rPr lang="ko-KR" altLang="en-US" sz="2000" b="1" dirty="0">
+              <a:rPr lang="ko-KR" altLang="en-US" sz="2400" b="1" dirty="0">
+                <a:solidFill>
+                  <a:schemeClr val="tx1">
+                    <a:lumMod val="85000"/>
+                    <a:lumOff val="15000"/>
+                  </a:schemeClr>
+                </a:solidFill>
                 <a:effectLst>
                   <a:outerShdw blurRad="38100" dist="38100" dir="2700000" algn="tl">
                     <a:srgbClr val="000000">
@@ -7481,7 +8611,13 @@
               <a:t>잘</a:t>
             </a:r>
             <a:r>
-              <a:rPr lang="en-US" altLang="ko-KR" sz="2000" b="1" dirty="0">
+              <a:rPr lang="en-US" altLang="ko-KR" sz="2400" b="1" dirty="0">
+                <a:solidFill>
+                  <a:schemeClr val="tx1">
+                    <a:lumMod val="85000"/>
+                    <a:lumOff val="15000"/>
+                  </a:schemeClr>
+                </a:solidFill>
                 <a:effectLst>
                   <a:outerShdw blurRad="38100" dist="38100" dir="2700000" algn="tl">
                     <a:srgbClr val="000000">
@@ -7495,7 +8631,13 @@
               <a:t>’</a:t>
             </a:r>
             <a:r>
-              <a:rPr lang="ko-KR" altLang="en-US" sz="2000" b="1" dirty="0">
+              <a:rPr lang="ko-KR" altLang="en-US" sz="2400" b="1" dirty="0">
+                <a:solidFill>
+                  <a:schemeClr val="tx1">
+                    <a:lumMod val="85000"/>
+                    <a:lumOff val="15000"/>
+                  </a:schemeClr>
+                </a:solidFill>
                 <a:effectLst>
                   <a:outerShdw blurRad="38100" dist="38100" dir="2700000" algn="tl">
                     <a:srgbClr val="000000">
@@ -7509,7 +8651,13 @@
               <a:t> 잘 수 있을까</a:t>
             </a:r>
             <a:r>
-              <a:rPr lang="en-US" altLang="ko-KR" sz="2000" b="1" dirty="0">
+              <a:rPr lang="en-US" altLang="ko-KR" sz="2400" b="1" dirty="0">
+                <a:solidFill>
+                  <a:schemeClr val="tx1">
+                    <a:lumMod val="85000"/>
+                    <a:lumOff val="15000"/>
+                  </a:schemeClr>
+                </a:solidFill>
                 <a:effectLst>
                   <a:outerShdw blurRad="38100" dist="38100" dir="2700000" algn="tl">
                     <a:srgbClr val="000000">
@@ -7522,7 +8670,13 @@
               </a:rPr>
               <a:t>?</a:t>
             </a:r>
-            <a:endParaRPr lang="ko-KR" altLang="en-US" sz="2000" b="1" dirty="0">
+            <a:endParaRPr lang="ko-KR" altLang="en-US" sz="2400" b="1" dirty="0">
+              <a:solidFill>
+                <a:schemeClr val="tx1">
+                  <a:lumMod val="85000"/>
+                  <a:lumOff val="15000"/>
+                </a:schemeClr>
+              </a:solidFill>
               <a:effectLst>
                 <a:outerShdw blurRad="38100" dist="38100" dir="2700000" algn="tl">
                   <a:srgbClr val="000000">
@@ -7642,8 +8796,8 @@
             </p:nvSpPr>
             <p:spPr>
               <a:xfrm>
-                <a:off x="3707904" y="2132856"/>
-                <a:ext cx="1800200" cy="1872208"/>
+                <a:off x="3690464" y="2132856"/>
+                <a:ext cx="1800199" cy="1872208"/>
               </a:xfrm>
               <a:prstGeom prst="ellipse">
                 <a:avLst/>
@@ -7835,7 +8989,7 @@
           <p:cNvPr id="2" name="십자형 1">
             <a:extLst>
               <a:ext uri="{FF2B5EF4-FFF2-40B4-BE49-F238E27FC236}">
-                <a16:creationId xmlns:a16="http://schemas.microsoft.com/office/drawing/2014/main" xmlns="" id="{A23DB791-AFD7-4730-BD2B-3DA45866F63F}"/>
+                <a16:creationId xmlns:a16="http://schemas.microsoft.com/office/drawing/2014/main" id="{A23DB791-AFD7-4730-BD2B-3DA45866F63F}"/>
               </a:ext>
             </a:extLst>
           </p:cNvPr>
@@ -7892,7 +9046,7 @@
           <p:cNvPr id="17" name="십자형 16">
             <a:extLst>
               <a:ext uri="{FF2B5EF4-FFF2-40B4-BE49-F238E27FC236}">
-                <a16:creationId xmlns:a16="http://schemas.microsoft.com/office/drawing/2014/main" xmlns="" id="{4FA680A2-893F-4AB6-8135-688A2DDA5B42}"/>
+                <a16:creationId xmlns:a16="http://schemas.microsoft.com/office/drawing/2014/main" id="{4FA680A2-893F-4AB6-8135-688A2DDA5B42}"/>
               </a:ext>
             </a:extLst>
           </p:cNvPr>
@@ -7949,7 +9103,7 @@
           <p:cNvPr id="3" name="화살표: 오른쪽 2">
             <a:extLst>
               <a:ext uri="{FF2B5EF4-FFF2-40B4-BE49-F238E27FC236}">
-                <a16:creationId xmlns:a16="http://schemas.microsoft.com/office/drawing/2014/main" xmlns="" id="{CEFDABDD-D61C-4440-8976-D3A24345C7FB}"/>
+                <a16:creationId xmlns:a16="http://schemas.microsoft.com/office/drawing/2014/main" id="{CEFDABDD-D61C-4440-8976-D3A24345C7FB}"/>
               </a:ext>
             </a:extLst>
           </p:cNvPr>
@@ -7957,13 +9111,13 @@
           <p:nvPr/>
         </p:nvSpPr>
         <p:spPr>
-          <a:xfrm rot="8222855">
-            <a:off x="5213484" y="4071933"/>
-            <a:ext cx="1357000" cy="502263"/>
+          <a:xfrm>
+            <a:off x="1422765" y="4914534"/>
+            <a:ext cx="926849" cy="552489"/>
           </a:xfrm>
           <a:prstGeom prst="rightArrow">
             <a:avLst>
-              <a:gd name="adj1" fmla="val 23601"/>
+              <a:gd name="adj1" fmla="val 47505"/>
               <a:gd name="adj2" fmla="val 62759"/>
             </a:avLst>
           </a:prstGeom>
@@ -8058,13 +9212,6 @@
               </a:rPr>
               <a:t>중요성</a:t>
             </a:r>
-            <a:endParaRPr lang="ko-KR" altLang="en-US" b="1" dirty="0">
-              <a:solidFill>
-                <a:schemeClr val="bg1"/>
-              </a:solidFill>
-              <a:latin typeface="나눔스퀘어 Bold" panose="020B0600000101010101" pitchFamily="50" charset="-127"/>
-              <a:ea typeface="나눔스퀘어 Bold" panose="020B0600000101010101" pitchFamily="50" charset="-127"/>
-            </a:endParaRPr>
           </a:p>
         </p:txBody>
       </p:sp>
@@ -8100,7 +9247,7 @@
               </a:rPr>
               <a:t>현대인의 </a:t>
             </a:r>
-            <a:endParaRPr lang="en-US" altLang="ko-KR" b="1" dirty="0" smtClean="0">
+            <a:endParaRPr lang="en-US" altLang="ko-KR" b="1" dirty="0">
               <a:solidFill>
                 <a:schemeClr val="bg1"/>
               </a:solidFill>
@@ -8111,7 +9258,7 @@
           <a:p>
             <a:pPr algn="ctr"/>
             <a:r>
-              <a:rPr lang="ko-KR" altLang="en-US" b="1" dirty="0" smtClean="0">
+              <a:rPr lang="ko-KR" altLang="en-US" b="1" dirty="0">
                 <a:solidFill>
                   <a:schemeClr val="bg1"/>
                 </a:solidFill>
@@ -8140,13 +9287,6 @@
               </a:rPr>
               <a:t>시간 부족</a:t>
             </a:r>
-            <a:endParaRPr lang="ko-KR" altLang="en-US" b="1" dirty="0">
-              <a:solidFill>
-                <a:schemeClr val="bg1"/>
-              </a:solidFill>
-              <a:latin typeface="나눔스퀘어 Bold" panose="020B0600000101010101" pitchFamily="50" charset="-127"/>
-              <a:ea typeface="나눔스퀘어 Bold" panose="020B0600000101010101" pitchFamily="50" charset="-127"/>
-            </a:endParaRPr>
           </a:p>
         </p:txBody>
       </p:sp>
@@ -8232,6 +9372,60 @@
           </a:p>
         </p:txBody>
       </p:sp>
+      <p:pic>
+        <p:nvPicPr>
+          <p:cNvPr id="8" name="그림 7">
+            <a:extLst>
+              <a:ext uri="{FF2B5EF4-FFF2-40B4-BE49-F238E27FC236}">
+                <a16:creationId xmlns:a16="http://schemas.microsoft.com/office/drawing/2014/main" id="{7C286B54-5086-4D65-AC58-BB398548B034}"/>
+              </a:ext>
+            </a:extLst>
+          </p:cNvPr>
+          <p:cNvPicPr>
+            <a:picLocks noChangeAspect="1"/>
+          </p:cNvPicPr>
+          <p:nvPr/>
+        </p:nvPicPr>
+        <p:blipFill>
+          <a:blip r:embed="rId4" cstate="print">
+            <a:extLst>
+              <a:ext uri="{BEBA8EAE-BF5A-486C-A8C5-ECC9F3942E4B}">
+                <a14:imgProps xmlns:a14="http://schemas.microsoft.com/office/drawing/2010/main">
+                  <a14:imgLayer r:embed="rId5">
+                    <a14:imgEffect>
+                      <a14:backgroundRemoval t="2451" b="89706" l="9804" r="95098">
+                        <a14:foregroundMark x1="47059" y1="44118" x2="76144" y2="55229"/>
+                        <a14:foregroundMark x1="64052" y1="32026" x2="73693" y2="49346"/>
+                        <a14:foregroundMark x1="55556" y1="32026" x2="65850" y2="43137"/>
+                        <a14:foregroundMark x1="45915" y1="47059" x2="65196" y2="57516"/>
+                        <a14:foregroundMark x1="18301" y1="70098" x2="50000" y2="53431"/>
+                        <a14:foregroundMark x1="26634" y1="81536" x2="50327" y2="61111"/>
+                        <a14:foregroundMark x1="48856" y1="75654" x2="57680" y2="64869"/>
+                        <a14:foregroundMark x1="30065" y1="58987" x2="43627" y2="51634"/>
+                      </a14:backgroundRemoval>
+                    </a14:imgEffect>
+                  </a14:imgLayer>
+                </a14:imgProps>
+              </a:ext>
+              <a:ext uri="{28A0092B-C50C-407E-A947-70E740481C1C}">
+                <a14:useLocalDpi xmlns:a14="http://schemas.microsoft.com/office/drawing/2010/main" val="0"/>
+              </a:ext>
+            </a:extLst>
+          </a:blip>
+          <a:stretch>
+            <a:fillRect/>
+          </a:stretch>
+        </p:blipFill>
+        <p:spPr>
+          <a:xfrm>
+            <a:off x="5724128" y="305234"/>
+            <a:ext cx="2403686" cy="2403686"/>
+          </a:xfrm>
+          <a:prstGeom prst="rect">
+            <a:avLst/>
+          </a:prstGeom>
+        </p:spPr>
+      </p:pic>
     </p:spTree>
     <p:extLst>
       <p:ext uri="{BB962C8B-B14F-4D97-AF65-F5344CB8AC3E}">
@@ -8242,13 +9436,6 @@
   <p:clrMapOvr>
     <a:masterClrMapping/>
   </p:clrMapOvr>
-  <p:timing>
-    <p:tnLst>
-      <p:par>
-        <p:cTn id="1" dur="indefinite" restart="never" nodeType="tmRoot"/>
-      </p:par>
-    </p:tnLst>
-  </p:timing>
 </p:sld>
 </file>
 
@@ -8411,7 +9598,7 @@
           <a:p>
             <a:pPr algn="ctr"/>
             <a:r>
-              <a:rPr lang="ko-KR" altLang="en-US" sz="4800" dirty="0" smtClean="0">
+              <a:rPr lang="ko-KR" altLang="en-US" sz="4800" dirty="0">
                 <a:solidFill>
                   <a:schemeClr val="bg1"/>
                 </a:solidFill>
@@ -8431,7 +9618,7 @@
               <a:t> </a:t>
             </a:r>
             <a:r>
-              <a:rPr lang="ko-KR" altLang="en-US" sz="4800" dirty="0" smtClean="0">
+              <a:rPr lang="ko-KR" altLang="en-US" sz="4800" dirty="0">
                 <a:solidFill>
                   <a:schemeClr val="bg1"/>
                 </a:solidFill>
@@ -8495,7 +9682,10 @@
           <a:lstStyle/>
           <a:p>
             <a:pPr algn="ctr"/>
-            <a:endParaRPr lang="ko-KR" altLang="en-US"/>
+            <a:endParaRPr lang="ko-KR" altLang="en-US" dirty="0">
+              <a:latin typeface="나눔스퀘어" panose="020B0600000101010101" pitchFamily="50" charset="-127"/>
+              <a:ea typeface="나눔스퀘어" panose="020B0600000101010101" pitchFamily="50" charset="-127"/>
+            </a:endParaRPr>
           </a:p>
         </p:txBody>
       </p:sp>
@@ -8555,13 +9745,6 @@
   <p:clrMapOvr>
     <a:masterClrMapping/>
   </p:clrMapOvr>
-  <p:timing>
-    <p:tnLst>
-      <p:par>
-        <p:cTn id="1" dur="indefinite" restart="never" nodeType="tmRoot"/>
-      </p:par>
-    </p:tnLst>
-  </p:timing>
 </p:sld>
 </file>
 
@@ -8694,7 +9877,7 @@
                   <a:latin typeface="Tmon몬소리 Black" panose="02000A03000000000000" pitchFamily="2" charset="-127"/>
                   <a:ea typeface="Tmon몬소리 Black" panose="02000A03000000000000" pitchFamily="2" charset="-127"/>
                 </a:rPr>
-                <a:t>프로젝트 </a:t>
+                <a:t>조원 </a:t>
               </a:r>
               <a:r>
                 <a:rPr lang="ko-KR" altLang="en-US" sz="2800" dirty="0">
@@ -8747,7 +9930,7 @@
                   <a:latin typeface="나눔스퀘어 Bold" pitchFamily="50" charset="-127"/>
                   <a:ea typeface="나눔스퀘어 Bold" pitchFamily="50" charset="-127"/>
                 </a:rPr>
-                <a:t>조원 업무 분담</a:t>
+                <a:t>업무 분담</a:t>
               </a:r>
             </a:p>
           </p:txBody>
@@ -8788,7 +9971,7 @@
           <p:cNvPr id="11" name="TextBox 10">
             <a:extLst>
               <a:ext uri="{FF2B5EF4-FFF2-40B4-BE49-F238E27FC236}">
-                <a16:creationId xmlns:a16="http://schemas.microsoft.com/office/drawing/2014/main" xmlns="" id="{81C5FF0D-E7AD-49CB-AD9E-7B1727483A63}"/>
+                <a16:creationId xmlns:a16="http://schemas.microsoft.com/office/drawing/2014/main" id="{81C5FF0D-E7AD-49CB-AD9E-7B1727483A63}"/>
               </a:ext>
             </a:extLst>
           </p:cNvPr>
@@ -8837,7 +10020,7 @@
           <p:cNvPr id="15" name="TextBox 14">
             <a:extLst>
               <a:ext uri="{FF2B5EF4-FFF2-40B4-BE49-F238E27FC236}">
-                <a16:creationId xmlns:a16="http://schemas.microsoft.com/office/drawing/2014/main" xmlns="" id="{6AF0CAA5-3C70-4217-9B08-47607B214F8E}"/>
+                <a16:creationId xmlns:a16="http://schemas.microsoft.com/office/drawing/2014/main" id="{6AF0CAA5-3C70-4217-9B08-47607B214F8E}"/>
               </a:ext>
             </a:extLst>
           </p:cNvPr>
@@ -8891,36 +10074,87 @@
           </a:p>
         </p:txBody>
       </p:sp>
+      <p:sp>
+        <p:nvSpPr>
+          <p:cNvPr id="2" name="타원 1"/>
+          <p:cNvSpPr/>
+          <p:nvPr/>
+        </p:nvSpPr>
+        <p:spPr>
+          <a:xfrm>
+            <a:off x="1180079" y="2124223"/>
+            <a:ext cx="2885438" cy="2609554"/>
+          </a:xfrm>
+          <a:prstGeom prst="ellipse">
+            <a:avLst/>
+          </a:prstGeom>
+          <a:solidFill>
+            <a:srgbClr val="BFBFBF"/>
+          </a:solidFill>
+          <a:ln>
+            <a:noFill/>
+          </a:ln>
+        </p:spPr>
+        <p:style>
+          <a:lnRef idx="2">
+            <a:schemeClr val="accent1">
+              <a:shade val="50000"/>
+            </a:schemeClr>
+          </a:lnRef>
+          <a:fillRef idx="1">
+            <a:schemeClr val="accent1"/>
+          </a:fillRef>
+          <a:effectRef idx="0">
+            <a:schemeClr val="accent1"/>
+          </a:effectRef>
+          <a:fontRef idx="minor">
+            <a:schemeClr val="lt1"/>
+          </a:fontRef>
+        </p:style>
+        <p:txBody>
+          <a:bodyPr rtlCol="0" anchor="ctr"/>
+          <a:lstStyle/>
+          <a:p>
+            <a:pPr algn="ctr"/>
+            <a:endParaRPr lang="ko-KR" altLang="en-US" dirty="0">
+              <a:latin typeface="나눔스퀘어" panose="020B0600000101010101" pitchFamily="50" charset="-127"/>
+              <a:ea typeface="나눔스퀘어" panose="020B0600000101010101" pitchFamily="50" charset="-127"/>
+            </a:endParaRPr>
+          </a:p>
+        </p:txBody>
+      </p:sp>
       <p:grpSp>
         <p:nvGrpSpPr>
-          <p:cNvPr id="3" name="그룹 2"/>
+          <p:cNvPr id="4" name="그룹 3"/>
           <p:cNvGrpSpPr/>
           <p:nvPr/>
         </p:nvGrpSpPr>
         <p:grpSpPr>
           <a:xfrm>
-            <a:off x="611560" y="2162501"/>
-            <a:ext cx="4022476" cy="2976689"/>
-            <a:chOff x="327097" y="3209400"/>
-            <a:chExt cx="3493633" cy="2620225"/>
+            <a:off x="4946443" y="2144583"/>
+            <a:ext cx="2851517" cy="2594018"/>
+            <a:chOff x="5677981" y="1754268"/>
+            <a:chExt cx="2767768" cy="2372322"/>
           </a:xfrm>
         </p:grpSpPr>
         <p:sp>
           <p:nvSpPr>
-            <p:cNvPr id="2" name="타원 1"/>
+            <p:cNvPr id="14" name="타원 13"/>
             <p:cNvSpPr/>
             <p:nvPr/>
           </p:nvSpPr>
           <p:spPr>
             <a:xfrm>
-              <a:off x="871972" y="3284984"/>
-              <a:ext cx="2403884" cy="2088232"/>
+              <a:off x="5677981" y="1754268"/>
+              <a:ext cx="2767768" cy="2372322"/>
             </a:xfrm>
             <a:prstGeom prst="ellipse">
               <a:avLst/>
             </a:prstGeom>
             <a:solidFill>
-              <a:srgbClr val="FFFFFF"/>
+              <a:schemeClr val="bg1">
+                <a:lumMod val="75000"/>
+              </a:schemeClr>
             </a:solidFill>
             <a:ln>
               <a:noFill/>
@@ -8947,16 +10181,19 @@
             <a:lstStyle/>
             <a:p>
               <a:pPr algn="ctr"/>
-              <a:endParaRPr lang="ko-KR" altLang="en-US"/>
+              <a:endParaRPr lang="ko-KR" altLang="en-US" dirty="0">
+                <a:latin typeface="나눔스퀘어" panose="020B0600000101010101" pitchFamily="50" charset="-127"/>
+                <a:ea typeface="나눔스퀘어" panose="020B0600000101010101" pitchFamily="50" charset="-127"/>
+              </a:endParaRPr>
             </a:p>
           </p:txBody>
         </p:sp>
         <p:pic>
           <p:nvPicPr>
-            <p:cNvPr id="9" name="그림 8">
+            <p:cNvPr id="5" name="그림 4">
               <a:extLst>
                 <a:ext uri="{FF2B5EF4-FFF2-40B4-BE49-F238E27FC236}">
-                  <a16:creationId xmlns:a16="http://schemas.microsoft.com/office/drawing/2014/main" xmlns="" id="{88B6A574-F1EA-400F-A38F-A87202CFBC5D}"/>
+                  <a16:creationId xmlns:a16="http://schemas.microsoft.com/office/drawing/2014/main" id="{CB5D3911-F141-4ECF-AD30-F411BBF6D7BF}"/>
                 </a:ext>
               </a:extLst>
             </p:cNvPr>
@@ -8966,117 +10203,11 @@
             <p:nvPr/>
           </p:nvPicPr>
           <p:blipFill>
-            <a:blip r:embed="rId4">
+            <a:blip r:embed="rId4" cstate="print">
               <a:extLst>
                 <a:ext uri="{BEBA8EAE-BF5A-486C-A8C5-ECC9F3942E4B}">
                   <a14:imgProps xmlns:a14="http://schemas.microsoft.com/office/drawing/2010/main">
                     <a14:imgLayer r:embed="rId5">
-                      <a14:imgEffect>
-                        <a14:backgroundRemoval t="10000" b="90000" l="10000" r="90000"/>
-                      </a14:imgEffect>
-                    </a14:imgLayer>
-                  </a14:imgProps>
-                </a:ext>
-                <a:ext uri="{28A0092B-C50C-407E-A947-70E740481C1C}">
-                  <a14:useLocalDpi xmlns:a14="http://schemas.microsoft.com/office/drawing/2010/main" val="0"/>
-                </a:ext>
-              </a:extLst>
-            </a:blip>
-            <a:stretch>
-              <a:fillRect/>
-            </a:stretch>
-          </p:blipFill>
-          <p:spPr>
-            <a:xfrm rot="20645899">
-              <a:off x="327097" y="3209400"/>
-              <a:ext cx="3493633" cy="2620225"/>
-            </a:xfrm>
-            <a:prstGeom prst="rect">
-              <a:avLst/>
-            </a:prstGeom>
-          </p:spPr>
-        </p:pic>
-      </p:grpSp>
-      <p:grpSp>
-        <p:nvGrpSpPr>
-          <p:cNvPr id="4" name="그룹 3"/>
-          <p:cNvGrpSpPr/>
-          <p:nvPr/>
-        </p:nvGrpSpPr>
-        <p:grpSpPr>
-          <a:xfrm>
-            <a:off x="5076057" y="2262493"/>
-            <a:ext cx="2592288" cy="2358198"/>
-            <a:chOff x="5677981" y="1754268"/>
-            <a:chExt cx="2767768" cy="2372322"/>
-          </a:xfrm>
-        </p:grpSpPr>
-        <p:sp>
-          <p:nvSpPr>
-            <p:cNvPr id="14" name="타원 13"/>
-            <p:cNvSpPr/>
-            <p:nvPr/>
-          </p:nvSpPr>
-          <p:spPr>
-            <a:xfrm>
-              <a:off x="5677981" y="1754268"/>
-              <a:ext cx="2767768" cy="2372322"/>
-            </a:xfrm>
-            <a:prstGeom prst="ellipse">
-              <a:avLst/>
-            </a:prstGeom>
-            <a:solidFill>
-              <a:srgbClr val="FFFFFF"/>
-            </a:solidFill>
-            <a:ln>
-              <a:noFill/>
-            </a:ln>
-          </p:spPr>
-          <p:style>
-            <a:lnRef idx="2">
-              <a:schemeClr val="accent1">
-                <a:shade val="50000"/>
-              </a:schemeClr>
-            </a:lnRef>
-            <a:fillRef idx="1">
-              <a:schemeClr val="accent1"/>
-            </a:fillRef>
-            <a:effectRef idx="0">
-              <a:schemeClr val="accent1"/>
-            </a:effectRef>
-            <a:fontRef idx="minor">
-              <a:schemeClr val="lt1"/>
-            </a:fontRef>
-          </p:style>
-          <p:txBody>
-            <a:bodyPr rtlCol="0" anchor="ctr"/>
-            <a:lstStyle/>
-            <a:p>
-              <a:pPr algn="ctr"/>
-              <a:endParaRPr lang="ko-KR" altLang="en-US"/>
-            </a:p>
-          </p:txBody>
-        </p:sp>
-        <p:pic>
-          <p:nvPicPr>
-            <p:cNvPr id="5" name="그림 4">
-              <a:extLst>
-                <a:ext uri="{FF2B5EF4-FFF2-40B4-BE49-F238E27FC236}">
-                  <a16:creationId xmlns:a16="http://schemas.microsoft.com/office/drawing/2014/main" xmlns="" id="{CB5D3911-F141-4ECF-AD30-F411BBF6D7BF}"/>
-                </a:ext>
-              </a:extLst>
-            </p:cNvPr>
-            <p:cNvPicPr>
-              <a:picLocks noChangeAspect="1"/>
-            </p:cNvPicPr>
-            <p:nvPr/>
-          </p:nvPicPr>
-          <p:blipFill>
-            <a:blip r:embed="rId6" cstate="print">
-              <a:extLst>
-                <a:ext uri="{BEBA8EAE-BF5A-486C-A8C5-ECC9F3942E4B}">
-                  <a14:imgProps xmlns:a14="http://schemas.microsoft.com/office/drawing/2010/main">
-                    <a14:imgLayer r:embed="rId7">
                       <a14:imgEffect>
                         <a14:backgroundRemoval t="0" b="100000" l="9924" r="96756">
                           <a14:foregroundMark x1="24618" y1="23706" x2="21088" y2="28381"/>
@@ -9120,6 +10251,51 @@
           </p:spPr>
         </p:pic>
       </p:grpSp>
+      <p:pic>
+        <p:nvPicPr>
+          <p:cNvPr id="7" name="그림 6">
+            <a:extLst>
+              <a:ext uri="{FF2B5EF4-FFF2-40B4-BE49-F238E27FC236}">
+                <a16:creationId xmlns:a16="http://schemas.microsoft.com/office/drawing/2014/main" id="{AC152A23-CC38-45BD-A30A-695F7A68E6F3}"/>
+              </a:ext>
+            </a:extLst>
+          </p:cNvPr>
+          <p:cNvPicPr>
+            <a:picLocks noChangeAspect="1"/>
+          </p:cNvPicPr>
+          <p:nvPr/>
+        </p:nvPicPr>
+        <p:blipFill>
+          <a:blip r:embed="rId6">
+            <a:extLst>
+              <a:ext uri="{BEBA8EAE-BF5A-486C-A8C5-ECC9F3942E4B}">
+                <a14:imgProps xmlns:a14="http://schemas.microsoft.com/office/drawing/2010/main">
+                  <a14:imgLayer r:embed="rId7">
+                    <a14:imgEffect>
+                      <a14:backgroundRemoval t="10000" b="90000" l="10000" r="90000"/>
+                    </a14:imgEffect>
+                  </a14:imgLayer>
+                </a14:imgProps>
+              </a:ext>
+              <a:ext uri="{28A0092B-C50C-407E-A947-70E740481C1C}">
+                <a14:useLocalDpi xmlns:a14="http://schemas.microsoft.com/office/drawing/2010/main" val="0"/>
+              </a:ext>
+            </a:extLst>
+          </a:blip>
+          <a:stretch>
+            <a:fillRect/>
+          </a:stretch>
+        </p:blipFill>
+        <p:spPr>
+          <a:xfrm rot="20968628">
+            <a:off x="254562" y="1882967"/>
+            <a:ext cx="4684105" cy="3513079"/>
+          </a:xfrm>
+          <a:prstGeom prst="rect">
+            <a:avLst/>
+          </a:prstGeom>
+        </p:spPr>
+      </p:pic>
     </p:spTree>
     <p:extLst>
       <p:ext uri="{BB962C8B-B14F-4D97-AF65-F5344CB8AC3E}">
@@ -9130,13 +10306,6 @@
   <p:clrMapOvr>
     <a:masterClrMapping/>
   </p:clrMapOvr>
-  <p:timing>
-    <p:tnLst>
-      <p:par>
-        <p:cTn id="1" dur="indefinite" restart="never" nodeType="tmRoot"/>
-      </p:par>
-    </p:tnLst>
-  </p:timing>
 </p:sld>
 </file>
 
@@ -9379,8 +10548,8 @@
             </p:nvSpPr>
             <p:spPr>
               <a:xfrm>
-                <a:off x="3419872" y="2698144"/>
-                <a:ext cx="2554123" cy="424860"/>
+                <a:off x="3059832" y="3237628"/>
+                <a:ext cx="3024336" cy="508088"/>
               </a:xfrm>
               <a:prstGeom prst="rect">
                 <a:avLst/>
@@ -9414,16 +10583,16 @@
               </a:lstStyle>
               <a:p>
                 <a:r>
-                  <a:rPr lang="ko-KR" altLang="en-US" dirty="0">
-                    <a:latin typeface="나눔스퀘어" panose="020B0600000101010101" pitchFamily="50" charset="-127"/>
-                    <a:ea typeface="나눔스퀘어" panose="020B0600000101010101" pitchFamily="50" charset="-127"/>
+                  <a:rPr lang="ko-KR" altLang="en-US" sz="2000" dirty="0">
+                    <a:latin typeface="나눔스퀘어 Bold" panose="020B0600000101010101" pitchFamily="50" charset="-127"/>
+                    <a:ea typeface="나눔스퀘어 Bold" panose="020B0600000101010101" pitchFamily="50" charset="-127"/>
                   </a:rPr>
                   <a:t>수면 시간↑ </a:t>
                 </a:r>
                 <a14:m>
                   <m:oMath xmlns:m="http://schemas.openxmlformats.org/officeDocument/2006/math">
                     <m:r>
-                      <a:rPr lang="ko-KR" altLang="en-US" i="1" smtClean="0">
+                      <a:rPr lang="ko-KR" altLang="en-US" sz="2000" i="1" smtClean="0">
                         <a:latin typeface="Cambria Math" panose="02040503050406030204" pitchFamily="18" charset="0"/>
                       </a:rPr>
                       <m:t>≠</m:t>
@@ -9431,15 +10600,15 @@
                   </m:oMath>
                 </a14:m>
                 <a:r>
-                  <a:rPr lang="ko-KR" altLang="en-US" dirty="0">
-                    <a:latin typeface="나눔스퀘어" panose="020B0600000101010101" pitchFamily="50" charset="-127"/>
-                    <a:ea typeface="나눔스퀘어" panose="020B0600000101010101" pitchFamily="50" charset="-127"/>
+                  <a:rPr lang="ko-KR" altLang="en-US" sz="2000" dirty="0">
+                    <a:latin typeface="나눔스퀘어 Bold" panose="020B0600000101010101" pitchFamily="50" charset="-127"/>
+                    <a:ea typeface="나눔스퀘어 Bold" panose="020B0600000101010101" pitchFamily="50" charset="-127"/>
                   </a:rPr>
                   <a:t> 수면의 질↑</a:t>
                 </a:r>
-                <a:endParaRPr lang="en-US" altLang="ko-KR" dirty="0">
-                  <a:latin typeface="나눔스퀘어" panose="020B0600000101010101" pitchFamily="50" charset="-127"/>
-                  <a:ea typeface="나눔스퀘어" panose="020B0600000101010101" pitchFamily="50" charset="-127"/>
+                <a:endParaRPr lang="en-US" altLang="ko-KR" sz="2000" dirty="0">
+                  <a:latin typeface="나눔스퀘어 Bold" panose="020B0600000101010101" pitchFamily="50" charset="-127"/>
+                  <a:ea typeface="나눔스퀘어 Bold" panose="020B0600000101010101" pitchFamily="50" charset="-127"/>
                 </a:endParaRPr>
               </a:p>
             </p:txBody>
@@ -9456,16 +10625,16 @@
             </p:nvSpPr>
             <p:spPr>
               <a:xfrm>
-                <a:off x="3419872" y="2698144"/>
-                <a:ext cx="2554123" cy="424860"/>
+                <a:off x="3059832" y="3237628"/>
+                <a:ext cx="3024336" cy="508088"/>
               </a:xfrm>
               <a:prstGeom prst="rect">
                 <a:avLst/>
               </a:prstGeom>
-              <a:blipFill rotWithShape="0">
+              <a:blipFill>
                 <a:blip r:embed="rId4"/>
                 <a:stretch>
-                  <a:fillRect t="-14493" b="-21739"/>
+                  <a:fillRect/>
                 </a:stretch>
               </a:blipFill>
             </p:spPr>
@@ -9546,7 +10715,7 @@
             <a:lstStyle/>
             <a:p>
               <a:pPr algn="ctr"/>
-              <a:endParaRPr lang="ko-KR" altLang="en-US" dirty="0">
+              <a:endParaRPr lang="ko-KR" altLang="en-US" spc="600" dirty="0">
                 <a:latin typeface="나눔스퀘어 Bold" panose="020B0600000101010101" pitchFamily="50" charset="-127"/>
                 <a:ea typeface="나눔스퀘어 Bold" panose="020B0600000101010101" pitchFamily="50" charset="-127"/>
               </a:endParaRPr>
@@ -9579,9 +10748,9 @@
             </a:bodyPr>
             <a:lstStyle/>
             <a:p>
-              <a:pPr algn="ctr"/>
+              <a:pPr algn="r"/>
               <a:r>
-                <a:rPr lang="ko-KR" altLang="en-US" sz="2800" b="1" dirty="0">
+                <a:rPr lang="ko-KR" altLang="en-US" sz="2800" b="1" spc="600" dirty="0">
                   <a:ln>
                     <a:solidFill>
                       <a:schemeClr val="accent1">
@@ -9595,10 +10764,10 @@
                   <a:latin typeface="나눔스퀘어 Bold" pitchFamily="50" charset="-127"/>
                   <a:ea typeface="나눔스퀘어 Bold" pitchFamily="50" charset="-127"/>
                 </a:rPr>
-                <a:t>인문학자와 생물학자</a:t>
+                <a:t>영감을 받은 </a:t>
               </a:r>
               <a:r>
-                <a:rPr lang="en-US" altLang="ko-KR" sz="2800" b="1" dirty="0">
+                <a:rPr lang="en-US" altLang="ko-KR" sz="2800" b="1" spc="600" dirty="0">
                   <a:ln>
                     <a:solidFill>
                       <a:schemeClr val="accent1">
@@ -9612,10 +10781,10 @@
                   <a:latin typeface="나눔스퀘어 Bold" pitchFamily="50" charset="-127"/>
                   <a:ea typeface="나눔스퀘어 Bold" pitchFamily="50" charset="-127"/>
                 </a:rPr>
-                <a:t>, </a:t>
+                <a:t>Sleepyti.me </a:t>
               </a:r>
               <a:r>
-                <a:rPr lang="ko-KR" altLang="en-US" sz="2800" b="1" dirty="0">
+                <a:rPr lang="ko-KR" altLang="en-US" sz="2800" b="1" spc="600" dirty="0">
                   <a:ln>
                     <a:solidFill>
                       <a:schemeClr val="accent1">
@@ -9629,41 +10798,7 @@
                   <a:latin typeface="나눔스퀘어 Bold" pitchFamily="50" charset="-127"/>
                   <a:ea typeface="나눔스퀘어 Bold" pitchFamily="50" charset="-127"/>
                 </a:rPr>
-                <a:t>그들의 </a:t>
-              </a:r>
-              <a:r>
-                <a:rPr lang="en-US" altLang="ko-KR" sz="2800" b="1" dirty="0">
-                  <a:ln>
-                    <a:solidFill>
-                      <a:schemeClr val="accent1">
-                        <a:alpha val="0"/>
-                      </a:schemeClr>
-                    </a:solidFill>
-                  </a:ln>
-                  <a:solidFill>
-                    <a:schemeClr val="bg1"/>
-                  </a:solidFill>
-                  <a:latin typeface="나눔스퀘어 Bold" pitchFamily="50" charset="-127"/>
-                  <a:ea typeface="나눔스퀘어 Bold" pitchFamily="50" charset="-127"/>
-                </a:rPr>
-                <a:t>10</a:t>
-              </a:r>
-              <a:r>
-                <a:rPr lang="ko-KR" altLang="en-US" sz="2800" b="1" dirty="0">
-                  <a:ln>
-                    <a:solidFill>
-                      <a:schemeClr val="accent1">
-                        <a:alpha val="0"/>
-                      </a:schemeClr>
-                    </a:solidFill>
-                  </a:ln>
-                  <a:solidFill>
-                    <a:schemeClr val="bg1"/>
-                  </a:solidFill>
-                  <a:latin typeface="나눔스퀘어 Bold" pitchFamily="50" charset="-127"/>
-                  <a:ea typeface="나눔스퀘어 Bold" pitchFamily="50" charset="-127"/>
-                </a:rPr>
-                <a:t>년 만의 새로운 대담</a:t>
+                <a:t>사이트</a:t>
               </a:r>
             </a:p>
           </p:txBody>
@@ -9674,7 +10809,7 @@
           <p:cNvPr id="3" name="TextBox 2">
             <a:extLst>
               <a:ext uri="{FF2B5EF4-FFF2-40B4-BE49-F238E27FC236}">
-                <a16:creationId xmlns:a16="http://schemas.microsoft.com/office/drawing/2014/main" xmlns="" id="{D58430C5-6665-424B-BD72-AB079549EC09}"/>
+                <a16:creationId xmlns:a16="http://schemas.microsoft.com/office/drawing/2014/main" id="{D58430C5-6665-424B-BD72-AB079549EC09}"/>
               </a:ext>
             </a:extLst>
           </p:cNvPr>
@@ -9683,8 +10818,8 @@
         </p:nvSpPr>
         <p:spPr>
           <a:xfrm>
-            <a:off x="2403244" y="3572244"/>
-            <a:ext cx="4792132" cy="369332"/>
+            <a:off x="1936328" y="4187027"/>
+            <a:ext cx="5271345" cy="400110"/>
           </a:xfrm>
           <a:prstGeom prst="rect">
             <a:avLst/>
@@ -9699,22 +10834,22 @@
           <a:p>
             <a:pPr algn="ctr"/>
             <a:r>
-              <a:rPr lang="ko-KR" altLang="en-US" dirty="0">
-                <a:latin typeface="나눔스퀘어" panose="020B0600000101010101" pitchFamily="50" charset="-127"/>
-                <a:ea typeface="나눔스퀘어" panose="020B0600000101010101" pitchFamily="50" charset="-127"/>
+              <a:rPr lang="ko-KR" altLang="en-US" sz="2000" dirty="0">
+                <a:latin typeface="나눔스퀘어 Bold" panose="020B0600000101010101" pitchFamily="50" charset="-127"/>
+                <a:ea typeface="나눔스퀘어 Bold" panose="020B0600000101010101" pitchFamily="50" charset="-127"/>
               </a:rPr>
               <a:t>수면 사이클에 맞추어 자고 일어나는 것이 관건</a:t>
             </a:r>
             <a:r>
-              <a:rPr lang="en-US" altLang="ko-KR" dirty="0">
-                <a:latin typeface="나눔스퀘어" panose="020B0600000101010101" pitchFamily="50" charset="-127"/>
-                <a:ea typeface="나눔스퀘어" panose="020B0600000101010101" pitchFamily="50" charset="-127"/>
+              <a:rPr lang="en-US" altLang="ko-KR" sz="2000" dirty="0">
+                <a:latin typeface="나눔스퀘어 Bold" panose="020B0600000101010101" pitchFamily="50" charset="-127"/>
+                <a:ea typeface="나눔스퀘어 Bold" panose="020B0600000101010101" pitchFamily="50" charset="-127"/>
               </a:rPr>
               <a:t>!</a:t>
             </a:r>
-            <a:endParaRPr lang="ko-KR" altLang="en-US" dirty="0">
-              <a:latin typeface="나눔스퀘어" panose="020B0600000101010101" pitchFamily="50" charset="-127"/>
-              <a:ea typeface="나눔스퀘어" panose="020B0600000101010101" pitchFamily="50" charset="-127"/>
+            <a:endParaRPr lang="ko-KR" altLang="en-US" sz="2000" dirty="0">
+              <a:latin typeface="나눔스퀘어 Bold" panose="020B0600000101010101" pitchFamily="50" charset="-127"/>
+              <a:ea typeface="나눔스퀘어 Bold" panose="020B0600000101010101" pitchFamily="50" charset="-127"/>
             </a:endParaRPr>
           </a:p>
         </p:txBody>
@@ -9724,7 +10859,7 @@
           <p:cNvPr id="7" name="그림 6">
             <a:extLst>
               <a:ext uri="{FF2B5EF4-FFF2-40B4-BE49-F238E27FC236}">
-                <a16:creationId xmlns:a16="http://schemas.microsoft.com/office/drawing/2014/main" xmlns="" id="{3D12782F-A9CF-4DFA-AB0E-C128177FA287}"/>
+                <a16:creationId xmlns:a16="http://schemas.microsoft.com/office/drawing/2014/main" id="{3D12782F-A9CF-4DFA-AB0E-C128177FA287}"/>
               </a:ext>
             </a:extLst>
           </p:cNvPr>
@@ -9761,8 +10896,127 @@
         </p:blipFill>
         <p:spPr>
           <a:xfrm>
-            <a:off x="1061854" y="2887016"/>
+            <a:off x="3861043" y="1482832"/>
             <a:ext cx="1421914" cy="1442112"/>
+          </a:xfrm>
+          <a:prstGeom prst="rect">
+            <a:avLst/>
+          </a:prstGeom>
+        </p:spPr>
+      </p:pic>
+      <p:pic>
+        <p:nvPicPr>
+          <p:cNvPr id="8" name="그림 7">
+            <a:extLst>
+              <a:ext uri="{FF2B5EF4-FFF2-40B4-BE49-F238E27FC236}">
+                <a16:creationId xmlns:a16="http://schemas.microsoft.com/office/drawing/2014/main" id="{86B8E498-A696-443E-B0A3-5AC628996D79}"/>
+              </a:ext>
+            </a:extLst>
+          </p:cNvPr>
+          <p:cNvPicPr>
+            <a:picLocks noChangeAspect="1"/>
+          </p:cNvPicPr>
+          <p:nvPr/>
+        </p:nvPicPr>
+        <p:blipFill>
+          <a:blip r:embed="rId7">
+            <a:extLst>
+              <a:ext uri="{BEBA8EAE-BF5A-486C-A8C5-ECC9F3942E4B}">
+                <a14:imgProps xmlns:a14="http://schemas.microsoft.com/office/drawing/2010/main">
+                  <a14:imgLayer r:embed="rId8">
+                    <a14:imgEffect>
+                      <a14:backgroundRemoval t="10000" b="90000" l="10000" r="90000"/>
+                    </a14:imgEffect>
+                    <a14:imgEffect>
+                      <a14:sharpenSoften amount="25000"/>
+                    </a14:imgEffect>
+                  </a14:imgLayer>
+                </a14:imgProps>
+              </a:ext>
+              <a:ext uri="{28A0092B-C50C-407E-A947-70E740481C1C}">
+                <a14:useLocalDpi xmlns:a14="http://schemas.microsoft.com/office/drawing/2010/main" val="0"/>
+              </a:ext>
+            </a:extLst>
+          </a:blip>
+          <a:stretch>
+            <a:fillRect/>
+          </a:stretch>
+        </p:blipFill>
+        <p:spPr>
+          <a:xfrm>
+            <a:off x="-66054" y="2915868"/>
+            <a:ext cx="2047128" cy="3548482"/>
+          </a:xfrm>
+          <a:prstGeom prst="rect">
+            <a:avLst/>
+          </a:prstGeom>
+        </p:spPr>
+      </p:pic>
+      <p:pic>
+        <p:nvPicPr>
+          <p:cNvPr id="5" name="그림 4">
+            <a:extLst>
+              <a:ext uri="{FF2B5EF4-FFF2-40B4-BE49-F238E27FC236}">
+                <a16:creationId xmlns:a16="http://schemas.microsoft.com/office/drawing/2014/main" id="{121F9708-B84F-4C3A-9A51-81F8DA2D15AC}"/>
+              </a:ext>
+            </a:extLst>
+          </p:cNvPr>
+          <p:cNvPicPr>
+            <a:picLocks noChangeAspect="1"/>
+          </p:cNvPicPr>
+          <p:nvPr/>
+        </p:nvPicPr>
+        <p:blipFill rotWithShape="1">
+          <a:blip r:embed="rId9">
+            <a:extLst>
+              <a:ext uri="{28A0092B-C50C-407E-A947-70E740481C1C}">
+                <a14:useLocalDpi xmlns:a14="http://schemas.microsoft.com/office/drawing/2010/main" val="0"/>
+              </a:ext>
+            </a:extLst>
+          </a:blip>
+          <a:srcRect l="5112" r="5902" b="22000"/>
+          <a:stretch/>
+        </p:blipFill>
+        <p:spPr>
+          <a:xfrm>
+            <a:off x="96703" y="1628800"/>
+            <a:ext cx="8950594" cy="4413101"/>
+          </a:xfrm>
+          <a:prstGeom prst="rect">
+            <a:avLst/>
+          </a:prstGeom>
+        </p:spPr>
+      </p:pic>
+      <p:pic>
+        <p:nvPicPr>
+          <p:cNvPr id="10" name="그림 9">
+            <a:extLst>
+              <a:ext uri="{FF2B5EF4-FFF2-40B4-BE49-F238E27FC236}">
+                <a16:creationId xmlns:a16="http://schemas.microsoft.com/office/drawing/2014/main" id="{DA2BB646-DFEA-4DBD-993D-231DE9BA7D24}"/>
+              </a:ext>
+            </a:extLst>
+          </p:cNvPr>
+          <p:cNvPicPr>
+            <a:picLocks noChangeAspect="1"/>
+          </p:cNvPicPr>
+          <p:nvPr/>
+        </p:nvPicPr>
+        <p:blipFill>
+          <a:blip r:embed="rId10">
+            <a:extLst>
+              <a:ext uri="{28A0092B-C50C-407E-A947-70E740481C1C}">
+                <a14:useLocalDpi xmlns:a14="http://schemas.microsoft.com/office/drawing/2010/main" val="0"/>
+              </a:ext>
+            </a:extLst>
+          </a:blip>
+          <a:stretch>
+            <a:fillRect/>
+          </a:stretch>
+        </p:blipFill>
+        <p:spPr>
+          <a:xfrm>
+            <a:off x="1047750" y="1782712"/>
+            <a:ext cx="7048500" cy="4105275"/>
           </a:xfrm>
           <a:prstGeom prst="rect">
             <a:avLst/>
@@ -9782,7 +11036,120 @@
   <p:timing>
     <p:tnLst>
       <p:par>
-        <p:cTn id="1" dur="indefinite" restart="never" nodeType="tmRoot"/>
+        <p:cTn id="1" dur="indefinite" restart="never" nodeType="tmRoot">
+          <p:childTnLst>
+            <p:seq concurrent="1" nextAc="seek">
+              <p:cTn id="2" dur="indefinite" nodeType="mainSeq">
+                <p:childTnLst>
+                  <p:par>
+                    <p:cTn id="3" fill="hold">
+                      <p:stCondLst>
+                        <p:cond delay="indefinite"/>
+                      </p:stCondLst>
+                      <p:childTnLst>
+                        <p:par>
+                          <p:cTn id="4" fill="hold">
+                            <p:stCondLst>
+                              <p:cond delay="0"/>
+                            </p:stCondLst>
+                            <p:childTnLst>
+                              <p:par>
+                                <p:cTn id="5" presetID="1" presetClass="entr" presetSubtype="0" fill="hold" nodeType="clickEffect">
+                                  <p:stCondLst>
+                                    <p:cond delay="0"/>
+                                  </p:stCondLst>
+                                  <p:childTnLst>
+                                    <p:set>
+                                      <p:cBhvr>
+                                        <p:cTn id="6" dur="1" fill="hold">
+                                          <p:stCondLst>
+                                            <p:cond delay="0"/>
+                                          </p:stCondLst>
+                                        </p:cTn>
+                                        <p:tgtEl>
+                                          <p:spTgt spid="5"/>
+                                        </p:tgtEl>
+                                        <p:attrNameLst>
+                                          <p:attrName>style.visibility</p:attrName>
+                                        </p:attrNameLst>
+                                      </p:cBhvr>
+                                      <p:to>
+                                        <p:strVal val="visible"/>
+                                      </p:to>
+                                    </p:set>
+                                  </p:childTnLst>
+                                </p:cTn>
+                              </p:par>
+                            </p:childTnLst>
+                          </p:cTn>
+                        </p:par>
+                      </p:childTnLst>
+                    </p:cTn>
+                  </p:par>
+                  <p:par>
+                    <p:cTn id="7" fill="hold">
+                      <p:stCondLst>
+                        <p:cond delay="indefinite"/>
+                      </p:stCondLst>
+                      <p:childTnLst>
+                        <p:par>
+                          <p:cTn id="8" fill="hold">
+                            <p:stCondLst>
+                              <p:cond delay="0"/>
+                            </p:stCondLst>
+                            <p:childTnLst>
+                              <p:par>
+                                <p:cTn id="9" presetID="1" presetClass="entr" presetSubtype="0" fill="hold" nodeType="clickEffect">
+                                  <p:stCondLst>
+                                    <p:cond delay="0"/>
+                                  </p:stCondLst>
+                                  <p:childTnLst>
+                                    <p:set>
+                                      <p:cBhvr>
+                                        <p:cTn id="10" dur="1" fill="hold">
+                                          <p:stCondLst>
+                                            <p:cond delay="0"/>
+                                          </p:stCondLst>
+                                        </p:cTn>
+                                        <p:tgtEl>
+                                          <p:spTgt spid="10"/>
+                                        </p:tgtEl>
+                                        <p:attrNameLst>
+                                          <p:attrName>style.visibility</p:attrName>
+                                        </p:attrNameLst>
+                                      </p:cBhvr>
+                                      <p:to>
+                                        <p:strVal val="visible"/>
+                                      </p:to>
+                                    </p:set>
+                                  </p:childTnLst>
+                                </p:cTn>
+                              </p:par>
+                            </p:childTnLst>
+                          </p:cTn>
+                        </p:par>
+                      </p:childTnLst>
+                    </p:cTn>
+                  </p:par>
+                </p:childTnLst>
+              </p:cTn>
+              <p:prevCondLst>
+                <p:cond evt="onPrev" delay="0">
+                  <p:tgtEl>
+                    <p:sldTgt/>
+                  </p:tgtEl>
+                </p:cond>
+              </p:prevCondLst>
+              <p:nextCondLst>
+                <p:cond evt="onNext" delay="0">
+                  <p:tgtEl>
+                    <p:sldTgt/>
+                  </p:tgtEl>
+                </p:cond>
+              </p:nextCondLst>
+            </p:seq>
+          </p:childTnLst>
+        </p:cTn>
       </p:par>
     </p:tnLst>
   </p:timing>
@@ -9965,7 +11332,10 @@
           <a:lstStyle/>
           <a:p>
             <a:pPr algn="ctr"/>
-            <a:endParaRPr lang="ko-KR" altLang="en-US"/>
+            <a:endParaRPr lang="ko-KR" altLang="en-US" dirty="0">
+              <a:latin typeface="나눔스퀘어" panose="020B0600000101010101" pitchFamily="50" charset="-127"/>
+              <a:ea typeface="나눔스퀘어" panose="020B0600000101010101" pitchFamily="50" charset="-127"/>
+            </a:endParaRPr>
           </a:p>
         </p:txBody>
       </p:sp>
@@ -10043,7 +11413,7 @@
           <a:p>
             <a:pPr algn="ctr"/>
             <a:r>
-              <a:rPr lang="ko-KR" altLang="en-US" sz="4800" dirty="0" smtClean="0">
+              <a:rPr lang="ko-KR" altLang="en-US" sz="4800" dirty="0">
                 <a:solidFill>
                   <a:schemeClr val="bg1"/>
                 </a:solidFill>
@@ -10063,7 +11433,7 @@
               <a:t> </a:t>
             </a:r>
             <a:r>
-              <a:rPr lang="ko-KR" altLang="en-US" sz="4800" dirty="0" smtClean="0">
+              <a:rPr lang="ko-KR" altLang="en-US" sz="4800" dirty="0">
                 <a:solidFill>
                   <a:schemeClr val="bg1"/>
                 </a:solidFill>
@@ -10092,13 +11462,6 @@
   <p:clrMapOvr>
     <a:masterClrMapping/>
   </p:clrMapOvr>
-  <p:timing>
-    <p:tnLst>
-      <p:par>
-        <p:cTn id="1" dur="indefinite" restart="never" nodeType="tmRoot"/>
-      </p:par>
-    </p:tnLst>
-  </p:timing>
 </p:sld>
 </file>
 
@@ -10328,7 +11691,7 @@
           <p:cNvPr id="11" name="직사각형 10">
             <a:extLst>
               <a:ext uri="{FF2B5EF4-FFF2-40B4-BE49-F238E27FC236}">
-                <a16:creationId xmlns:a16="http://schemas.microsoft.com/office/drawing/2014/main" xmlns="" id="{DB391C99-FAEB-4EBE-A3D7-46CC6AB62999}"/>
+                <a16:creationId xmlns:a16="http://schemas.microsoft.com/office/drawing/2014/main" id="{DB391C99-FAEB-4EBE-A3D7-46CC6AB62999}"/>
               </a:ext>
             </a:extLst>
           </p:cNvPr>
@@ -10392,13 +11755,6 @@
   <p:clrMapOvr>
     <a:masterClrMapping/>
   </p:clrMapOvr>
-  <p:timing>
-    <p:tnLst>
-      <p:par>
-        <p:cTn id="1" dur="indefinite" restart="never" nodeType="tmRoot"/>
-      </p:par>
-    </p:tnLst>
-  </p:timing>
 </p:sld>
 </file>
 
